--- a/02. GitLab - tutorial - Kontrola Wersji Oprogramowania.pptx
+++ b/02. GitLab - tutorial - Kontrola Wersji Oprogramowania.pptx
@@ -5,42 +5,43 @@
     <p:sldMasterId id="2147483648" r:id="rId1"/>
   </p:sldMasterIdLst>
   <p:notesMasterIdLst>
-    <p:notesMasterId r:id="rId35"/>
+    <p:notesMasterId r:id="rId36"/>
   </p:notesMasterIdLst>
   <p:sldIdLst>
     <p:sldId id="256" r:id="rId2"/>
-    <p:sldId id="294" r:id="rId3"/>
-    <p:sldId id="269" r:id="rId4"/>
-    <p:sldId id="293" r:id="rId5"/>
-    <p:sldId id="262" r:id="rId6"/>
-    <p:sldId id="265" r:id="rId7"/>
-    <p:sldId id="261" r:id="rId8"/>
-    <p:sldId id="297" r:id="rId9"/>
-    <p:sldId id="298" r:id="rId10"/>
-    <p:sldId id="299" r:id="rId11"/>
-    <p:sldId id="300" r:id="rId12"/>
-    <p:sldId id="301" r:id="rId13"/>
-    <p:sldId id="302" r:id="rId14"/>
-    <p:sldId id="303" r:id="rId15"/>
-    <p:sldId id="304" r:id="rId16"/>
-    <p:sldId id="305" r:id="rId17"/>
-    <p:sldId id="306" r:id="rId18"/>
-    <p:sldId id="307" r:id="rId19"/>
-    <p:sldId id="308" r:id="rId20"/>
-    <p:sldId id="270" r:id="rId21"/>
-    <p:sldId id="271" r:id="rId22"/>
-    <p:sldId id="296" r:id="rId23"/>
-    <p:sldId id="295" r:id="rId24"/>
-    <p:sldId id="272" r:id="rId25"/>
-    <p:sldId id="267" r:id="rId26"/>
-    <p:sldId id="268" r:id="rId27"/>
-    <p:sldId id="284" r:id="rId28"/>
-    <p:sldId id="285" r:id="rId29"/>
-    <p:sldId id="286" r:id="rId30"/>
-    <p:sldId id="291" r:id="rId31"/>
-    <p:sldId id="292" r:id="rId32"/>
-    <p:sldId id="277" r:id="rId33"/>
-    <p:sldId id="259" r:id="rId34"/>
+    <p:sldId id="269" r:id="rId3"/>
+    <p:sldId id="309" r:id="rId4"/>
+    <p:sldId id="294" r:id="rId5"/>
+    <p:sldId id="293" r:id="rId6"/>
+    <p:sldId id="262" r:id="rId7"/>
+    <p:sldId id="265" r:id="rId8"/>
+    <p:sldId id="261" r:id="rId9"/>
+    <p:sldId id="297" r:id="rId10"/>
+    <p:sldId id="298" r:id="rId11"/>
+    <p:sldId id="299" r:id="rId12"/>
+    <p:sldId id="300" r:id="rId13"/>
+    <p:sldId id="301" r:id="rId14"/>
+    <p:sldId id="302" r:id="rId15"/>
+    <p:sldId id="303" r:id="rId16"/>
+    <p:sldId id="304" r:id="rId17"/>
+    <p:sldId id="305" r:id="rId18"/>
+    <p:sldId id="306" r:id="rId19"/>
+    <p:sldId id="307" r:id="rId20"/>
+    <p:sldId id="308" r:id="rId21"/>
+    <p:sldId id="270" r:id="rId22"/>
+    <p:sldId id="271" r:id="rId23"/>
+    <p:sldId id="296" r:id="rId24"/>
+    <p:sldId id="295" r:id="rId25"/>
+    <p:sldId id="272" r:id="rId26"/>
+    <p:sldId id="267" r:id="rId27"/>
+    <p:sldId id="268" r:id="rId28"/>
+    <p:sldId id="284" r:id="rId29"/>
+    <p:sldId id="285" r:id="rId30"/>
+    <p:sldId id="286" r:id="rId31"/>
+    <p:sldId id="291" r:id="rId32"/>
+    <p:sldId id="292" r:id="rId33"/>
+    <p:sldId id="277" r:id="rId34"/>
+    <p:sldId id="259" r:id="rId35"/>
   </p:sldIdLst>
   <p:sldSz cx="9144000" cy="5143500" type="screen16x9"/>
   <p:notesSz cx="6858000" cy="9144000"/>
@@ -224,7 +225,7 @@
           <a:p>
             <a:fld id="{F4CC630C-9AF6-49E5-9919-D038F5C57BFC}" type="datetimeFigureOut">
               <a:rPr lang="en-US" smtClean="0"/>
-              <a:t>3/19/2021</a:t>
+              <a:t>3/24/2021</a:t>
             </a:fld>
             <a:endParaRPr lang="en-US"/>
           </a:p>
@@ -673,7 +674,7 @@
           <a:p>
             <a:fld id="{F19922E3-32CA-40BB-949D-A04DA951D7AE}" type="datetimeFigureOut">
               <a:rPr lang="en-US" smtClean="0"/>
-              <a:t>3/19/2021</a:t>
+              <a:t>3/24/2021</a:t>
             </a:fld>
             <a:endParaRPr lang="en-US"/>
           </a:p>
@@ -843,7 +844,7 @@
           <a:p>
             <a:fld id="{F19922E3-32CA-40BB-949D-A04DA951D7AE}" type="datetimeFigureOut">
               <a:rPr lang="en-US" smtClean="0"/>
-              <a:t>3/19/2021</a:t>
+              <a:t>3/24/2021</a:t>
             </a:fld>
             <a:endParaRPr lang="en-US"/>
           </a:p>
@@ -1023,7 +1024,7 @@
           <a:p>
             <a:fld id="{F19922E3-32CA-40BB-949D-A04DA951D7AE}" type="datetimeFigureOut">
               <a:rPr lang="en-US" smtClean="0"/>
-              <a:t>3/19/2021</a:t>
+              <a:t>3/24/2021</a:t>
             </a:fld>
             <a:endParaRPr lang="en-US"/>
           </a:p>
@@ -1193,7 +1194,7 @@
           <a:p>
             <a:fld id="{F19922E3-32CA-40BB-949D-A04DA951D7AE}" type="datetimeFigureOut">
               <a:rPr lang="en-US" smtClean="0"/>
-              <a:t>3/19/2021</a:t>
+              <a:t>3/24/2021</a:t>
             </a:fld>
             <a:endParaRPr lang="en-US"/>
           </a:p>
@@ -1439,7 +1440,7 @@
           <a:p>
             <a:fld id="{F19922E3-32CA-40BB-949D-A04DA951D7AE}" type="datetimeFigureOut">
               <a:rPr lang="en-US" smtClean="0"/>
-              <a:t>3/19/2021</a:t>
+              <a:t>3/24/2021</a:t>
             </a:fld>
             <a:endParaRPr lang="en-US"/>
           </a:p>
@@ -1727,7 +1728,7 @@
           <a:p>
             <a:fld id="{F19922E3-32CA-40BB-949D-A04DA951D7AE}" type="datetimeFigureOut">
               <a:rPr lang="en-US" smtClean="0"/>
-              <a:t>3/19/2021</a:t>
+              <a:t>3/24/2021</a:t>
             </a:fld>
             <a:endParaRPr lang="en-US"/>
           </a:p>
@@ -2154,7 +2155,7 @@
           <a:p>
             <a:fld id="{F19922E3-32CA-40BB-949D-A04DA951D7AE}" type="datetimeFigureOut">
               <a:rPr lang="en-US" smtClean="0"/>
-              <a:t>3/19/2021</a:t>
+              <a:t>3/24/2021</a:t>
             </a:fld>
             <a:endParaRPr lang="en-US"/>
           </a:p>
@@ -2272,7 +2273,7 @@
           <a:p>
             <a:fld id="{F19922E3-32CA-40BB-949D-A04DA951D7AE}" type="datetimeFigureOut">
               <a:rPr lang="en-US" smtClean="0"/>
-              <a:t>3/19/2021</a:t>
+              <a:t>3/24/2021</a:t>
             </a:fld>
             <a:endParaRPr lang="en-US"/>
           </a:p>
@@ -2367,7 +2368,7 @@
           <a:p>
             <a:fld id="{F19922E3-32CA-40BB-949D-A04DA951D7AE}" type="datetimeFigureOut">
               <a:rPr lang="en-US" smtClean="0"/>
-              <a:t>3/19/2021</a:t>
+              <a:t>3/24/2021</a:t>
             </a:fld>
             <a:endParaRPr lang="en-US"/>
           </a:p>
@@ -2644,7 +2645,7 @@
           <a:p>
             <a:fld id="{F19922E3-32CA-40BB-949D-A04DA951D7AE}" type="datetimeFigureOut">
               <a:rPr lang="en-US" smtClean="0"/>
-              <a:t>3/19/2021</a:t>
+              <a:t>3/24/2021</a:t>
             </a:fld>
             <a:endParaRPr lang="en-US"/>
           </a:p>
@@ -2897,7 +2898,7 @@
           <a:p>
             <a:fld id="{F19922E3-32CA-40BB-949D-A04DA951D7AE}" type="datetimeFigureOut">
               <a:rPr lang="en-US" smtClean="0"/>
-              <a:t>3/19/2021</a:t>
+              <a:t>3/24/2021</a:t>
             </a:fld>
             <a:endParaRPr lang="en-US"/>
           </a:p>
@@ -3119,7 +3120,7 @@
           <a:p>
             <a:fld id="{F19922E3-32CA-40BB-949D-A04DA951D7AE}" type="datetimeFigureOut">
               <a:rPr lang="en-US" smtClean="0"/>
-              <a:t>3/19/2021</a:t>
+              <a:t>3/24/2021</a:t>
             </a:fld>
             <a:endParaRPr lang="en-US"/>
           </a:p>
@@ -3583,14 +3584,7 @@
                 <a:latin typeface="Verdana" panose="020B0604030504040204" pitchFamily="34" charset="0"/>
                 <a:ea typeface="Verdana" panose="020B0604030504040204" pitchFamily="34" charset="0"/>
               </a:rPr>
-              <a:t>Kontrola </a:t>
-            </a:r>
-            <a:r>
-              <a:rPr lang="pl-PL" sz="1800" i="1" dirty="0" smtClean="0">
-                <a:latin typeface="Verdana" panose="020B0604030504040204" pitchFamily="34" charset="0"/>
-                <a:ea typeface="Verdana" panose="020B0604030504040204" pitchFamily="34" charset="0"/>
-              </a:rPr>
-              <a:t>Wersji Oprogramowania</a:t>
+              <a:t>Kontrola Wersji Oprogramowania</a:t>
             </a:r>
             <a:endParaRPr lang="en-US" sz="1800" i="1" dirty="0">
               <a:latin typeface="Verdana" panose="020B0604030504040204" pitchFamily="34" charset="0"/>
@@ -3649,6 +3643,235 @@
 </file>
 
 <file path=ppt/slides/slide10.xml><?xml version="1.0" encoding="utf-8"?>
+<p:sld xmlns:a="http://schemas.openxmlformats.org/drawingml/2006/main" xmlns:r="http://schemas.openxmlformats.org/officeDocument/2006/relationships" xmlns:p="http://schemas.openxmlformats.org/presentationml/2006/main">
+  <p:cSld>
+    <p:spTree>
+      <p:nvGrpSpPr>
+        <p:cNvPr id="1" name=""/>
+        <p:cNvGrpSpPr/>
+        <p:nvPr/>
+      </p:nvGrpSpPr>
+      <p:grpSpPr>
+        <a:xfrm>
+          <a:off x="0" y="0"/>
+          <a:ext cx="0" cy="0"/>
+          <a:chOff x="0" y="0"/>
+          <a:chExt cx="0" cy="0"/>
+        </a:xfrm>
+      </p:grpSpPr>
+      <p:sp>
+        <p:nvSpPr>
+          <p:cNvPr id="3" name="Symbol zastępczy zawartości 2"/>
+          <p:cNvSpPr>
+            <a:spLocks noGrp="1"/>
+          </p:cNvSpPr>
+          <p:nvPr>
+            <p:ph idx="1"/>
+          </p:nvPr>
+        </p:nvSpPr>
+        <p:spPr/>
+        <p:txBody>
+          <a:bodyPr>
+            <a:normAutofit/>
+          </a:bodyPr>
+          <a:lstStyle/>
+          <a:p>
+            <a:pPr marL="0" indent="0">
+              <a:buNone/>
+            </a:pPr>
+            <a:r>
+              <a:rPr lang="pl-PL" sz="1800" b="1" dirty="0" smtClean="0"/>
+              <a:t>Interfejs Użytkownika</a:t>
+            </a:r>
+            <a:endParaRPr lang="en-US" sz="1800" b="1" dirty="0"/>
+          </a:p>
+        </p:txBody>
+      </p:sp>
+      <p:pic>
+        <p:nvPicPr>
+          <p:cNvPr id="1028" name="Picture 4" descr="Inconsistent &quot;GitExt Browse&quot; icon · Issue #5117 ·  gitextensions/gitextensions · GitHub"/>
+          <p:cNvPicPr>
+            <a:picLocks noChangeAspect="1" noChangeArrowheads="1"/>
+          </p:cNvPicPr>
+          <p:nvPr/>
+        </p:nvPicPr>
+        <p:blipFill>
+          <a:blip r:embed="rId2" cstate="print">
+            <a:extLst>
+              <a:ext uri="{28A0092B-C50C-407E-A947-70E740481C1C}">
+                <a14:useLocalDpi xmlns:a14="http://schemas.microsoft.com/office/drawing/2010/main" val="0"/>
+              </a:ext>
+            </a:extLst>
+          </a:blip>
+          <a:srcRect/>
+          <a:stretch>
+            <a:fillRect/>
+          </a:stretch>
+        </p:blipFill>
+        <p:spPr bwMode="auto">
+          <a:xfrm>
+            <a:off x="5580112" y="3189585"/>
+            <a:ext cx="2931186" cy="936104"/>
+          </a:xfrm>
+          <a:prstGeom prst="rect">
+            <a:avLst/>
+          </a:prstGeom>
+          <a:noFill/>
+          <a:extLst>
+            <a:ext uri="{909E8E84-426E-40DD-AFC4-6F175D3DCCD1}">
+              <a14:hiddenFill xmlns:a14="http://schemas.microsoft.com/office/drawing/2010/main">
+                <a:solidFill>
+                  <a:srgbClr val="FFFFFF"/>
+                </a:solidFill>
+              </a14:hiddenFill>
+            </a:ext>
+          </a:extLst>
+        </p:spPr>
+      </p:pic>
+      <p:pic>
+        <p:nvPicPr>
+          <p:cNvPr id="1030" name="Picture 6" descr="What is Git Bash and How to Install it on Windows? - Appuals.com"/>
+          <p:cNvPicPr>
+            <a:picLocks noChangeAspect="1" noChangeArrowheads="1"/>
+          </p:cNvPicPr>
+          <p:nvPr/>
+        </p:nvPicPr>
+        <p:blipFill>
+          <a:blip r:embed="rId3" cstate="print">
+            <a:extLst>
+              <a:ext uri="{28A0092B-C50C-407E-A947-70E740481C1C}">
+                <a14:useLocalDpi xmlns:a14="http://schemas.microsoft.com/office/drawing/2010/main" val="0"/>
+              </a:ext>
+            </a:extLst>
+          </a:blip>
+          <a:srcRect/>
+          <a:stretch>
+            <a:fillRect/>
+          </a:stretch>
+        </p:blipFill>
+        <p:spPr bwMode="auto">
+          <a:xfrm>
+            <a:off x="3131840" y="1635646"/>
+            <a:ext cx="2286451" cy="1217166"/>
+          </a:xfrm>
+          <a:prstGeom prst="rect">
+            <a:avLst/>
+          </a:prstGeom>
+          <a:noFill/>
+          <a:extLst>
+            <a:ext uri="{909E8E84-426E-40DD-AFC4-6F175D3DCCD1}">
+              <a14:hiddenFill xmlns:a14="http://schemas.microsoft.com/office/drawing/2010/main">
+                <a:solidFill>
+                  <a:srgbClr val="FFFFFF"/>
+                </a:solidFill>
+              </a14:hiddenFill>
+            </a:ext>
+          </a:extLst>
+        </p:spPr>
+      </p:pic>
+      <p:pic>
+        <p:nvPicPr>
+          <p:cNvPr id="1032" name="Picture 8" descr="Outils de Développement Logiciel: TortoiseGit et Tuto Git ce que manquait  pour bien démarrer"/>
+          <p:cNvPicPr>
+            <a:picLocks noChangeAspect="1" noChangeArrowheads="1"/>
+          </p:cNvPicPr>
+          <p:nvPr/>
+        </p:nvPicPr>
+        <p:blipFill>
+          <a:blip r:embed="rId4">
+            <a:extLst>
+              <a:ext uri="{28A0092B-C50C-407E-A947-70E740481C1C}">
+                <a14:useLocalDpi xmlns:a14="http://schemas.microsoft.com/office/drawing/2010/main" val="0"/>
+              </a:ext>
+            </a:extLst>
+          </a:blip>
+          <a:srcRect/>
+          <a:stretch>
+            <a:fillRect/>
+          </a:stretch>
+        </p:blipFill>
+        <p:spPr bwMode="auto">
+          <a:xfrm>
+            <a:off x="1043608" y="2715766"/>
+            <a:ext cx="1914525" cy="1533526"/>
+          </a:xfrm>
+          <a:prstGeom prst="rect">
+            <a:avLst/>
+          </a:prstGeom>
+          <a:noFill/>
+          <a:extLst>
+            <a:ext uri="{909E8E84-426E-40DD-AFC4-6F175D3DCCD1}">
+              <a14:hiddenFill xmlns:a14="http://schemas.microsoft.com/office/drawing/2010/main">
+                <a:solidFill>
+                  <a:srgbClr val="FFFFFF"/>
+                </a:solidFill>
+              </a14:hiddenFill>
+            </a:ext>
+          </a:extLst>
+        </p:spPr>
+      </p:pic>
+      <p:pic>
+        <p:nvPicPr>
+          <p:cNvPr id="1034" name="Picture 10" descr="GitHub - marek-saji/git-przewodnik: Przewodnik po Gicie. Na chwilę obecną  dość chaotyczny."/>
+          <p:cNvPicPr>
+            <a:picLocks noChangeAspect="1" noChangeArrowheads="1"/>
+          </p:cNvPicPr>
+          <p:nvPr/>
+        </p:nvPicPr>
+        <p:blipFill>
+          <a:blip r:embed="rId5" cstate="print">
+            <a:extLst>
+              <a:ext uri="{28A0092B-C50C-407E-A947-70E740481C1C}">
+                <a14:useLocalDpi xmlns:a14="http://schemas.microsoft.com/office/drawing/2010/main" val="0"/>
+              </a:ext>
+            </a:extLst>
+          </a:blip>
+          <a:srcRect/>
+          <a:stretch>
+            <a:fillRect/>
+          </a:stretch>
+        </p:blipFill>
+        <p:spPr bwMode="auto">
+          <a:xfrm>
+            <a:off x="3203848" y="435194"/>
+            <a:ext cx="1610966" cy="672711"/>
+          </a:xfrm>
+          <a:prstGeom prst="rect">
+            <a:avLst/>
+          </a:prstGeom>
+          <a:noFill/>
+          <a:extLst>
+            <a:ext uri="{909E8E84-426E-40DD-AFC4-6F175D3DCCD1}">
+              <a14:hiddenFill xmlns:a14="http://schemas.microsoft.com/office/drawing/2010/main">
+                <a:solidFill>
+                  <a:srgbClr val="FFFFFF"/>
+                </a:solidFill>
+              </a14:hiddenFill>
+            </a:ext>
+          </a:extLst>
+        </p:spPr>
+      </p:pic>
+    </p:spTree>
+    <p:extLst>
+      <p:ext uri="{BB962C8B-B14F-4D97-AF65-F5344CB8AC3E}">
+        <p14:creationId xmlns:p14="http://schemas.microsoft.com/office/powerpoint/2010/main" val="2866295409"/>
+      </p:ext>
+    </p:extLst>
+  </p:cSld>
+  <p:clrMapOvr>
+    <a:masterClrMapping/>
+  </p:clrMapOvr>
+  <p:timing>
+    <p:tnLst>
+      <p:par>
+        <p:cTn id="1" dur="indefinite" restart="never" nodeType="tmRoot"/>
+      </p:par>
+    </p:tnLst>
+  </p:timing>
+</p:sld>
+</file>
+
+<file path=ppt/slides/slide11.xml><?xml version="1.0" encoding="utf-8"?>
 <p:sld xmlns:a="http://schemas.openxmlformats.org/drawingml/2006/main" xmlns:r="http://schemas.openxmlformats.org/officeDocument/2006/relationships" xmlns:p="http://schemas.openxmlformats.org/presentationml/2006/main">
   <p:cSld>
     <p:spTree>
@@ -3836,7 +4059,7 @@
 </p:sld>
 </file>
 
-<file path=ppt/slides/slide11.xml><?xml version="1.0" encoding="utf-8"?>
+<file path=ppt/slides/slide12.xml><?xml version="1.0" encoding="utf-8"?>
 <p:sld xmlns:a="http://schemas.openxmlformats.org/drawingml/2006/main" xmlns:r="http://schemas.openxmlformats.org/officeDocument/2006/relationships" xmlns:p="http://schemas.openxmlformats.org/presentationml/2006/main">
   <p:cSld>
     <p:spTree>
@@ -3940,7 +4163,7 @@
 </p:sld>
 </file>
 
-<file path=ppt/slides/slide12.xml><?xml version="1.0" encoding="utf-8"?>
+<file path=ppt/slides/slide13.xml><?xml version="1.0" encoding="utf-8"?>
 <p:sld xmlns:a="http://schemas.openxmlformats.org/drawingml/2006/main" xmlns:r="http://schemas.openxmlformats.org/officeDocument/2006/relationships" xmlns:p="http://schemas.openxmlformats.org/presentationml/2006/main">
   <p:cSld>
     <p:spTree>
@@ -4142,7 +4365,7 @@
 </p:sld>
 </file>
 
-<file path=ppt/slides/slide13.xml><?xml version="1.0" encoding="utf-8"?>
+<file path=ppt/slides/slide14.xml><?xml version="1.0" encoding="utf-8"?>
 <p:sld xmlns:a="http://schemas.openxmlformats.org/drawingml/2006/main" xmlns:r="http://schemas.openxmlformats.org/officeDocument/2006/relationships" xmlns:p="http://schemas.openxmlformats.org/presentationml/2006/main">
   <p:cSld>
     <p:spTree>
@@ -4279,7 +4502,7 @@
 </p:sld>
 </file>
 
-<file path=ppt/slides/slide14.xml><?xml version="1.0" encoding="utf-8"?>
+<file path=ppt/slides/slide15.xml><?xml version="1.0" encoding="utf-8"?>
 <p:sld xmlns:a="http://schemas.openxmlformats.org/drawingml/2006/main" xmlns:r="http://schemas.openxmlformats.org/officeDocument/2006/relationships" xmlns:p="http://schemas.openxmlformats.org/presentationml/2006/main">
   <p:cSld>
     <p:spTree>
@@ -4397,7 +4620,7 @@
 </p:sld>
 </file>
 
-<file path=ppt/slides/slide15.xml><?xml version="1.0" encoding="utf-8"?>
+<file path=ppt/slides/slide16.xml><?xml version="1.0" encoding="utf-8"?>
 <p:sld xmlns:a="http://schemas.openxmlformats.org/drawingml/2006/main" xmlns:r="http://schemas.openxmlformats.org/officeDocument/2006/relationships" xmlns:p="http://schemas.openxmlformats.org/presentationml/2006/main">
   <p:cSld>
     <p:spTree>
@@ -4552,7 +4775,7 @@
 </p:sld>
 </file>
 
-<file path=ppt/slides/slide16.xml><?xml version="1.0" encoding="utf-8"?>
+<file path=ppt/slides/slide17.xml><?xml version="1.0" encoding="utf-8"?>
 <p:sld xmlns:a="http://schemas.openxmlformats.org/drawingml/2006/main" xmlns:r="http://schemas.openxmlformats.org/officeDocument/2006/relationships" xmlns:p="http://schemas.openxmlformats.org/presentationml/2006/main">
   <p:cSld>
     <p:spTree>
@@ -4669,7 +4892,7 @@
 </p:sld>
 </file>
 
-<file path=ppt/slides/slide17.xml><?xml version="1.0" encoding="utf-8"?>
+<file path=ppt/slides/slide18.xml><?xml version="1.0" encoding="utf-8"?>
 <p:sld xmlns:a="http://schemas.openxmlformats.org/drawingml/2006/main" xmlns:r="http://schemas.openxmlformats.org/officeDocument/2006/relationships" xmlns:p="http://schemas.openxmlformats.org/presentationml/2006/main">
   <p:cSld>
     <p:spTree>
@@ -4814,7 +5037,7 @@
 </p:sld>
 </file>
 
-<file path=ppt/slides/slide18.xml><?xml version="1.0" encoding="utf-8"?>
+<file path=ppt/slides/slide19.xml><?xml version="1.0" encoding="utf-8"?>
 <p:sld xmlns:a="http://schemas.openxmlformats.org/drawingml/2006/main" xmlns:r="http://schemas.openxmlformats.org/officeDocument/2006/relationships" xmlns:p="http://schemas.openxmlformats.org/presentationml/2006/main">
   <p:cSld>
     <p:spTree>
@@ -4939,7 +5162,110 @@
 </p:sld>
 </file>
 
-<file path=ppt/slides/slide19.xml><?xml version="1.0" encoding="utf-8"?>
+<file path=ppt/slides/slide2.xml><?xml version="1.0" encoding="utf-8"?>
+<p:sld xmlns:a="http://schemas.openxmlformats.org/drawingml/2006/main" xmlns:r="http://schemas.openxmlformats.org/officeDocument/2006/relationships" xmlns:p="http://schemas.openxmlformats.org/presentationml/2006/main">
+  <p:cSld>
+    <p:spTree>
+      <p:nvGrpSpPr>
+        <p:cNvPr id="1" name=""/>
+        <p:cNvGrpSpPr/>
+        <p:nvPr/>
+      </p:nvGrpSpPr>
+      <p:grpSpPr>
+        <a:xfrm>
+          <a:off x="0" y="0"/>
+          <a:ext cx="0" cy="0"/>
+          <a:chOff x="0" y="0"/>
+          <a:chExt cx="0" cy="0"/>
+        </a:xfrm>
+      </p:grpSpPr>
+      <p:sp>
+        <p:nvSpPr>
+          <p:cNvPr id="3" name="Symbol zastępczy zawartości 2"/>
+          <p:cNvSpPr>
+            <a:spLocks noGrp="1"/>
+          </p:cNvSpPr>
+          <p:nvPr>
+            <p:ph idx="1"/>
+          </p:nvPr>
+        </p:nvSpPr>
+        <p:spPr/>
+        <p:txBody>
+          <a:bodyPr>
+            <a:normAutofit/>
+          </a:bodyPr>
+          <a:lstStyle/>
+          <a:p>
+            <a:pPr marL="0" indent="0">
+              <a:buNone/>
+            </a:pPr>
+            <a:r>
+              <a:rPr lang="pl-PL" sz="1800" b="1" dirty="0" smtClean="0"/>
+              <a:t>Software Development Life </a:t>
+            </a:r>
+            <a:r>
+              <a:rPr lang="pl-PL" sz="1800" b="1" dirty="0" err="1" smtClean="0"/>
+              <a:t>Cycle</a:t>
+            </a:r>
+            <a:endParaRPr lang="pl-PL" sz="1800" b="1" dirty="0" smtClean="0"/>
+          </a:p>
+        </p:txBody>
+      </p:sp>
+      <p:pic>
+        <p:nvPicPr>
+          <p:cNvPr id="4" name="Picture 4" descr="DevOps and Agile Methodologies in your Software Development Life Cycle –  Denken Solutions — Blog"/>
+          <p:cNvPicPr>
+            <a:picLocks noChangeAspect="1" noChangeArrowheads="1"/>
+          </p:cNvPicPr>
+          <p:nvPr/>
+        </p:nvPicPr>
+        <p:blipFill>
+          <a:blip r:embed="rId2" cstate="print">
+            <a:extLst>
+              <a:ext uri="{28A0092B-C50C-407E-A947-70E740481C1C}">
+                <a14:useLocalDpi xmlns:a14="http://schemas.microsoft.com/office/drawing/2010/main" val="0"/>
+              </a:ext>
+            </a:extLst>
+          </a:blip>
+          <a:srcRect/>
+          <a:stretch>
+            <a:fillRect/>
+          </a:stretch>
+        </p:blipFill>
+        <p:spPr bwMode="auto">
+          <a:xfrm>
+            <a:off x="2421685" y="1851670"/>
+            <a:ext cx="4300630" cy="2808312"/>
+          </a:xfrm>
+          <a:prstGeom prst="rect">
+            <a:avLst/>
+          </a:prstGeom>
+          <a:noFill/>
+          <a:extLst>
+            <a:ext uri="{909E8E84-426E-40DD-AFC4-6F175D3DCCD1}">
+              <a14:hiddenFill xmlns:a14="http://schemas.microsoft.com/office/drawing/2010/main">
+                <a:solidFill>
+                  <a:srgbClr val="FFFFFF"/>
+                </a:solidFill>
+              </a14:hiddenFill>
+            </a:ext>
+          </a:extLst>
+        </p:spPr>
+      </p:pic>
+    </p:spTree>
+    <p:extLst>
+      <p:ext uri="{BB962C8B-B14F-4D97-AF65-F5344CB8AC3E}">
+        <p14:creationId xmlns:p14="http://schemas.microsoft.com/office/powerpoint/2010/main" val="1797439306"/>
+      </p:ext>
+    </p:extLst>
+  </p:cSld>
+  <p:clrMapOvr>
+    <a:masterClrMapping/>
+  </p:clrMapOvr>
+</p:sld>
+</file>
+
+<file path=ppt/slides/slide20.xml><?xml version="1.0" encoding="utf-8"?>
 <p:sld xmlns:a="http://schemas.openxmlformats.org/drawingml/2006/main" xmlns:r="http://schemas.openxmlformats.org/officeDocument/2006/relationships" xmlns:p="http://schemas.openxmlformats.org/presentationml/2006/main">
   <p:cSld>
     <p:spTree>
@@ -5053,380 +5379,6 @@
 </p:sld>
 </file>
 
-<file path=ppt/slides/slide2.xml><?xml version="1.0" encoding="utf-8"?>
-<p:sld xmlns:a="http://schemas.openxmlformats.org/drawingml/2006/main" xmlns:r="http://schemas.openxmlformats.org/officeDocument/2006/relationships" xmlns:p="http://schemas.openxmlformats.org/presentationml/2006/main">
-  <p:cSld>
-    <p:spTree>
-      <p:nvGrpSpPr>
-        <p:cNvPr id="1" name=""/>
-        <p:cNvGrpSpPr/>
-        <p:nvPr/>
-      </p:nvGrpSpPr>
-      <p:grpSpPr>
-        <a:xfrm>
-          <a:off x="0" y="0"/>
-          <a:ext cx="0" cy="0"/>
-          <a:chOff x="0" y="0"/>
-          <a:chExt cx="0" cy="0"/>
-        </a:xfrm>
-      </p:grpSpPr>
-      <p:sp>
-        <p:nvSpPr>
-          <p:cNvPr id="3" name="Symbol zastępczy zawartości 2"/>
-          <p:cNvSpPr>
-            <a:spLocks noGrp="1"/>
-          </p:cNvSpPr>
-          <p:nvPr>
-            <p:ph idx="1"/>
-          </p:nvPr>
-        </p:nvSpPr>
-        <p:spPr/>
-        <p:txBody>
-          <a:bodyPr>
-            <a:normAutofit/>
-          </a:bodyPr>
-          <a:lstStyle/>
-          <a:p>
-            <a:pPr marL="0" indent="0">
-              <a:buNone/>
-            </a:pPr>
-            <a:r>
-              <a:rPr lang="pl-PL" sz="1800" b="1" dirty="0"/>
-              <a:t>Software </a:t>
-            </a:r>
-            <a:r>
-              <a:rPr lang="pl-PL" sz="1800" b="1" dirty="0" err="1"/>
-              <a:t>Configuration</a:t>
-            </a:r>
-            <a:r>
-              <a:rPr lang="pl-PL" sz="1800" b="1" dirty="0"/>
-              <a:t> Management (SCM</a:t>
-            </a:r>
-            <a:r>
-              <a:rPr lang="pl-PL" sz="1800" b="1" dirty="0" smtClean="0"/>
-              <a:t>)</a:t>
-            </a:r>
-            <a:endParaRPr lang="pl-PL" sz="1800" b="1" dirty="0"/>
-          </a:p>
-        </p:txBody>
-      </p:sp>
-      <p:pic>
-        <p:nvPicPr>
-          <p:cNvPr id="2" name="Picture 2" descr="Automatyzacja w procesie wytwarzania oprogramowania - testerzy.pl - Lepsza  jakość testowania"/>
-          <p:cNvPicPr>
-            <a:picLocks noChangeAspect="1" noChangeArrowheads="1"/>
-          </p:cNvPicPr>
-          <p:nvPr/>
-        </p:nvPicPr>
-        <p:blipFill>
-          <a:blip r:embed="rId2" cstate="print">
-            <a:extLst>
-              <a:ext uri="{28A0092B-C50C-407E-A947-70E740481C1C}">
-                <a14:useLocalDpi xmlns:a14="http://schemas.microsoft.com/office/drawing/2010/main" val="0"/>
-              </a:ext>
-            </a:extLst>
-          </a:blip>
-          <a:srcRect/>
-          <a:stretch>
-            <a:fillRect/>
-          </a:stretch>
-        </p:blipFill>
-        <p:spPr bwMode="auto">
-          <a:xfrm>
-            <a:off x="2163624" y="1851670"/>
-            <a:ext cx="4781714" cy="2537509"/>
-          </a:xfrm>
-          <a:prstGeom prst="rect">
-            <a:avLst/>
-          </a:prstGeom>
-          <a:noFill/>
-          <a:extLst>
-            <a:ext uri="{909E8E84-426E-40DD-AFC4-6F175D3DCCD1}">
-              <a14:hiddenFill xmlns:a14="http://schemas.microsoft.com/office/drawing/2010/main">
-                <a:solidFill>
-                  <a:srgbClr val="FFFFFF"/>
-                </a:solidFill>
-              </a14:hiddenFill>
-            </a:ext>
-          </a:extLst>
-        </p:spPr>
-      </p:pic>
-    </p:spTree>
-    <p:extLst>
-      <p:ext uri="{BB962C8B-B14F-4D97-AF65-F5344CB8AC3E}">
-        <p14:creationId xmlns:p14="http://schemas.microsoft.com/office/powerpoint/2010/main" val="371561574"/>
-      </p:ext>
-    </p:extLst>
-  </p:cSld>
-  <p:clrMapOvr>
-    <a:masterClrMapping/>
-  </p:clrMapOvr>
-</p:sld>
-</file>
-
-<file path=ppt/slides/slide20.xml><?xml version="1.0" encoding="utf-8"?>
-<p:sld xmlns:a="http://schemas.openxmlformats.org/drawingml/2006/main" xmlns:r="http://schemas.openxmlformats.org/officeDocument/2006/relationships" xmlns:p="http://schemas.openxmlformats.org/presentationml/2006/main">
-  <p:cSld>
-    <p:spTree>
-      <p:nvGrpSpPr>
-        <p:cNvPr id="1" name=""/>
-        <p:cNvGrpSpPr/>
-        <p:nvPr/>
-      </p:nvGrpSpPr>
-      <p:grpSpPr>
-        <a:xfrm>
-          <a:off x="0" y="0"/>
-          <a:ext cx="0" cy="0"/>
-          <a:chOff x="0" y="0"/>
-          <a:chExt cx="0" cy="0"/>
-        </a:xfrm>
-      </p:grpSpPr>
-      <p:sp>
-        <p:nvSpPr>
-          <p:cNvPr id="3" name="Symbol zastępczy zawartości 2"/>
-          <p:cNvSpPr>
-            <a:spLocks noGrp="1"/>
-          </p:cNvSpPr>
-          <p:nvPr>
-            <p:ph idx="1"/>
-          </p:nvPr>
-        </p:nvSpPr>
-        <p:spPr/>
-        <p:txBody>
-          <a:bodyPr>
-            <a:normAutofit/>
-          </a:bodyPr>
-          <a:lstStyle/>
-          <a:p>
-            <a:pPr marL="0" indent="0">
-              <a:buNone/>
-            </a:pPr>
-            <a:r>
-              <a:rPr lang="pl-PL" sz="1800" b="1" dirty="0" smtClean="0"/>
-              <a:t>Konfiguracja Git</a:t>
-            </a:r>
-          </a:p>
-          <a:p>
-            <a:pPr marL="400050" lvl="1" indent="0">
-              <a:buNone/>
-            </a:pPr>
-            <a:endParaRPr lang="pl-PL" sz="900" dirty="0" smtClean="0">
-              <a:hlinkClick r:id="rId2"/>
-            </a:endParaRPr>
-          </a:p>
-          <a:p>
-            <a:pPr marL="400050" lvl="1" indent="0">
-              <a:buNone/>
-            </a:pPr>
-            <a:r>
-              <a:rPr lang="pl-PL" sz="900" dirty="0" smtClean="0">
-                <a:hlinkClick r:id="rId2"/>
-              </a:rPr>
-              <a:t>https</a:t>
-            </a:r>
-            <a:r>
-              <a:rPr lang="pl-PL" sz="900" dirty="0">
-                <a:hlinkClick r:id="rId2"/>
-              </a:rPr>
-              <a:t>://</a:t>
-            </a:r>
-            <a:r>
-              <a:rPr lang="pl-PL" sz="900" dirty="0" smtClean="0">
-                <a:hlinkClick r:id="rId2"/>
-              </a:rPr>
-              <a:t>www.atlassian.com/git/tutorials/setting-up-a-repository/git-config</a:t>
-            </a:r>
-            <a:endParaRPr lang="pl-PL" sz="900" dirty="0" smtClean="0"/>
-          </a:p>
-          <a:p>
-            <a:pPr marL="400050" lvl="1" indent="0">
-              <a:buNone/>
-            </a:pPr>
-            <a:endParaRPr lang="pl-PL" sz="1000" dirty="0" smtClean="0"/>
-          </a:p>
-          <a:p>
-            <a:pPr lvl="1">
-              <a:buFont typeface="Wingdings" panose="05000000000000000000" pitchFamily="2" charset="2"/>
-              <a:buChar char="§"/>
-            </a:pPr>
-            <a:r>
-              <a:rPr lang="fr-FR" sz="1000" dirty="0">
-                <a:latin typeface="Courier New" panose="02070309020205020404" pitchFamily="49" charset="0"/>
-                <a:cs typeface="Courier New" panose="02070309020205020404" pitchFamily="49" charset="0"/>
-              </a:rPr>
-              <a:t>git --version</a:t>
-            </a:r>
-          </a:p>
-          <a:p>
-            <a:pPr lvl="1">
-              <a:buFont typeface="Wingdings" panose="05000000000000000000" pitchFamily="2" charset="2"/>
-              <a:buChar char="§"/>
-            </a:pPr>
-            <a:r>
-              <a:rPr lang="fr-FR" sz="1000" dirty="0">
-                <a:latin typeface="Courier New" panose="02070309020205020404" pitchFamily="49" charset="0"/>
-                <a:cs typeface="Courier New" panose="02070309020205020404" pitchFamily="49" charset="0"/>
-              </a:rPr>
-              <a:t>git config </a:t>
-            </a:r>
-            <a:r>
-              <a:rPr lang="fr-FR" sz="1000" dirty="0" smtClean="0">
-                <a:latin typeface="Courier New" panose="02070309020205020404" pitchFamily="49" charset="0"/>
-                <a:cs typeface="Courier New" panose="02070309020205020404" pitchFamily="49" charset="0"/>
-              </a:rPr>
-              <a:t>–list</a:t>
-            </a:r>
-            <a:endParaRPr lang="pl-PL" sz="1000" dirty="0" smtClean="0">
-              <a:latin typeface="Courier New" panose="02070309020205020404" pitchFamily="49" charset="0"/>
-              <a:cs typeface="Courier New" panose="02070309020205020404" pitchFamily="49" charset="0"/>
-            </a:endParaRPr>
-          </a:p>
-          <a:p>
-            <a:pPr marL="457200" lvl="1" indent="0">
-              <a:buNone/>
-            </a:pPr>
-            <a:r>
-              <a:rPr lang="pl-PL" sz="1000" dirty="0" smtClean="0"/>
-              <a:t>GitLab </a:t>
-            </a:r>
-            <a:endParaRPr lang="pl-PL" sz="1000" dirty="0"/>
-          </a:p>
-          <a:p>
-            <a:pPr lvl="1">
-              <a:buFont typeface="Wingdings" panose="05000000000000000000" pitchFamily="2" charset="2"/>
-              <a:buChar char="§"/>
-            </a:pPr>
-            <a:r>
-              <a:rPr lang="en-US" sz="1000" dirty="0" err="1">
-                <a:latin typeface="Courier New" panose="02070309020205020404" pitchFamily="49" charset="0"/>
-                <a:cs typeface="Courier New" panose="02070309020205020404" pitchFamily="49" charset="0"/>
-              </a:rPr>
-              <a:t>git</a:t>
-            </a:r>
-            <a:r>
-              <a:rPr lang="en-US" sz="1000" dirty="0">
-                <a:latin typeface="Courier New" panose="02070309020205020404" pitchFamily="49" charset="0"/>
-                <a:cs typeface="Courier New" panose="02070309020205020404" pitchFamily="49" charset="0"/>
-              </a:rPr>
-              <a:t> </a:t>
-            </a:r>
-            <a:r>
-              <a:rPr lang="en-US" sz="1000" dirty="0" err="1">
-                <a:latin typeface="Courier New" panose="02070309020205020404" pitchFamily="49" charset="0"/>
-                <a:cs typeface="Courier New" panose="02070309020205020404" pitchFamily="49" charset="0"/>
-              </a:rPr>
-              <a:t>config</a:t>
-            </a:r>
-            <a:r>
-              <a:rPr lang="en-US" sz="1000" dirty="0">
-                <a:latin typeface="Courier New" panose="02070309020205020404" pitchFamily="49" charset="0"/>
-                <a:cs typeface="Courier New" panose="02070309020205020404" pitchFamily="49" charset="0"/>
-              </a:rPr>
-              <a:t> --global user.name "Your </a:t>
-            </a:r>
-            <a:r>
-              <a:rPr lang="en-US" sz="1000" dirty="0" smtClean="0">
-                <a:latin typeface="Courier New" panose="02070309020205020404" pitchFamily="49" charset="0"/>
-                <a:cs typeface="Courier New" panose="02070309020205020404" pitchFamily="49" charset="0"/>
-              </a:rPr>
-              <a:t>Name</a:t>
-            </a:r>
-            <a:r>
-              <a:rPr lang="pl-PL" sz="1000" dirty="0" smtClean="0">
-                <a:latin typeface="Courier New" panose="02070309020205020404" pitchFamily="49" charset="0"/>
-                <a:cs typeface="Courier New" panose="02070309020205020404" pitchFamily="49" charset="0"/>
-              </a:rPr>
-              <a:t>”</a:t>
-            </a:r>
-          </a:p>
-          <a:p>
-            <a:pPr lvl="1">
-              <a:buFont typeface="Wingdings" panose="05000000000000000000" pitchFamily="2" charset="2"/>
-              <a:buChar char="§"/>
-            </a:pPr>
-            <a:r>
-              <a:rPr lang="en-US" sz="1000" dirty="0" err="1" smtClean="0">
-                <a:latin typeface="Courier New" panose="02070309020205020404" pitchFamily="49" charset="0"/>
-                <a:cs typeface="Courier New" panose="02070309020205020404" pitchFamily="49" charset="0"/>
-              </a:rPr>
-              <a:t>git</a:t>
-            </a:r>
-            <a:r>
-              <a:rPr lang="en-US" sz="1000" dirty="0" smtClean="0">
-                <a:latin typeface="Courier New" panose="02070309020205020404" pitchFamily="49" charset="0"/>
-                <a:cs typeface="Courier New" panose="02070309020205020404" pitchFamily="49" charset="0"/>
-              </a:rPr>
-              <a:t> </a:t>
-            </a:r>
-            <a:r>
-              <a:rPr lang="en-US" sz="1000" dirty="0" err="1">
-                <a:latin typeface="Courier New" panose="02070309020205020404" pitchFamily="49" charset="0"/>
-                <a:cs typeface="Courier New" panose="02070309020205020404" pitchFamily="49" charset="0"/>
-              </a:rPr>
-              <a:t>config</a:t>
-            </a:r>
-            <a:r>
-              <a:rPr lang="en-US" sz="1000" dirty="0">
-                <a:latin typeface="Courier New" panose="02070309020205020404" pitchFamily="49" charset="0"/>
-                <a:cs typeface="Courier New" panose="02070309020205020404" pitchFamily="49" charset="0"/>
-              </a:rPr>
-              <a:t> --global </a:t>
-            </a:r>
-            <a:r>
-              <a:rPr lang="en-US" sz="1000" dirty="0" err="1">
-                <a:latin typeface="Courier New" panose="02070309020205020404" pitchFamily="49" charset="0"/>
-                <a:cs typeface="Courier New" panose="02070309020205020404" pitchFamily="49" charset="0"/>
-              </a:rPr>
-              <a:t>user.email</a:t>
-            </a:r>
-            <a:r>
-              <a:rPr lang="en-US" sz="1000" dirty="0">
-                <a:latin typeface="Courier New" panose="02070309020205020404" pitchFamily="49" charset="0"/>
-                <a:cs typeface="Courier New" panose="02070309020205020404" pitchFamily="49" charset="0"/>
-              </a:rPr>
-              <a:t> </a:t>
-            </a:r>
-            <a:r>
-              <a:rPr lang="en-US" sz="1000" dirty="0" smtClean="0">
-                <a:latin typeface="Courier New" panose="02070309020205020404" pitchFamily="49" charset="0"/>
-                <a:cs typeface="Courier New" panose="02070309020205020404" pitchFamily="49" charset="0"/>
-                <a:hlinkClick r:id="rId3"/>
-              </a:rPr>
-              <a:t>you@example.com</a:t>
-            </a:r>
-            <a:endParaRPr lang="pl-PL" sz="1000" dirty="0" smtClean="0">
-              <a:latin typeface="Courier New" panose="02070309020205020404" pitchFamily="49" charset="0"/>
-              <a:cs typeface="Courier New" panose="02070309020205020404" pitchFamily="49" charset="0"/>
-            </a:endParaRPr>
-          </a:p>
-          <a:p>
-            <a:pPr marL="457200" lvl="1" indent="0">
-              <a:buNone/>
-            </a:pPr>
-            <a:endParaRPr lang="pl-PL" sz="800" dirty="0" smtClean="0"/>
-          </a:p>
-        </p:txBody>
-      </p:sp>
-    </p:spTree>
-    <p:extLst>
-      <p:ext uri="{BB962C8B-B14F-4D97-AF65-F5344CB8AC3E}">
-        <p14:creationId xmlns:p14="http://schemas.microsoft.com/office/powerpoint/2010/main" val="2453797946"/>
-      </p:ext>
-    </p:extLst>
-  </p:cSld>
-  <p:clrMapOvr>
-    <a:masterClrMapping/>
-  </p:clrMapOvr>
-  <p:timing>
-    <p:tnLst>
-      <p:par>
-        <p:cTn id="1" dur="indefinite" restart="never" nodeType="tmRoot"/>
-      </p:par>
-    </p:tnLst>
-  </p:timing>
-</p:sld>
-</file>
-
 <file path=ppt/slides/slide21.xml><?xml version="1.0" encoding="utf-8"?>
 <p:sld xmlns:a="http://schemas.openxmlformats.org/drawingml/2006/main" xmlns:r="http://schemas.openxmlformats.org/officeDocument/2006/relationships" xmlns:p="http://schemas.openxmlformats.org/presentationml/2006/main">
   <p:cSld>
@@ -5466,32 +5418,46 @@
             </a:pPr>
             <a:r>
               <a:rPr lang="pl-PL" sz="1800" b="1" dirty="0" smtClean="0"/>
-              <a:t>Tworzenie repozytorium</a:t>
-            </a:r>
-          </a:p>
-          <a:p>
-            <a:pPr marL="0" indent="0">
-              <a:buNone/>
-            </a:pPr>
-            <a:endParaRPr lang="pl-PL" sz="1800" b="1" dirty="0" smtClean="0"/>
+              <a:t>Konfiguracja Git</a:t>
+            </a:r>
           </a:p>
           <a:p>
             <a:pPr marL="400050" lvl="1" indent="0">
               <a:buNone/>
             </a:pPr>
-            <a:r>
-              <a:rPr lang="pl-PL" sz="800" dirty="0">
+            <a:endParaRPr lang="pl-PL" sz="900" dirty="0" smtClean="0">
+              <a:hlinkClick r:id="rId2"/>
+            </a:endParaRPr>
+          </a:p>
+          <a:p>
+            <a:pPr marL="400050" lvl="1" indent="0">
+              <a:buNone/>
+            </a:pPr>
+            <a:r>
+              <a:rPr lang="pl-PL" sz="900" dirty="0" smtClean="0">
                 <a:hlinkClick r:id="rId2"/>
               </a:rPr>
-              <a:t>https://www.atlassian.com/git/tutorials/setting-up-a-repository/git-config</a:t>
-            </a:r>
-            <a:endParaRPr lang="pl-PL" sz="800" dirty="0"/>
+              <a:t>https</a:t>
+            </a:r>
+            <a:r>
+              <a:rPr lang="pl-PL" sz="900" dirty="0">
+                <a:hlinkClick r:id="rId2"/>
+              </a:rPr>
+              <a:t>://</a:t>
+            </a:r>
+            <a:r>
+              <a:rPr lang="pl-PL" sz="900" dirty="0" smtClean="0">
+                <a:hlinkClick r:id="rId2"/>
+              </a:rPr>
+              <a:t>www.atlassian.com/git/tutorials/setting-up-a-repository/git-config</a:t>
+            </a:r>
+            <a:endParaRPr lang="pl-PL" sz="900" dirty="0" smtClean="0"/>
           </a:p>
           <a:p>
             <a:pPr marL="400050" lvl="1" indent="0">
               <a:buNone/>
             </a:pPr>
-            <a:endParaRPr lang="pl-PL" sz="800" dirty="0"/>
+            <a:endParaRPr lang="pl-PL" sz="1000" dirty="0" smtClean="0"/>
           </a:p>
           <a:p>
             <a:pPr lvl="1">
@@ -5503,14 +5469,89 @@
                 <a:latin typeface="Courier New" panose="02070309020205020404" pitchFamily="49" charset="0"/>
                 <a:cs typeface="Courier New" panose="02070309020205020404" pitchFamily="49" charset="0"/>
               </a:rPr>
-              <a:t>git </a:t>
+              <a:t>git --version</a:t>
+            </a:r>
+          </a:p>
+          <a:p>
+            <a:pPr lvl="1">
+              <a:buFont typeface="Wingdings" panose="05000000000000000000" pitchFamily="2" charset="2"/>
+              <a:buChar char="§"/>
+            </a:pPr>
+            <a:r>
+              <a:rPr lang="fr-FR" sz="1000" dirty="0">
+                <a:latin typeface="Courier New" panose="02070309020205020404" pitchFamily="49" charset="0"/>
+                <a:cs typeface="Courier New" panose="02070309020205020404" pitchFamily="49" charset="0"/>
+              </a:rPr>
+              <a:t>git config </a:t>
+            </a:r>
+            <a:r>
+              <a:rPr lang="fr-FR" sz="1000" dirty="0" smtClean="0">
+                <a:latin typeface="Courier New" panose="02070309020205020404" pitchFamily="49" charset="0"/>
+                <a:cs typeface="Courier New" panose="02070309020205020404" pitchFamily="49" charset="0"/>
+              </a:rPr>
+              <a:t>–list</a:t>
+            </a:r>
+            <a:endParaRPr lang="pl-PL" sz="1000" dirty="0" smtClean="0">
+              <a:latin typeface="Courier New" panose="02070309020205020404" pitchFamily="49" charset="0"/>
+              <a:cs typeface="Courier New" panose="02070309020205020404" pitchFamily="49" charset="0"/>
+            </a:endParaRPr>
+          </a:p>
+          <a:p>
+            <a:pPr marL="457200" lvl="1" indent="0">
+              <a:buNone/>
+            </a:pPr>
+            <a:r>
+              <a:rPr lang="pl-PL" sz="1000" dirty="0" smtClean="0"/>
+              <a:t>GitLab </a:t>
+            </a:r>
+            <a:endParaRPr lang="pl-PL" sz="1000" dirty="0"/>
+          </a:p>
+          <a:p>
+            <a:pPr lvl="1">
+              <a:buFont typeface="Wingdings" panose="05000000000000000000" pitchFamily="2" charset="2"/>
+              <a:buChar char="§"/>
+            </a:pPr>
+            <a:r>
+              <a:rPr lang="en-US" sz="1000" dirty="0" err="1">
+                <a:latin typeface="Courier New" panose="02070309020205020404" pitchFamily="49" charset="0"/>
+                <a:cs typeface="Courier New" panose="02070309020205020404" pitchFamily="49" charset="0"/>
+              </a:rPr>
+              <a:t>git</a:t>
+            </a:r>
+            <a:r>
+              <a:rPr lang="en-US" sz="1000" dirty="0">
+                <a:latin typeface="Courier New" panose="02070309020205020404" pitchFamily="49" charset="0"/>
+                <a:cs typeface="Courier New" panose="02070309020205020404" pitchFamily="49" charset="0"/>
+              </a:rPr>
+              <a:t> </a:t>
+            </a:r>
+            <a:r>
+              <a:rPr lang="en-US" sz="1000" dirty="0" err="1">
+                <a:latin typeface="Courier New" panose="02070309020205020404" pitchFamily="49" charset="0"/>
+                <a:cs typeface="Courier New" panose="02070309020205020404" pitchFamily="49" charset="0"/>
+              </a:rPr>
+              <a:t>config</a:t>
+            </a:r>
+            <a:r>
+              <a:rPr lang="en-US" sz="1000" dirty="0">
+                <a:latin typeface="Courier New" panose="02070309020205020404" pitchFamily="49" charset="0"/>
+                <a:cs typeface="Courier New" panose="02070309020205020404" pitchFamily="49" charset="0"/>
+              </a:rPr>
+              <a:t> --global user.name "Your </a:t>
+            </a:r>
+            <a:r>
+              <a:rPr lang="en-US" sz="1000" dirty="0" smtClean="0">
+                <a:latin typeface="Courier New" panose="02070309020205020404" pitchFamily="49" charset="0"/>
+                <a:cs typeface="Courier New" panose="02070309020205020404" pitchFamily="49" charset="0"/>
+              </a:rPr>
+              <a:t>Name</a:t>
             </a:r>
             <a:r>
               <a:rPr lang="pl-PL" sz="1000" dirty="0" smtClean="0">
                 <a:latin typeface="Courier New" panose="02070309020205020404" pitchFamily="49" charset="0"/>
                 <a:cs typeface="Courier New" panose="02070309020205020404" pitchFamily="49" charset="0"/>
               </a:rPr>
-              <a:t>clone</a:t>
+              <a:t>”</a:t>
             </a:r>
           </a:p>
           <a:p>
@@ -5519,53 +5560,72 @@
               <a:buChar char="§"/>
             </a:pPr>
             <a:r>
-              <a:rPr lang="fr-FR" sz="1000" dirty="0" smtClean="0">
+              <a:rPr lang="en-US" sz="1000" dirty="0" err="1" smtClean="0">
                 <a:latin typeface="Courier New" panose="02070309020205020404" pitchFamily="49" charset="0"/>
                 <a:cs typeface="Courier New" panose="02070309020205020404" pitchFamily="49" charset="0"/>
               </a:rPr>
-              <a:t>git </a:t>
-            </a:r>
-            <a:r>
-              <a:rPr lang="pl-PL" sz="1000" dirty="0" err="1" smtClean="0">
+              <a:t>git</a:t>
+            </a:r>
+            <a:r>
+              <a:rPr lang="en-US" sz="1000" dirty="0" smtClean="0">
                 <a:latin typeface="Courier New" panose="02070309020205020404" pitchFamily="49" charset="0"/>
                 <a:cs typeface="Courier New" panose="02070309020205020404" pitchFamily="49" charset="0"/>
               </a:rPr>
-              <a:t>init</a:t>
-            </a:r>
-            <a:r>
-              <a:rPr lang="pl-PL" sz="1000" dirty="0" smtClean="0">
+              <a:t> </a:t>
+            </a:r>
+            <a:r>
+              <a:rPr lang="en-US" sz="1000" dirty="0" err="1">
                 <a:latin typeface="Courier New" panose="02070309020205020404" pitchFamily="49" charset="0"/>
                 <a:cs typeface="Courier New" panose="02070309020205020404" pitchFamily="49" charset="0"/>
               </a:rPr>
-              <a:t> (--</a:t>
-            </a:r>
-            <a:r>
-              <a:rPr lang="pl-PL" sz="1000" dirty="0" err="1" smtClean="0">
+              <a:t>config</a:t>
+            </a:r>
+            <a:r>
+              <a:rPr lang="en-US" sz="1000" dirty="0">
                 <a:latin typeface="Courier New" panose="02070309020205020404" pitchFamily="49" charset="0"/>
                 <a:cs typeface="Courier New" panose="02070309020205020404" pitchFamily="49" charset="0"/>
               </a:rPr>
-              <a:t>bare</a:t>
-            </a:r>
-            <a:r>
-              <a:rPr lang="pl-PL" sz="1000" dirty="0" smtClean="0">
+              <a:t> --global </a:t>
+            </a:r>
+            <a:r>
+              <a:rPr lang="en-US" sz="1000" dirty="0" err="1">
                 <a:latin typeface="Courier New" panose="02070309020205020404" pitchFamily="49" charset="0"/>
                 <a:cs typeface="Courier New" panose="02070309020205020404" pitchFamily="49" charset="0"/>
               </a:rPr>
-              <a:t>)</a:t>
-            </a:r>
-          </a:p>
-          <a:p>
-            <a:pPr marL="0" indent="0">
-              <a:buNone/>
-            </a:pPr>
-            <a:endParaRPr lang="en-US" sz="1200" dirty="0"/>
+              <a:t>user.email</a:t>
+            </a:r>
+            <a:r>
+              <a:rPr lang="en-US" sz="1000" dirty="0">
+                <a:latin typeface="Courier New" panose="02070309020205020404" pitchFamily="49" charset="0"/>
+                <a:cs typeface="Courier New" panose="02070309020205020404" pitchFamily="49" charset="0"/>
+              </a:rPr>
+              <a:t> </a:t>
+            </a:r>
+            <a:r>
+              <a:rPr lang="en-US" sz="1000" dirty="0" smtClean="0">
+                <a:latin typeface="Courier New" panose="02070309020205020404" pitchFamily="49" charset="0"/>
+                <a:cs typeface="Courier New" panose="02070309020205020404" pitchFamily="49" charset="0"/>
+                <a:hlinkClick r:id="rId3"/>
+              </a:rPr>
+              <a:t>you@example.com</a:t>
+            </a:r>
+            <a:endParaRPr lang="pl-PL" sz="1000" dirty="0" smtClean="0">
+              <a:latin typeface="Courier New" panose="02070309020205020404" pitchFamily="49" charset="0"/>
+              <a:cs typeface="Courier New" panose="02070309020205020404" pitchFamily="49" charset="0"/>
+            </a:endParaRPr>
+          </a:p>
+          <a:p>
+            <a:pPr marL="457200" lvl="1" indent="0">
+              <a:buNone/>
+            </a:pPr>
+            <a:endParaRPr lang="pl-PL" sz="800" dirty="0" smtClean="0"/>
           </a:p>
         </p:txBody>
       </p:sp>
     </p:spTree>
     <p:extLst>
       <p:ext uri="{BB962C8B-B14F-4D97-AF65-F5344CB8AC3E}">
-        <p14:creationId xmlns:p14="http://schemas.microsoft.com/office/powerpoint/2010/main" val="1483758993"/>
+        <p14:creationId xmlns:p14="http://schemas.microsoft.com/office/powerpoint/2010/main" val="2453797946"/>
       </p:ext>
     </p:extLst>
   </p:cSld>
@@ -5616,19 +5676,37 @@
           </a:bodyPr>
           <a:lstStyle/>
           <a:p>
-            <a:pPr marL="0" lvl="1" indent="0">
+            <a:pPr marL="0" indent="0">
               <a:buNone/>
             </a:pPr>
             <a:r>
               <a:rPr lang="pl-PL" sz="1800" b="1" dirty="0" smtClean="0"/>
-              <a:t>Podstawowa obsługa</a:t>
-            </a:r>
-          </a:p>
-          <a:p>
-            <a:pPr marL="0" lvl="1" indent="0">
-              <a:buNone/>
-            </a:pPr>
-            <a:endParaRPr lang="fr-FR" sz="1800" b="1" dirty="0"/>
+              <a:t>Tworzenie repozytorium</a:t>
+            </a:r>
+          </a:p>
+          <a:p>
+            <a:pPr marL="0" indent="0">
+              <a:buNone/>
+            </a:pPr>
+            <a:endParaRPr lang="pl-PL" sz="1800" b="1" dirty="0" smtClean="0"/>
+          </a:p>
+          <a:p>
+            <a:pPr marL="400050" lvl="1" indent="0">
+              <a:buNone/>
+            </a:pPr>
+            <a:r>
+              <a:rPr lang="pl-PL" sz="800" dirty="0">
+                <a:hlinkClick r:id="rId2"/>
+              </a:rPr>
+              <a:t>https://www.atlassian.com/git/tutorials/setting-up-a-repository/git-config</a:t>
+            </a:r>
+            <a:endParaRPr lang="pl-PL" sz="800" dirty="0"/>
+          </a:p>
+          <a:p>
+            <a:pPr marL="400050" lvl="1" indent="0">
+              <a:buNone/>
+            </a:pPr>
+            <a:endParaRPr lang="pl-PL" sz="800" dirty="0"/>
           </a:p>
           <a:p>
             <a:pPr lvl="1">
@@ -5636,10 +5714,30 @@
               <a:buChar char="§"/>
             </a:pPr>
             <a:r>
+              <a:rPr lang="fr-FR" sz="1000" dirty="0">
+                <a:latin typeface="Courier New" panose="02070309020205020404" pitchFamily="49" charset="0"/>
+                <a:cs typeface="Courier New" panose="02070309020205020404" pitchFamily="49" charset="0"/>
+              </a:rPr>
+              <a:t>git </a:t>
+            </a:r>
+            <a:r>
               <a:rPr lang="pl-PL" sz="1000" dirty="0" smtClean="0">
                 <a:latin typeface="Courier New" panose="02070309020205020404" pitchFamily="49" charset="0"/>
                 <a:cs typeface="Courier New" panose="02070309020205020404" pitchFamily="49" charset="0"/>
               </a:rPr>
+              <a:t>clone</a:t>
+            </a:r>
+          </a:p>
+          <a:p>
+            <a:pPr lvl="1">
+              <a:buFont typeface="Wingdings" panose="05000000000000000000" pitchFamily="2" charset="2"/>
+              <a:buChar char="§"/>
+            </a:pPr>
+            <a:r>
+              <a:rPr lang="fr-FR" sz="1000" dirty="0" smtClean="0">
+                <a:latin typeface="Courier New" panose="02070309020205020404" pitchFamily="49" charset="0"/>
+                <a:cs typeface="Courier New" panose="02070309020205020404" pitchFamily="49" charset="0"/>
+              </a:rPr>
               <a:t>git </a:t>
             </a:r>
             <a:r>
@@ -5647,188 +5745,34 @@
                 <a:latin typeface="Courier New" panose="02070309020205020404" pitchFamily="49" charset="0"/>
                 <a:cs typeface="Courier New" panose="02070309020205020404" pitchFamily="49" charset="0"/>
               </a:rPr>
-              <a:t>pull</a:t>
-            </a:r>
-            <a:endParaRPr lang="pl-PL" sz="1000" dirty="0" smtClean="0">
-              <a:latin typeface="Courier New" panose="02070309020205020404" pitchFamily="49" charset="0"/>
-              <a:cs typeface="Courier New" panose="02070309020205020404" pitchFamily="49" charset="0"/>
-            </a:endParaRPr>
-          </a:p>
-          <a:p>
-            <a:pPr lvl="1">
-              <a:buFont typeface="Wingdings" panose="05000000000000000000" pitchFamily="2" charset="2"/>
-              <a:buChar char="§"/>
-            </a:pPr>
+              <a:t>init</a:t>
+            </a:r>
             <a:r>
               <a:rPr lang="pl-PL" sz="1000" dirty="0" smtClean="0">
                 <a:latin typeface="Courier New" panose="02070309020205020404" pitchFamily="49" charset="0"/>
                 <a:cs typeface="Courier New" panose="02070309020205020404" pitchFamily="49" charset="0"/>
               </a:rPr>
-              <a:t>git </a:t>
-            </a:r>
-            <a:r>
-              <a:rPr lang="pl-PL" sz="1000" dirty="0" err="1">
+              <a:t> (--</a:t>
+            </a:r>
+            <a:r>
+              <a:rPr lang="pl-PL" sz="1000" dirty="0" err="1" smtClean="0">
                 <a:latin typeface="Courier New" panose="02070309020205020404" pitchFamily="49" charset="0"/>
                 <a:cs typeface="Courier New" panose="02070309020205020404" pitchFamily="49" charset="0"/>
               </a:rPr>
-              <a:t>add</a:t>
-            </a:r>
-            <a:r>
-              <a:rPr lang="pl-PL" sz="1000" dirty="0">
+              <a:t>bare</a:t>
+            </a:r>
+            <a:r>
+              <a:rPr lang="pl-PL" sz="1000" dirty="0" smtClean="0">
                 <a:latin typeface="Courier New" panose="02070309020205020404" pitchFamily="49" charset="0"/>
                 <a:cs typeface="Courier New" panose="02070309020205020404" pitchFamily="49" charset="0"/>
               </a:rPr>
-              <a:t>  (pojedynczy plik)</a:t>
-            </a:r>
-          </a:p>
-          <a:p>
-            <a:pPr lvl="1">
-              <a:buFont typeface="Wingdings" panose="05000000000000000000" pitchFamily="2" charset="2"/>
-              <a:buChar char="§"/>
-            </a:pPr>
-            <a:r>
-              <a:rPr lang="pl-PL" sz="1000" dirty="0">
-                <a:latin typeface="Courier New" panose="02070309020205020404" pitchFamily="49" charset="0"/>
-                <a:cs typeface="Courier New" panose="02070309020205020404" pitchFamily="49" charset="0"/>
-              </a:rPr>
-              <a:t>git </a:t>
-            </a:r>
-            <a:r>
-              <a:rPr lang="pl-PL" sz="1000" dirty="0" err="1">
-                <a:latin typeface="Courier New" panose="02070309020205020404" pitchFamily="49" charset="0"/>
-                <a:cs typeface="Courier New" panose="02070309020205020404" pitchFamily="49" charset="0"/>
-              </a:rPr>
-              <a:t>add</a:t>
-            </a:r>
-            <a:r>
-              <a:rPr lang="pl-PL" sz="1000" dirty="0">
-                <a:latin typeface="Courier New" panose="02070309020205020404" pitchFamily="49" charset="0"/>
-                <a:cs typeface="Courier New" panose="02070309020205020404" pitchFamily="49" charset="0"/>
-              </a:rPr>
-              <a:t> --</a:t>
-            </a:r>
-            <a:r>
-              <a:rPr lang="pl-PL" sz="1000" dirty="0" err="1">
-                <a:latin typeface="Courier New" panose="02070309020205020404" pitchFamily="49" charset="0"/>
-                <a:cs typeface="Courier New" panose="02070309020205020404" pitchFamily="49" charset="0"/>
-              </a:rPr>
-              <a:t>all</a:t>
-            </a:r>
-            <a:r>
-              <a:rPr lang="pl-PL" sz="1000" dirty="0">
-                <a:latin typeface="Courier New" panose="02070309020205020404" pitchFamily="49" charset="0"/>
-                <a:cs typeface="Courier New" panose="02070309020205020404" pitchFamily="49" charset="0"/>
-              </a:rPr>
-              <a:t> (wszystkie ale </a:t>
-            </a:r>
-            <a:r>
-              <a:rPr lang="pl-PL" sz="1000" dirty="0" err="1">
-                <a:latin typeface="Courier New" panose="02070309020205020404" pitchFamily="49" charset="0"/>
-                <a:cs typeface="Courier New" panose="02070309020205020404" pitchFamily="49" charset="0"/>
-              </a:rPr>
-              <a:t>gitignore</a:t>
-            </a:r>
-            <a:r>
-              <a:rPr lang="pl-PL" sz="1000" dirty="0">
-                <a:latin typeface="Courier New" panose="02070309020205020404" pitchFamily="49" charset="0"/>
-                <a:cs typeface="Courier New" panose="02070309020205020404" pitchFamily="49" charset="0"/>
-              </a:rPr>
               <a:t>)</a:t>
             </a:r>
           </a:p>
           <a:p>
-            <a:pPr lvl="1">
-              <a:buFont typeface="Wingdings" panose="05000000000000000000" pitchFamily="2" charset="2"/>
-              <a:buChar char="§"/>
-            </a:pPr>
-            <a:r>
-              <a:rPr lang="pl-PL" sz="1000" dirty="0">
-                <a:latin typeface="Courier New" panose="02070309020205020404" pitchFamily="49" charset="0"/>
-                <a:cs typeface="Courier New" panose="02070309020205020404" pitchFamily="49" charset="0"/>
-              </a:rPr>
-              <a:t>git </a:t>
-            </a:r>
-            <a:r>
-              <a:rPr lang="pl-PL" sz="1000" dirty="0" err="1">
-                <a:latin typeface="Courier New" panose="02070309020205020404" pitchFamily="49" charset="0"/>
-                <a:cs typeface="Courier New" panose="02070309020205020404" pitchFamily="49" charset="0"/>
-              </a:rPr>
-              <a:t>commit</a:t>
-            </a:r>
-            <a:r>
-              <a:rPr lang="pl-PL" sz="1000" dirty="0">
-                <a:latin typeface="Courier New" panose="02070309020205020404" pitchFamily="49" charset="0"/>
-                <a:cs typeface="Courier New" panose="02070309020205020404" pitchFamily="49" charset="0"/>
-              </a:rPr>
-              <a:t> -m </a:t>
-            </a:r>
-          </a:p>
-          <a:p>
-            <a:pPr lvl="1">
-              <a:buFont typeface="Wingdings" panose="05000000000000000000" pitchFamily="2" charset="2"/>
-              <a:buChar char="§"/>
-            </a:pPr>
-            <a:r>
-              <a:rPr lang="pl-PL" sz="1000" dirty="0">
-                <a:latin typeface="Courier New" panose="02070309020205020404" pitchFamily="49" charset="0"/>
-                <a:cs typeface="Courier New" panose="02070309020205020404" pitchFamily="49" charset="0"/>
-              </a:rPr>
-              <a:t>git </a:t>
-            </a:r>
-            <a:r>
-              <a:rPr lang="pl-PL" sz="1000" dirty="0" err="1">
-                <a:latin typeface="Courier New" panose="02070309020205020404" pitchFamily="49" charset="0"/>
-                <a:cs typeface="Courier New" panose="02070309020205020404" pitchFamily="49" charset="0"/>
-              </a:rPr>
-              <a:t>commit</a:t>
-            </a:r>
-            <a:r>
-              <a:rPr lang="pl-PL" sz="1000" dirty="0">
-                <a:latin typeface="Courier New" panose="02070309020205020404" pitchFamily="49" charset="0"/>
-                <a:cs typeface="Courier New" panose="02070309020205020404" pitchFamily="49" charset="0"/>
-              </a:rPr>
-              <a:t> -</a:t>
-            </a:r>
-            <a:r>
-              <a:rPr lang="pl-PL" sz="1000" dirty="0" err="1">
-                <a:latin typeface="Courier New" panose="02070309020205020404" pitchFamily="49" charset="0"/>
-                <a:cs typeface="Courier New" panose="02070309020205020404" pitchFamily="49" charset="0"/>
-              </a:rPr>
-              <a:t>am</a:t>
-            </a:r>
-            <a:r>
-              <a:rPr lang="pl-PL" sz="1000" dirty="0">
-                <a:latin typeface="Courier New" panose="02070309020205020404" pitchFamily="49" charset="0"/>
-                <a:cs typeface="Courier New" panose="02070309020205020404" pitchFamily="49" charset="0"/>
-              </a:rPr>
-              <a:t> (wszystkie zmienione pliki; nie nowe)</a:t>
-            </a:r>
-          </a:p>
-          <a:p>
-            <a:pPr lvl="1">
-              <a:buFont typeface="Wingdings" panose="05000000000000000000" pitchFamily="2" charset="2"/>
-              <a:buChar char="§"/>
-            </a:pPr>
-            <a:r>
-              <a:rPr lang="pl-PL" sz="1000" dirty="0">
-                <a:latin typeface="Courier New" panose="02070309020205020404" pitchFamily="49" charset="0"/>
-                <a:cs typeface="Courier New" panose="02070309020205020404" pitchFamily="49" charset="0"/>
-              </a:rPr>
-              <a:t>git </a:t>
-            </a:r>
-            <a:r>
-              <a:rPr lang="pl-PL" sz="1000" dirty="0" err="1">
-                <a:latin typeface="Courier New" panose="02070309020205020404" pitchFamily="49" charset="0"/>
-                <a:cs typeface="Courier New" panose="02070309020205020404" pitchFamily="49" charset="0"/>
-              </a:rPr>
-              <a:t>push</a:t>
-            </a:r>
-            <a:endParaRPr lang="pl-PL" sz="1000" dirty="0">
-              <a:latin typeface="Courier New" panose="02070309020205020404" pitchFamily="49" charset="0"/>
-              <a:cs typeface="Courier New" panose="02070309020205020404" pitchFamily="49" charset="0"/>
-            </a:endParaRPr>
-          </a:p>
-          <a:p>
+            <a:pPr marL="0" indent="0">
+              <a:buNone/>
+            </a:pPr>
             <a:endParaRPr lang="en-US" sz="1200" dirty="0"/>
           </a:p>
         </p:txBody>
@@ -5836,7 +5780,7 @@
     </p:spTree>
     <p:extLst>
       <p:ext uri="{BB962C8B-B14F-4D97-AF65-F5344CB8AC3E}">
-        <p14:creationId xmlns:p14="http://schemas.microsoft.com/office/powerpoint/2010/main" val="1663864229"/>
+        <p14:creationId xmlns:p14="http://schemas.microsoft.com/office/powerpoint/2010/main" val="1483758993"/>
       </p:ext>
     </p:extLst>
   </p:cSld>
@@ -5892,14 +5836,14 @@
             </a:pPr>
             <a:r>
               <a:rPr lang="pl-PL" sz="1800" b="1" dirty="0" smtClean="0"/>
-              <a:t>Status i historia repozytorium</a:t>
+              <a:t>Podstawowa obsługa</a:t>
             </a:r>
           </a:p>
           <a:p>
             <a:pPr marL="0" lvl="1" indent="0">
               <a:buNone/>
             </a:pPr>
-            <a:endParaRPr lang="fr-FR" sz="1800" b="1" dirty="0" smtClean="0"/>
+            <a:endParaRPr lang="fr-FR" sz="1800" b="1" dirty="0"/>
           </a:p>
           <a:p>
             <a:pPr lvl="1">
@@ -5911,7 +5855,188 @@
                 <a:latin typeface="Courier New" panose="02070309020205020404" pitchFamily="49" charset="0"/>
                 <a:cs typeface="Courier New" panose="02070309020205020404" pitchFamily="49" charset="0"/>
               </a:rPr>
-              <a:t>git status</a:t>
+              <a:t>git </a:t>
+            </a:r>
+            <a:r>
+              <a:rPr lang="pl-PL" sz="1000" dirty="0" err="1" smtClean="0">
+                <a:latin typeface="Courier New" panose="02070309020205020404" pitchFamily="49" charset="0"/>
+                <a:cs typeface="Courier New" panose="02070309020205020404" pitchFamily="49" charset="0"/>
+              </a:rPr>
+              <a:t>pull</a:t>
+            </a:r>
+            <a:endParaRPr lang="pl-PL" sz="1000" dirty="0" smtClean="0">
+              <a:latin typeface="Courier New" panose="02070309020205020404" pitchFamily="49" charset="0"/>
+              <a:cs typeface="Courier New" panose="02070309020205020404" pitchFamily="49" charset="0"/>
+            </a:endParaRPr>
+          </a:p>
+          <a:p>
+            <a:pPr lvl="1">
+              <a:buFont typeface="Wingdings" panose="05000000000000000000" pitchFamily="2" charset="2"/>
+              <a:buChar char="§"/>
+            </a:pPr>
+            <a:r>
+              <a:rPr lang="pl-PL" sz="1000" dirty="0" smtClean="0">
+                <a:latin typeface="Courier New" panose="02070309020205020404" pitchFamily="49" charset="0"/>
+                <a:cs typeface="Courier New" panose="02070309020205020404" pitchFamily="49" charset="0"/>
+              </a:rPr>
+              <a:t>git </a:t>
+            </a:r>
+            <a:r>
+              <a:rPr lang="pl-PL" sz="1000" dirty="0" err="1">
+                <a:latin typeface="Courier New" panose="02070309020205020404" pitchFamily="49" charset="0"/>
+                <a:cs typeface="Courier New" panose="02070309020205020404" pitchFamily="49" charset="0"/>
+              </a:rPr>
+              <a:t>add</a:t>
+            </a:r>
+            <a:r>
+              <a:rPr lang="pl-PL" sz="1000" dirty="0">
+                <a:latin typeface="Courier New" panose="02070309020205020404" pitchFamily="49" charset="0"/>
+                <a:cs typeface="Courier New" panose="02070309020205020404" pitchFamily="49" charset="0"/>
+              </a:rPr>
+              <a:t>  (pojedynczy plik)</a:t>
+            </a:r>
+          </a:p>
+          <a:p>
+            <a:pPr lvl="1">
+              <a:buFont typeface="Wingdings" panose="05000000000000000000" pitchFamily="2" charset="2"/>
+              <a:buChar char="§"/>
+            </a:pPr>
+            <a:r>
+              <a:rPr lang="pl-PL" sz="1000" dirty="0">
+                <a:latin typeface="Courier New" panose="02070309020205020404" pitchFamily="49" charset="0"/>
+                <a:cs typeface="Courier New" panose="02070309020205020404" pitchFamily="49" charset="0"/>
+              </a:rPr>
+              <a:t>git </a:t>
+            </a:r>
+            <a:r>
+              <a:rPr lang="pl-PL" sz="1000" dirty="0" err="1">
+                <a:latin typeface="Courier New" panose="02070309020205020404" pitchFamily="49" charset="0"/>
+                <a:cs typeface="Courier New" panose="02070309020205020404" pitchFamily="49" charset="0"/>
+              </a:rPr>
+              <a:t>add</a:t>
+            </a:r>
+            <a:r>
+              <a:rPr lang="pl-PL" sz="1000" dirty="0">
+                <a:latin typeface="Courier New" panose="02070309020205020404" pitchFamily="49" charset="0"/>
+                <a:cs typeface="Courier New" panose="02070309020205020404" pitchFamily="49" charset="0"/>
+              </a:rPr>
+              <a:t> --</a:t>
+            </a:r>
+            <a:r>
+              <a:rPr lang="pl-PL" sz="1000" dirty="0" err="1">
+                <a:latin typeface="Courier New" panose="02070309020205020404" pitchFamily="49" charset="0"/>
+                <a:cs typeface="Courier New" panose="02070309020205020404" pitchFamily="49" charset="0"/>
+              </a:rPr>
+              <a:t>all</a:t>
+            </a:r>
+            <a:r>
+              <a:rPr lang="pl-PL" sz="1000" dirty="0">
+                <a:latin typeface="Courier New" panose="02070309020205020404" pitchFamily="49" charset="0"/>
+                <a:cs typeface="Courier New" panose="02070309020205020404" pitchFamily="49" charset="0"/>
+              </a:rPr>
+              <a:t> (wszystkie ale </a:t>
+            </a:r>
+            <a:r>
+              <a:rPr lang="pl-PL" sz="1000" dirty="0" err="1">
+                <a:latin typeface="Courier New" panose="02070309020205020404" pitchFamily="49" charset="0"/>
+                <a:cs typeface="Courier New" panose="02070309020205020404" pitchFamily="49" charset="0"/>
+              </a:rPr>
+              <a:t>gitignore</a:t>
+            </a:r>
+            <a:r>
+              <a:rPr lang="pl-PL" sz="1000" dirty="0">
+                <a:latin typeface="Courier New" panose="02070309020205020404" pitchFamily="49" charset="0"/>
+                <a:cs typeface="Courier New" panose="02070309020205020404" pitchFamily="49" charset="0"/>
+              </a:rPr>
+              <a:t>)</a:t>
+            </a:r>
+          </a:p>
+          <a:p>
+            <a:pPr lvl="1">
+              <a:buFont typeface="Wingdings" panose="05000000000000000000" pitchFamily="2" charset="2"/>
+              <a:buChar char="§"/>
+            </a:pPr>
+            <a:r>
+              <a:rPr lang="pl-PL" sz="1000" dirty="0">
+                <a:latin typeface="Courier New" panose="02070309020205020404" pitchFamily="49" charset="0"/>
+                <a:cs typeface="Courier New" panose="02070309020205020404" pitchFamily="49" charset="0"/>
+              </a:rPr>
+              <a:t>git </a:t>
+            </a:r>
+            <a:r>
+              <a:rPr lang="pl-PL" sz="1000" dirty="0" err="1">
+                <a:latin typeface="Courier New" panose="02070309020205020404" pitchFamily="49" charset="0"/>
+                <a:cs typeface="Courier New" panose="02070309020205020404" pitchFamily="49" charset="0"/>
+              </a:rPr>
+              <a:t>commit</a:t>
+            </a:r>
+            <a:r>
+              <a:rPr lang="pl-PL" sz="1000" dirty="0">
+                <a:latin typeface="Courier New" panose="02070309020205020404" pitchFamily="49" charset="0"/>
+                <a:cs typeface="Courier New" panose="02070309020205020404" pitchFamily="49" charset="0"/>
+              </a:rPr>
+              <a:t> -m </a:t>
+            </a:r>
+          </a:p>
+          <a:p>
+            <a:pPr lvl="1">
+              <a:buFont typeface="Wingdings" panose="05000000000000000000" pitchFamily="2" charset="2"/>
+              <a:buChar char="§"/>
+            </a:pPr>
+            <a:r>
+              <a:rPr lang="pl-PL" sz="1000" dirty="0">
+                <a:latin typeface="Courier New" panose="02070309020205020404" pitchFamily="49" charset="0"/>
+                <a:cs typeface="Courier New" panose="02070309020205020404" pitchFamily="49" charset="0"/>
+              </a:rPr>
+              <a:t>git </a:t>
+            </a:r>
+            <a:r>
+              <a:rPr lang="pl-PL" sz="1000" dirty="0" err="1">
+                <a:latin typeface="Courier New" panose="02070309020205020404" pitchFamily="49" charset="0"/>
+                <a:cs typeface="Courier New" panose="02070309020205020404" pitchFamily="49" charset="0"/>
+              </a:rPr>
+              <a:t>commit</a:t>
+            </a:r>
+            <a:r>
+              <a:rPr lang="pl-PL" sz="1000" dirty="0">
+                <a:latin typeface="Courier New" panose="02070309020205020404" pitchFamily="49" charset="0"/>
+                <a:cs typeface="Courier New" panose="02070309020205020404" pitchFamily="49" charset="0"/>
+              </a:rPr>
+              <a:t> -</a:t>
+            </a:r>
+            <a:r>
+              <a:rPr lang="pl-PL" sz="1000" dirty="0" err="1">
+                <a:latin typeface="Courier New" panose="02070309020205020404" pitchFamily="49" charset="0"/>
+                <a:cs typeface="Courier New" panose="02070309020205020404" pitchFamily="49" charset="0"/>
+              </a:rPr>
+              <a:t>am</a:t>
+            </a:r>
+            <a:r>
+              <a:rPr lang="pl-PL" sz="1000" dirty="0">
+                <a:latin typeface="Courier New" panose="02070309020205020404" pitchFamily="49" charset="0"/>
+                <a:cs typeface="Courier New" panose="02070309020205020404" pitchFamily="49" charset="0"/>
+              </a:rPr>
+              <a:t> (wszystkie zmienione pliki; nie nowe)</a:t>
+            </a:r>
+          </a:p>
+          <a:p>
+            <a:pPr lvl="1">
+              <a:buFont typeface="Wingdings" panose="05000000000000000000" pitchFamily="2" charset="2"/>
+              <a:buChar char="§"/>
+            </a:pPr>
+            <a:r>
+              <a:rPr lang="pl-PL" sz="1000" dirty="0">
+                <a:latin typeface="Courier New" panose="02070309020205020404" pitchFamily="49" charset="0"/>
+                <a:cs typeface="Courier New" panose="02070309020205020404" pitchFamily="49" charset="0"/>
+              </a:rPr>
+              <a:t>git </a:t>
+            </a:r>
+            <a:r>
+              <a:rPr lang="pl-PL" sz="1000" dirty="0" err="1">
+                <a:latin typeface="Courier New" panose="02070309020205020404" pitchFamily="49" charset="0"/>
+                <a:cs typeface="Courier New" panose="02070309020205020404" pitchFamily="49" charset="0"/>
+              </a:rPr>
+              <a:t>push</a:t>
             </a:r>
             <a:endParaRPr lang="pl-PL" sz="1000" dirty="0">
               <a:latin typeface="Courier New" panose="02070309020205020404" pitchFamily="49" charset="0"/>
@@ -5919,301 +6044,14 @@
             </a:endParaRPr>
           </a:p>
           <a:p>
-            <a:pPr lvl="1">
-              <a:buFont typeface="Wingdings" panose="05000000000000000000" pitchFamily="2" charset="2"/>
-              <a:buChar char="§"/>
-            </a:pPr>
-            <a:r>
-              <a:rPr lang="pl-PL" sz="1000" dirty="0" smtClean="0">
-                <a:latin typeface="Courier New" panose="02070309020205020404" pitchFamily="49" charset="0"/>
-                <a:cs typeface="Courier New" panose="02070309020205020404" pitchFamily="49" charset="0"/>
-              </a:rPr>
-              <a:t>git log</a:t>
-            </a:r>
-          </a:p>
-          <a:p>
-            <a:pPr lvl="1">
-              <a:buFont typeface="Wingdings" panose="05000000000000000000" pitchFamily="2" charset="2"/>
-              <a:buChar char="§"/>
-            </a:pPr>
-            <a:r>
-              <a:rPr lang="pl-PL" sz="1000" dirty="0" smtClean="0">
-                <a:latin typeface="Courier New" panose="02070309020205020404" pitchFamily="49" charset="0"/>
-                <a:cs typeface="Courier New" panose="02070309020205020404" pitchFamily="49" charset="0"/>
-              </a:rPr>
-              <a:t>git log –</a:t>
-            </a:r>
-            <a:r>
-              <a:rPr lang="pl-PL" sz="1000" dirty="0" err="1" smtClean="0">
-                <a:latin typeface="Courier New" panose="02070309020205020404" pitchFamily="49" charset="0"/>
-                <a:cs typeface="Courier New" panose="02070309020205020404" pitchFamily="49" charset="0"/>
-              </a:rPr>
-              <a:t>oneline</a:t>
-            </a:r>
-            <a:endParaRPr lang="pl-PL" sz="1000" dirty="0" smtClean="0">
-              <a:latin typeface="Courier New" panose="02070309020205020404" pitchFamily="49" charset="0"/>
-              <a:cs typeface="Courier New" panose="02070309020205020404" pitchFamily="49" charset="0"/>
-            </a:endParaRPr>
-          </a:p>
-          <a:p>
-            <a:pPr lvl="1">
-              <a:buFont typeface="Wingdings" panose="05000000000000000000" pitchFamily="2" charset="2"/>
-              <a:buChar char="§"/>
-            </a:pPr>
-            <a:r>
-              <a:rPr lang="pl-PL" sz="1000" dirty="0" smtClean="0">
-                <a:latin typeface="Courier New" panose="02070309020205020404" pitchFamily="49" charset="0"/>
-                <a:cs typeface="Courier New" panose="02070309020205020404" pitchFamily="49" charset="0"/>
-              </a:rPr>
-              <a:t>git log –</a:t>
-            </a:r>
-            <a:r>
-              <a:rPr lang="pl-PL" sz="1000" dirty="0" err="1" smtClean="0">
-                <a:latin typeface="Courier New" panose="02070309020205020404" pitchFamily="49" charset="0"/>
-                <a:cs typeface="Courier New" panose="02070309020205020404" pitchFamily="49" charset="0"/>
-              </a:rPr>
-              <a:t>author</a:t>
-            </a:r>
-            <a:r>
-              <a:rPr lang="pl-PL" sz="1000" dirty="0" smtClean="0">
-                <a:latin typeface="Courier New" panose="02070309020205020404" pitchFamily="49" charset="0"/>
-                <a:cs typeface="Courier New" panose="02070309020205020404" pitchFamily="49" charset="0"/>
-              </a:rPr>
-              <a:t>=„Author”</a:t>
-            </a:r>
-          </a:p>
-          <a:p>
-            <a:pPr lvl="1">
-              <a:buFont typeface="Wingdings" panose="05000000000000000000" pitchFamily="2" charset="2"/>
-              <a:buChar char="§"/>
-            </a:pPr>
-            <a:r>
-              <a:rPr lang="pl-PL" sz="1000" dirty="0" smtClean="0">
-                <a:latin typeface="Courier New" panose="02070309020205020404" pitchFamily="49" charset="0"/>
-                <a:cs typeface="Courier New" panose="02070309020205020404" pitchFamily="49" charset="0"/>
-              </a:rPr>
-              <a:t>git log –</a:t>
-            </a:r>
-            <a:r>
-              <a:rPr lang="pl-PL" sz="1000" dirty="0" err="1" smtClean="0">
-                <a:latin typeface="Courier New" panose="02070309020205020404" pitchFamily="49" charset="0"/>
-                <a:cs typeface="Courier New" panose="02070309020205020404" pitchFamily="49" charset="0"/>
-              </a:rPr>
-              <a:t>grep</a:t>
-            </a:r>
-            <a:r>
-              <a:rPr lang="pl-PL" sz="1000" dirty="0" smtClean="0">
-                <a:latin typeface="Courier New" panose="02070309020205020404" pitchFamily="49" charset="0"/>
-                <a:cs typeface="Courier New" panose="02070309020205020404" pitchFamily="49" charset="0"/>
-              </a:rPr>
-              <a:t>=„fraza”</a:t>
-            </a:r>
-          </a:p>
-          <a:p>
-            <a:pPr lvl="1">
-              <a:buFont typeface="Wingdings" panose="05000000000000000000" pitchFamily="2" charset="2"/>
-              <a:buChar char="§"/>
-            </a:pPr>
-            <a:r>
-              <a:rPr lang="pl-PL" sz="1000" dirty="0" smtClean="0">
-                <a:latin typeface="Courier New" panose="02070309020205020404" pitchFamily="49" charset="0"/>
-                <a:cs typeface="Courier New" panose="02070309020205020404" pitchFamily="49" charset="0"/>
-              </a:rPr>
-              <a:t>git log –n (n – liczba </a:t>
-            </a:r>
-            <a:r>
-              <a:rPr lang="pl-PL" sz="1000" dirty="0" err="1" smtClean="0">
-                <a:latin typeface="Courier New" panose="02070309020205020404" pitchFamily="49" charset="0"/>
-                <a:cs typeface="Courier New" panose="02070309020205020404" pitchFamily="49" charset="0"/>
-              </a:rPr>
-              <a:t>commitów</a:t>
-            </a:r>
-            <a:r>
-              <a:rPr lang="pl-PL" sz="1000" dirty="0" smtClean="0">
-                <a:latin typeface="Courier New" panose="02070309020205020404" pitchFamily="49" charset="0"/>
-                <a:cs typeface="Courier New" panose="02070309020205020404" pitchFamily="49" charset="0"/>
-              </a:rPr>
-              <a:t>)</a:t>
-            </a:r>
-          </a:p>
-          <a:p>
-            <a:pPr lvl="1">
-              <a:buFont typeface="Wingdings" panose="05000000000000000000" pitchFamily="2" charset="2"/>
-              <a:buChar char="§"/>
-            </a:pPr>
-            <a:r>
-              <a:rPr lang="pl-PL" sz="1000" dirty="0" smtClean="0">
-                <a:latin typeface="Courier New" panose="02070309020205020404" pitchFamily="49" charset="0"/>
-                <a:cs typeface="Courier New" panose="02070309020205020404" pitchFamily="49" charset="0"/>
-              </a:rPr>
-              <a:t>git log –(</a:t>
-            </a:r>
-            <a:r>
-              <a:rPr lang="pl-PL" sz="1000" dirty="0" err="1" smtClean="0">
-                <a:latin typeface="Courier New" panose="02070309020205020404" pitchFamily="49" charset="0"/>
-                <a:cs typeface="Courier New" panose="02070309020205020404" pitchFamily="49" charset="0"/>
-              </a:rPr>
-              <a:t>path</a:t>
-            </a:r>
-            <a:r>
-              <a:rPr lang="pl-PL" sz="1000" dirty="0" smtClean="0">
-                <a:latin typeface="Courier New" panose="02070309020205020404" pitchFamily="49" charset="0"/>
-                <a:cs typeface="Courier New" panose="02070309020205020404" pitchFamily="49" charset="0"/>
-              </a:rPr>
-              <a:t> </a:t>
-            </a:r>
-            <a:r>
-              <a:rPr lang="pl-PL" sz="1000" dirty="0" err="1" smtClean="0">
-                <a:latin typeface="Courier New" panose="02070309020205020404" pitchFamily="49" charset="0"/>
-                <a:cs typeface="Courier New" panose="02070309020205020404" pitchFamily="49" charset="0"/>
-              </a:rPr>
-              <a:t>or</a:t>
-            </a:r>
-            <a:r>
-              <a:rPr lang="pl-PL" sz="1000" dirty="0" smtClean="0">
-                <a:latin typeface="Courier New" panose="02070309020205020404" pitchFamily="49" charset="0"/>
-                <a:cs typeface="Courier New" panose="02070309020205020404" pitchFamily="49" charset="0"/>
-              </a:rPr>
-              <a:t> </a:t>
-            </a:r>
-            <a:r>
-              <a:rPr lang="pl-PL" sz="1000" dirty="0" err="1" smtClean="0">
-                <a:latin typeface="Courier New" panose="02070309020205020404" pitchFamily="49" charset="0"/>
-                <a:cs typeface="Courier New" panose="02070309020205020404" pitchFamily="49" charset="0"/>
-              </a:rPr>
-              <a:t>filename</a:t>
-            </a:r>
-            <a:r>
-              <a:rPr lang="pl-PL" sz="1000" dirty="0" smtClean="0">
-                <a:latin typeface="Courier New" panose="02070309020205020404" pitchFamily="49" charset="0"/>
-                <a:cs typeface="Courier New" panose="02070309020205020404" pitchFamily="49" charset="0"/>
-              </a:rPr>
-              <a:t>)</a:t>
-            </a:r>
-          </a:p>
-          <a:p>
-            <a:pPr lvl="1">
-              <a:buFont typeface="Wingdings" panose="05000000000000000000" pitchFamily="2" charset="2"/>
-              <a:buChar char="§"/>
-            </a:pPr>
-            <a:r>
-              <a:rPr lang="pl-PL" sz="1000" dirty="0" smtClean="0">
-                <a:latin typeface="Courier New" panose="02070309020205020404" pitchFamily="49" charset="0"/>
-                <a:cs typeface="Courier New" panose="02070309020205020404" pitchFamily="49" charset="0"/>
-              </a:rPr>
-              <a:t>--</a:t>
-            </a:r>
-            <a:r>
-              <a:rPr lang="pl-PL" sz="1000" dirty="0" err="1" smtClean="0">
-                <a:latin typeface="Courier New" panose="02070309020205020404" pitchFamily="49" charset="0"/>
-                <a:cs typeface="Courier New" panose="02070309020205020404" pitchFamily="49" charset="0"/>
-              </a:rPr>
-              <a:t>patch</a:t>
-            </a:r>
-            <a:r>
-              <a:rPr lang="pl-PL" sz="1000" dirty="0" smtClean="0">
-                <a:latin typeface="Courier New" panose="02070309020205020404" pitchFamily="49" charset="0"/>
-                <a:cs typeface="Courier New" panose="02070309020205020404" pitchFamily="49" charset="0"/>
-              </a:rPr>
-              <a:t> --</a:t>
-            </a:r>
-            <a:r>
-              <a:rPr lang="pl-PL" sz="1000" dirty="0" err="1" smtClean="0">
-                <a:latin typeface="Courier New" panose="02070309020205020404" pitchFamily="49" charset="0"/>
-                <a:cs typeface="Courier New" panose="02070309020205020404" pitchFamily="49" charset="0"/>
-              </a:rPr>
-              <a:t>summary</a:t>
-            </a:r>
-            <a:r>
-              <a:rPr lang="pl-PL" sz="1000" dirty="0" smtClean="0">
-                <a:latin typeface="Courier New" panose="02070309020205020404" pitchFamily="49" charset="0"/>
-                <a:cs typeface="Courier New" panose="02070309020205020404" pitchFamily="49" charset="0"/>
-              </a:rPr>
-              <a:t> –</a:t>
-            </a:r>
-            <a:r>
-              <a:rPr lang="pl-PL" sz="1000" dirty="0" err="1" smtClean="0">
-                <a:latin typeface="Courier New" panose="02070309020205020404" pitchFamily="49" charset="0"/>
-                <a:cs typeface="Courier New" panose="02070309020205020404" pitchFamily="49" charset="0"/>
-              </a:rPr>
-              <a:t>stat</a:t>
-            </a:r>
-            <a:endParaRPr lang="pl-PL" sz="1000" dirty="0" smtClean="0">
-              <a:latin typeface="Courier New" panose="02070309020205020404" pitchFamily="49" charset="0"/>
-              <a:cs typeface="Courier New" panose="02070309020205020404" pitchFamily="49" charset="0"/>
-            </a:endParaRPr>
-          </a:p>
-          <a:p>
-            <a:pPr lvl="1">
-              <a:buFont typeface="Wingdings" panose="05000000000000000000" pitchFamily="2" charset="2"/>
-              <a:buChar char="§"/>
-            </a:pPr>
-            <a:r>
-              <a:rPr lang="pl-PL" sz="1000" dirty="0" smtClean="0">
-                <a:latin typeface="Courier New" panose="02070309020205020404" pitchFamily="49" charset="0"/>
-                <a:cs typeface="Courier New" panose="02070309020205020404" pitchFamily="49" charset="0"/>
-              </a:rPr>
-              <a:t>git  log –format=„%h %</a:t>
-            </a:r>
-            <a:r>
-              <a:rPr lang="pl-PL" sz="1000" dirty="0" err="1" smtClean="0">
-                <a:latin typeface="Courier New" panose="02070309020205020404" pitchFamily="49" charset="0"/>
-                <a:cs typeface="Courier New" panose="02070309020205020404" pitchFamily="49" charset="0"/>
-              </a:rPr>
-              <a:t>an</a:t>
-            </a:r>
-            <a:r>
-              <a:rPr lang="pl-PL" sz="1000" dirty="0" smtClean="0">
-                <a:latin typeface="Courier New" panose="02070309020205020404" pitchFamily="49" charset="0"/>
-                <a:cs typeface="Courier New" panose="02070309020205020404" pitchFamily="49" charset="0"/>
-              </a:rPr>
-              <a:t> %s (%</a:t>
-            </a:r>
-            <a:r>
-              <a:rPr lang="pl-PL" sz="1000" dirty="0" err="1" smtClean="0">
-                <a:latin typeface="Courier New" panose="02070309020205020404" pitchFamily="49" charset="0"/>
-                <a:cs typeface="Courier New" panose="02070309020205020404" pitchFamily="49" charset="0"/>
-              </a:rPr>
-              <a:t>cr</a:t>
-            </a:r>
-            <a:r>
-              <a:rPr lang="pl-PL" sz="1000" dirty="0" smtClean="0">
-                <a:latin typeface="Courier New" panose="02070309020205020404" pitchFamily="49" charset="0"/>
-                <a:cs typeface="Courier New" panose="02070309020205020404" pitchFamily="49" charset="0"/>
-              </a:rPr>
-              <a:t>)</a:t>
-            </a:r>
-          </a:p>
-          <a:p>
-            <a:pPr lvl="1">
-              <a:buFont typeface="Wingdings" panose="05000000000000000000" pitchFamily="2" charset="2"/>
-              <a:buChar char="§"/>
-            </a:pPr>
-            <a:r>
-              <a:rPr lang="pl-PL" sz="1000" dirty="0" smtClean="0">
-                <a:latin typeface="Courier New" panose="02070309020205020404" pitchFamily="49" charset="0"/>
-                <a:cs typeface="Courier New" panose="02070309020205020404" pitchFamily="49" charset="0"/>
-              </a:rPr>
-              <a:t>git </a:t>
-            </a:r>
-            <a:r>
-              <a:rPr lang="pl-PL" sz="1000" dirty="0" err="1" smtClean="0">
-                <a:latin typeface="Courier New" panose="02070309020205020404" pitchFamily="49" charset="0"/>
-                <a:cs typeface="Courier New" panose="02070309020205020404" pitchFamily="49" charset="0"/>
-              </a:rPr>
-              <a:t>shortlog</a:t>
-            </a:r>
-            <a:endParaRPr lang="en-US" sz="1000" dirty="0">
-              <a:latin typeface="Courier New" panose="02070309020205020404" pitchFamily="49" charset="0"/>
-              <a:cs typeface="Courier New" panose="02070309020205020404" pitchFamily="49" charset="0"/>
-            </a:endParaRPr>
+            <a:endParaRPr lang="en-US" sz="1200" dirty="0"/>
           </a:p>
         </p:txBody>
       </p:sp>
     </p:spTree>
     <p:extLst>
       <p:ext uri="{BB962C8B-B14F-4D97-AF65-F5344CB8AC3E}">
-        <p14:creationId xmlns:p14="http://schemas.microsoft.com/office/powerpoint/2010/main" val="3093268055"/>
+        <p14:creationId xmlns:p14="http://schemas.microsoft.com/office/powerpoint/2010/main" val="1663864229"/>
       </p:ext>
     </p:extLst>
   </p:cSld>
@@ -6264,6 +6102,383 @@
           </a:bodyPr>
           <a:lstStyle/>
           <a:p>
+            <a:pPr marL="0" lvl="1" indent="0">
+              <a:buNone/>
+            </a:pPr>
+            <a:r>
+              <a:rPr lang="pl-PL" sz="1800" b="1" dirty="0" smtClean="0"/>
+              <a:t>Status i historia repozytorium</a:t>
+            </a:r>
+          </a:p>
+          <a:p>
+            <a:pPr marL="0" lvl="1" indent="0">
+              <a:buNone/>
+            </a:pPr>
+            <a:endParaRPr lang="fr-FR" sz="1800" b="1" dirty="0" smtClean="0"/>
+          </a:p>
+          <a:p>
+            <a:pPr lvl="1">
+              <a:buFont typeface="Wingdings" panose="05000000000000000000" pitchFamily="2" charset="2"/>
+              <a:buChar char="§"/>
+            </a:pPr>
+            <a:r>
+              <a:rPr lang="pl-PL" sz="1000" dirty="0" smtClean="0">
+                <a:latin typeface="Courier New" panose="02070309020205020404" pitchFamily="49" charset="0"/>
+                <a:cs typeface="Courier New" panose="02070309020205020404" pitchFamily="49" charset="0"/>
+              </a:rPr>
+              <a:t>git status</a:t>
+            </a:r>
+            <a:endParaRPr lang="pl-PL" sz="1000" dirty="0">
+              <a:latin typeface="Courier New" panose="02070309020205020404" pitchFamily="49" charset="0"/>
+              <a:cs typeface="Courier New" panose="02070309020205020404" pitchFamily="49" charset="0"/>
+            </a:endParaRPr>
+          </a:p>
+          <a:p>
+            <a:pPr lvl="1">
+              <a:buFont typeface="Wingdings" panose="05000000000000000000" pitchFamily="2" charset="2"/>
+              <a:buChar char="§"/>
+            </a:pPr>
+            <a:r>
+              <a:rPr lang="pl-PL" sz="1000" dirty="0" smtClean="0">
+                <a:latin typeface="Courier New" panose="02070309020205020404" pitchFamily="49" charset="0"/>
+                <a:cs typeface="Courier New" panose="02070309020205020404" pitchFamily="49" charset="0"/>
+              </a:rPr>
+              <a:t>git log</a:t>
+            </a:r>
+          </a:p>
+          <a:p>
+            <a:pPr lvl="1">
+              <a:buFont typeface="Wingdings" panose="05000000000000000000" pitchFamily="2" charset="2"/>
+              <a:buChar char="§"/>
+            </a:pPr>
+            <a:r>
+              <a:rPr lang="pl-PL" sz="1000" dirty="0" smtClean="0">
+                <a:latin typeface="Courier New" panose="02070309020205020404" pitchFamily="49" charset="0"/>
+                <a:cs typeface="Courier New" panose="02070309020205020404" pitchFamily="49" charset="0"/>
+              </a:rPr>
+              <a:t>git log –</a:t>
+            </a:r>
+            <a:r>
+              <a:rPr lang="pl-PL" sz="1000" dirty="0" err="1" smtClean="0">
+                <a:latin typeface="Courier New" panose="02070309020205020404" pitchFamily="49" charset="0"/>
+                <a:cs typeface="Courier New" panose="02070309020205020404" pitchFamily="49" charset="0"/>
+              </a:rPr>
+              <a:t>oneline</a:t>
+            </a:r>
+            <a:endParaRPr lang="pl-PL" sz="1000" dirty="0" smtClean="0">
+              <a:latin typeface="Courier New" panose="02070309020205020404" pitchFamily="49" charset="0"/>
+              <a:cs typeface="Courier New" panose="02070309020205020404" pitchFamily="49" charset="0"/>
+            </a:endParaRPr>
+          </a:p>
+          <a:p>
+            <a:pPr lvl="1">
+              <a:buFont typeface="Wingdings" panose="05000000000000000000" pitchFamily="2" charset="2"/>
+              <a:buChar char="§"/>
+            </a:pPr>
+            <a:r>
+              <a:rPr lang="pl-PL" sz="1000" dirty="0" smtClean="0">
+                <a:latin typeface="Courier New" panose="02070309020205020404" pitchFamily="49" charset="0"/>
+                <a:cs typeface="Courier New" panose="02070309020205020404" pitchFamily="49" charset="0"/>
+              </a:rPr>
+              <a:t>git log –</a:t>
+            </a:r>
+            <a:r>
+              <a:rPr lang="pl-PL" sz="1000" dirty="0" err="1" smtClean="0">
+                <a:latin typeface="Courier New" panose="02070309020205020404" pitchFamily="49" charset="0"/>
+                <a:cs typeface="Courier New" panose="02070309020205020404" pitchFamily="49" charset="0"/>
+              </a:rPr>
+              <a:t>author</a:t>
+            </a:r>
+            <a:r>
+              <a:rPr lang="pl-PL" sz="1000" dirty="0" smtClean="0">
+                <a:latin typeface="Courier New" panose="02070309020205020404" pitchFamily="49" charset="0"/>
+                <a:cs typeface="Courier New" panose="02070309020205020404" pitchFamily="49" charset="0"/>
+              </a:rPr>
+              <a:t>=„Author”</a:t>
+            </a:r>
+          </a:p>
+          <a:p>
+            <a:pPr lvl="1">
+              <a:buFont typeface="Wingdings" panose="05000000000000000000" pitchFamily="2" charset="2"/>
+              <a:buChar char="§"/>
+            </a:pPr>
+            <a:r>
+              <a:rPr lang="pl-PL" sz="1000" dirty="0" smtClean="0">
+                <a:latin typeface="Courier New" panose="02070309020205020404" pitchFamily="49" charset="0"/>
+                <a:cs typeface="Courier New" panose="02070309020205020404" pitchFamily="49" charset="0"/>
+              </a:rPr>
+              <a:t>git log –</a:t>
+            </a:r>
+            <a:r>
+              <a:rPr lang="pl-PL" sz="1000" dirty="0" err="1" smtClean="0">
+                <a:latin typeface="Courier New" panose="02070309020205020404" pitchFamily="49" charset="0"/>
+                <a:cs typeface="Courier New" panose="02070309020205020404" pitchFamily="49" charset="0"/>
+              </a:rPr>
+              <a:t>grep</a:t>
+            </a:r>
+            <a:r>
+              <a:rPr lang="pl-PL" sz="1000" dirty="0" smtClean="0">
+                <a:latin typeface="Courier New" panose="02070309020205020404" pitchFamily="49" charset="0"/>
+                <a:cs typeface="Courier New" panose="02070309020205020404" pitchFamily="49" charset="0"/>
+              </a:rPr>
+              <a:t>=„fraza”</a:t>
+            </a:r>
+          </a:p>
+          <a:p>
+            <a:pPr lvl="1">
+              <a:buFont typeface="Wingdings" panose="05000000000000000000" pitchFamily="2" charset="2"/>
+              <a:buChar char="§"/>
+            </a:pPr>
+            <a:r>
+              <a:rPr lang="pl-PL" sz="1000" dirty="0" smtClean="0">
+                <a:latin typeface="Courier New" panose="02070309020205020404" pitchFamily="49" charset="0"/>
+                <a:cs typeface="Courier New" panose="02070309020205020404" pitchFamily="49" charset="0"/>
+              </a:rPr>
+              <a:t>git log –n (n – liczba </a:t>
+            </a:r>
+            <a:r>
+              <a:rPr lang="pl-PL" sz="1000" dirty="0" err="1" smtClean="0">
+                <a:latin typeface="Courier New" panose="02070309020205020404" pitchFamily="49" charset="0"/>
+                <a:cs typeface="Courier New" panose="02070309020205020404" pitchFamily="49" charset="0"/>
+              </a:rPr>
+              <a:t>commitów</a:t>
+            </a:r>
+            <a:r>
+              <a:rPr lang="pl-PL" sz="1000" dirty="0" smtClean="0">
+                <a:latin typeface="Courier New" panose="02070309020205020404" pitchFamily="49" charset="0"/>
+                <a:cs typeface="Courier New" panose="02070309020205020404" pitchFamily="49" charset="0"/>
+              </a:rPr>
+              <a:t>)</a:t>
+            </a:r>
+          </a:p>
+          <a:p>
+            <a:pPr lvl="1">
+              <a:buFont typeface="Wingdings" panose="05000000000000000000" pitchFamily="2" charset="2"/>
+              <a:buChar char="§"/>
+            </a:pPr>
+            <a:r>
+              <a:rPr lang="pl-PL" sz="1000" dirty="0" smtClean="0">
+                <a:latin typeface="Courier New" panose="02070309020205020404" pitchFamily="49" charset="0"/>
+                <a:cs typeface="Courier New" panose="02070309020205020404" pitchFamily="49" charset="0"/>
+              </a:rPr>
+              <a:t>git log –(</a:t>
+            </a:r>
+            <a:r>
+              <a:rPr lang="pl-PL" sz="1000" dirty="0" err="1" smtClean="0">
+                <a:latin typeface="Courier New" panose="02070309020205020404" pitchFamily="49" charset="0"/>
+                <a:cs typeface="Courier New" panose="02070309020205020404" pitchFamily="49" charset="0"/>
+              </a:rPr>
+              <a:t>path</a:t>
+            </a:r>
+            <a:r>
+              <a:rPr lang="pl-PL" sz="1000" dirty="0" smtClean="0">
+                <a:latin typeface="Courier New" panose="02070309020205020404" pitchFamily="49" charset="0"/>
+                <a:cs typeface="Courier New" panose="02070309020205020404" pitchFamily="49" charset="0"/>
+              </a:rPr>
+              <a:t> </a:t>
+            </a:r>
+            <a:r>
+              <a:rPr lang="pl-PL" sz="1000" dirty="0" err="1" smtClean="0">
+                <a:latin typeface="Courier New" panose="02070309020205020404" pitchFamily="49" charset="0"/>
+                <a:cs typeface="Courier New" panose="02070309020205020404" pitchFamily="49" charset="0"/>
+              </a:rPr>
+              <a:t>or</a:t>
+            </a:r>
+            <a:r>
+              <a:rPr lang="pl-PL" sz="1000" dirty="0" smtClean="0">
+                <a:latin typeface="Courier New" panose="02070309020205020404" pitchFamily="49" charset="0"/>
+                <a:cs typeface="Courier New" panose="02070309020205020404" pitchFamily="49" charset="0"/>
+              </a:rPr>
+              <a:t> </a:t>
+            </a:r>
+            <a:r>
+              <a:rPr lang="pl-PL" sz="1000" dirty="0" err="1" smtClean="0">
+                <a:latin typeface="Courier New" panose="02070309020205020404" pitchFamily="49" charset="0"/>
+                <a:cs typeface="Courier New" panose="02070309020205020404" pitchFamily="49" charset="0"/>
+              </a:rPr>
+              <a:t>filename</a:t>
+            </a:r>
+            <a:r>
+              <a:rPr lang="pl-PL" sz="1000" dirty="0" smtClean="0">
+                <a:latin typeface="Courier New" panose="02070309020205020404" pitchFamily="49" charset="0"/>
+                <a:cs typeface="Courier New" panose="02070309020205020404" pitchFamily="49" charset="0"/>
+              </a:rPr>
+              <a:t>)</a:t>
+            </a:r>
+          </a:p>
+          <a:p>
+            <a:pPr lvl="1">
+              <a:buFont typeface="Wingdings" panose="05000000000000000000" pitchFamily="2" charset="2"/>
+              <a:buChar char="§"/>
+            </a:pPr>
+            <a:r>
+              <a:rPr lang="pl-PL" sz="1000" dirty="0" smtClean="0">
+                <a:latin typeface="Courier New" panose="02070309020205020404" pitchFamily="49" charset="0"/>
+                <a:cs typeface="Courier New" panose="02070309020205020404" pitchFamily="49" charset="0"/>
+              </a:rPr>
+              <a:t>--</a:t>
+            </a:r>
+            <a:r>
+              <a:rPr lang="pl-PL" sz="1000" dirty="0" err="1" smtClean="0">
+                <a:latin typeface="Courier New" panose="02070309020205020404" pitchFamily="49" charset="0"/>
+                <a:cs typeface="Courier New" panose="02070309020205020404" pitchFamily="49" charset="0"/>
+              </a:rPr>
+              <a:t>patch</a:t>
+            </a:r>
+            <a:r>
+              <a:rPr lang="pl-PL" sz="1000" dirty="0" smtClean="0">
+                <a:latin typeface="Courier New" panose="02070309020205020404" pitchFamily="49" charset="0"/>
+                <a:cs typeface="Courier New" panose="02070309020205020404" pitchFamily="49" charset="0"/>
+              </a:rPr>
+              <a:t> --</a:t>
+            </a:r>
+            <a:r>
+              <a:rPr lang="pl-PL" sz="1000" dirty="0" err="1" smtClean="0">
+                <a:latin typeface="Courier New" panose="02070309020205020404" pitchFamily="49" charset="0"/>
+                <a:cs typeface="Courier New" panose="02070309020205020404" pitchFamily="49" charset="0"/>
+              </a:rPr>
+              <a:t>summary</a:t>
+            </a:r>
+            <a:r>
+              <a:rPr lang="pl-PL" sz="1000" dirty="0" smtClean="0">
+                <a:latin typeface="Courier New" panose="02070309020205020404" pitchFamily="49" charset="0"/>
+                <a:cs typeface="Courier New" panose="02070309020205020404" pitchFamily="49" charset="0"/>
+              </a:rPr>
+              <a:t> –</a:t>
+            </a:r>
+            <a:r>
+              <a:rPr lang="pl-PL" sz="1000" dirty="0" err="1" smtClean="0">
+                <a:latin typeface="Courier New" panose="02070309020205020404" pitchFamily="49" charset="0"/>
+                <a:cs typeface="Courier New" panose="02070309020205020404" pitchFamily="49" charset="0"/>
+              </a:rPr>
+              <a:t>stat</a:t>
+            </a:r>
+            <a:endParaRPr lang="pl-PL" sz="1000" dirty="0" smtClean="0">
+              <a:latin typeface="Courier New" panose="02070309020205020404" pitchFamily="49" charset="0"/>
+              <a:cs typeface="Courier New" panose="02070309020205020404" pitchFamily="49" charset="0"/>
+            </a:endParaRPr>
+          </a:p>
+          <a:p>
+            <a:pPr lvl="1">
+              <a:buFont typeface="Wingdings" panose="05000000000000000000" pitchFamily="2" charset="2"/>
+              <a:buChar char="§"/>
+            </a:pPr>
+            <a:r>
+              <a:rPr lang="pl-PL" sz="1000" dirty="0" smtClean="0">
+                <a:latin typeface="Courier New" panose="02070309020205020404" pitchFamily="49" charset="0"/>
+                <a:cs typeface="Courier New" panose="02070309020205020404" pitchFamily="49" charset="0"/>
+              </a:rPr>
+              <a:t>git  log –format=„%h %</a:t>
+            </a:r>
+            <a:r>
+              <a:rPr lang="pl-PL" sz="1000" dirty="0" err="1" smtClean="0">
+                <a:latin typeface="Courier New" panose="02070309020205020404" pitchFamily="49" charset="0"/>
+                <a:cs typeface="Courier New" panose="02070309020205020404" pitchFamily="49" charset="0"/>
+              </a:rPr>
+              <a:t>an</a:t>
+            </a:r>
+            <a:r>
+              <a:rPr lang="pl-PL" sz="1000" dirty="0" smtClean="0">
+                <a:latin typeface="Courier New" panose="02070309020205020404" pitchFamily="49" charset="0"/>
+                <a:cs typeface="Courier New" panose="02070309020205020404" pitchFamily="49" charset="0"/>
+              </a:rPr>
+              <a:t> %s (%</a:t>
+            </a:r>
+            <a:r>
+              <a:rPr lang="pl-PL" sz="1000" dirty="0" err="1" smtClean="0">
+                <a:latin typeface="Courier New" panose="02070309020205020404" pitchFamily="49" charset="0"/>
+                <a:cs typeface="Courier New" panose="02070309020205020404" pitchFamily="49" charset="0"/>
+              </a:rPr>
+              <a:t>cr</a:t>
+            </a:r>
+            <a:r>
+              <a:rPr lang="pl-PL" sz="1000" dirty="0" smtClean="0">
+                <a:latin typeface="Courier New" panose="02070309020205020404" pitchFamily="49" charset="0"/>
+                <a:cs typeface="Courier New" panose="02070309020205020404" pitchFamily="49" charset="0"/>
+              </a:rPr>
+              <a:t>)</a:t>
+            </a:r>
+          </a:p>
+          <a:p>
+            <a:pPr lvl="1">
+              <a:buFont typeface="Wingdings" panose="05000000000000000000" pitchFamily="2" charset="2"/>
+              <a:buChar char="§"/>
+            </a:pPr>
+            <a:r>
+              <a:rPr lang="pl-PL" sz="1000" dirty="0" smtClean="0">
+                <a:latin typeface="Courier New" panose="02070309020205020404" pitchFamily="49" charset="0"/>
+                <a:cs typeface="Courier New" panose="02070309020205020404" pitchFamily="49" charset="0"/>
+              </a:rPr>
+              <a:t>git </a:t>
+            </a:r>
+            <a:r>
+              <a:rPr lang="pl-PL" sz="1000" dirty="0" err="1" smtClean="0">
+                <a:latin typeface="Courier New" panose="02070309020205020404" pitchFamily="49" charset="0"/>
+                <a:cs typeface="Courier New" panose="02070309020205020404" pitchFamily="49" charset="0"/>
+              </a:rPr>
+              <a:t>shortlog</a:t>
+            </a:r>
+            <a:endParaRPr lang="en-US" sz="1000" dirty="0">
+              <a:latin typeface="Courier New" panose="02070309020205020404" pitchFamily="49" charset="0"/>
+              <a:cs typeface="Courier New" panose="02070309020205020404" pitchFamily="49" charset="0"/>
+            </a:endParaRPr>
+          </a:p>
+        </p:txBody>
+      </p:sp>
+    </p:spTree>
+    <p:extLst>
+      <p:ext uri="{BB962C8B-B14F-4D97-AF65-F5344CB8AC3E}">
+        <p14:creationId xmlns:p14="http://schemas.microsoft.com/office/powerpoint/2010/main" val="3093268055"/>
+      </p:ext>
+    </p:extLst>
+  </p:cSld>
+  <p:clrMapOvr>
+    <a:masterClrMapping/>
+  </p:clrMapOvr>
+  <p:timing>
+    <p:tnLst>
+      <p:par>
+        <p:cTn id="1" dur="indefinite" restart="never" nodeType="tmRoot"/>
+      </p:par>
+    </p:tnLst>
+  </p:timing>
+</p:sld>
+</file>
+
+<file path=ppt/slides/slide25.xml><?xml version="1.0" encoding="utf-8"?>
+<p:sld xmlns:a="http://schemas.openxmlformats.org/drawingml/2006/main" xmlns:r="http://schemas.openxmlformats.org/officeDocument/2006/relationships" xmlns:p="http://schemas.openxmlformats.org/presentationml/2006/main">
+  <p:cSld>
+    <p:spTree>
+      <p:nvGrpSpPr>
+        <p:cNvPr id="1" name=""/>
+        <p:cNvGrpSpPr/>
+        <p:nvPr/>
+      </p:nvGrpSpPr>
+      <p:grpSpPr>
+        <a:xfrm>
+          <a:off x="0" y="0"/>
+          <a:ext cx="0" cy="0"/>
+          <a:chOff x="0" y="0"/>
+          <a:chExt cx="0" cy="0"/>
+        </a:xfrm>
+      </p:grpSpPr>
+      <p:sp>
+        <p:nvSpPr>
+          <p:cNvPr id="3" name="Symbol zastępczy zawartości 2"/>
+          <p:cNvSpPr>
+            <a:spLocks noGrp="1"/>
+          </p:cNvSpPr>
+          <p:nvPr>
+            <p:ph idx="1"/>
+          </p:nvPr>
+        </p:nvSpPr>
+        <p:spPr/>
+        <p:txBody>
+          <a:bodyPr>
+            <a:normAutofit/>
+          </a:bodyPr>
+          <a:lstStyle/>
+          <a:p>
             <a:pPr marL="0" indent="0">
               <a:buNone/>
             </a:pPr>
@@ -6367,7 +6582,7 @@
 </p:sld>
 </file>
 
-<file path=ppt/slides/slide25.xml><?xml version="1.0" encoding="utf-8"?>
+<file path=ppt/slides/slide26.xml><?xml version="1.0" encoding="utf-8"?>
 <p:sld xmlns:a="http://schemas.openxmlformats.org/drawingml/2006/main" xmlns:r="http://schemas.openxmlformats.org/officeDocument/2006/relationships" xmlns:p="http://schemas.openxmlformats.org/presentationml/2006/main">
   <p:cSld>
     <p:spTree>
@@ -6473,7 +6688,7 @@
 </p:sld>
 </file>
 
-<file path=ppt/slides/slide26.xml><?xml version="1.0" encoding="utf-8"?>
+<file path=ppt/slides/slide27.xml><?xml version="1.0" encoding="utf-8"?>
 <p:sld xmlns:a="http://schemas.openxmlformats.org/drawingml/2006/main" xmlns:r="http://schemas.openxmlformats.org/officeDocument/2006/relationships" xmlns:p="http://schemas.openxmlformats.org/presentationml/2006/main">
   <p:cSld>
     <p:spTree>
@@ -6579,7 +6794,7 @@
 </p:sld>
 </file>
 
-<file path=ppt/slides/slide27.xml><?xml version="1.0" encoding="utf-8"?>
+<file path=ppt/slides/slide28.xml><?xml version="1.0" encoding="utf-8"?>
 <p:sld xmlns:a="http://schemas.openxmlformats.org/drawingml/2006/main" xmlns:r="http://schemas.openxmlformats.org/officeDocument/2006/relationships" xmlns:p="http://schemas.openxmlformats.org/presentationml/2006/main">
   <p:cSld>
     <p:spTree>
@@ -6929,7 +7144,7 @@
 </p:sld>
 </file>
 
-<file path=ppt/slides/slide28.xml><?xml version="1.0" encoding="utf-8"?>
+<file path=ppt/slides/slide29.xml><?xml version="1.0" encoding="utf-8"?>
 <p:sld xmlns:a="http://schemas.openxmlformats.org/drawingml/2006/main" xmlns:r="http://schemas.openxmlformats.org/officeDocument/2006/relationships" xmlns:p="http://schemas.openxmlformats.org/presentationml/2006/main">
   <p:cSld>
     <p:spTree>
@@ -7336,7 +7551,105 @@
 </p:sld>
 </file>
 
-<file path=ppt/slides/slide29.xml><?xml version="1.0" encoding="utf-8"?>
+<file path=ppt/slides/slide3.xml><?xml version="1.0" encoding="utf-8"?>
+<p:sld xmlns:a="http://schemas.openxmlformats.org/drawingml/2006/main" xmlns:r="http://schemas.openxmlformats.org/officeDocument/2006/relationships" xmlns:p="http://schemas.openxmlformats.org/presentationml/2006/main">
+  <p:cSld>
+    <p:spTree>
+      <p:nvGrpSpPr>
+        <p:cNvPr id="1" name=""/>
+        <p:cNvGrpSpPr/>
+        <p:nvPr/>
+      </p:nvGrpSpPr>
+      <p:grpSpPr>
+        <a:xfrm>
+          <a:off x="0" y="0"/>
+          <a:ext cx="0" cy="0"/>
+          <a:chOff x="0" y="0"/>
+          <a:chExt cx="0" cy="0"/>
+        </a:xfrm>
+      </p:grpSpPr>
+      <p:sp>
+        <p:nvSpPr>
+          <p:cNvPr id="3" name="Symbol zastępczy zawartości 2"/>
+          <p:cNvSpPr>
+            <a:spLocks noGrp="1"/>
+          </p:cNvSpPr>
+          <p:nvPr>
+            <p:ph idx="1"/>
+          </p:nvPr>
+        </p:nvSpPr>
+        <p:spPr/>
+        <p:txBody>
+          <a:bodyPr>
+            <a:normAutofit/>
+          </a:bodyPr>
+          <a:lstStyle/>
+          <a:p>
+            <a:pPr marL="0" indent="0">
+              <a:buNone/>
+            </a:pPr>
+            <a:r>
+              <a:rPr lang="pl-PL" sz="1800" b="1" dirty="0" smtClean="0"/>
+              <a:t>Proces wytwarzania oprogramowania</a:t>
+            </a:r>
+          </a:p>
+        </p:txBody>
+      </p:sp>
+      <p:pic>
+        <p:nvPicPr>
+          <p:cNvPr id="1026" name="Picture 2" descr="What is a deployment pipeline and how does it help software development  teams? | by Walmyr Filho | The Whereby Blog | Medium"/>
+          <p:cNvPicPr>
+            <a:picLocks noChangeAspect="1" noChangeArrowheads="1"/>
+          </p:cNvPicPr>
+          <p:nvPr/>
+        </p:nvPicPr>
+        <p:blipFill>
+          <a:blip r:embed="rId2">
+            <a:extLst>
+              <a:ext uri="{28A0092B-C50C-407E-A947-70E740481C1C}">
+                <a14:useLocalDpi xmlns:a14="http://schemas.microsoft.com/office/drawing/2010/main" val="0"/>
+              </a:ext>
+            </a:extLst>
+          </a:blip>
+          <a:srcRect/>
+          <a:stretch>
+            <a:fillRect/>
+          </a:stretch>
+        </p:blipFill>
+        <p:spPr bwMode="auto">
+          <a:xfrm>
+            <a:off x="2495770" y="1545636"/>
+            <a:ext cx="4152461" cy="3114346"/>
+          </a:xfrm>
+          <a:prstGeom prst="rect">
+            <a:avLst/>
+          </a:prstGeom>
+          <a:noFill/>
+          <a:extLst>
+            <a:ext uri="{909E8E84-426E-40DD-AFC4-6F175D3DCCD1}">
+              <a14:hiddenFill xmlns:a14="http://schemas.microsoft.com/office/drawing/2010/main">
+                <a:solidFill>
+                  <a:srgbClr val="FFFFFF"/>
+                </a:solidFill>
+              </a14:hiddenFill>
+            </a:ext>
+          </a:extLst>
+        </p:spPr>
+      </p:pic>
+    </p:spTree>
+    <p:extLst>
+      <p:ext uri="{BB962C8B-B14F-4D97-AF65-F5344CB8AC3E}">
+        <p14:creationId xmlns:p14="http://schemas.microsoft.com/office/powerpoint/2010/main" val="3511575660"/>
+      </p:ext>
+    </p:extLst>
+  </p:cSld>
+  <p:clrMapOvr>
+    <a:masterClrMapping/>
+  </p:clrMapOvr>
+</p:sld>
+</file>
+
+<file path=ppt/slides/slide30.xml><?xml version="1.0" encoding="utf-8"?>
 <p:sld xmlns:a="http://schemas.openxmlformats.org/drawingml/2006/main" xmlns:r="http://schemas.openxmlformats.org/officeDocument/2006/relationships" xmlns:p="http://schemas.openxmlformats.org/presentationml/2006/main">
   <p:cSld>
     <p:spTree>
@@ -7771,110 +8084,7 @@
 </p:sld>
 </file>
 
-<file path=ppt/slides/slide3.xml><?xml version="1.0" encoding="utf-8"?>
-<p:sld xmlns:a="http://schemas.openxmlformats.org/drawingml/2006/main" xmlns:r="http://schemas.openxmlformats.org/officeDocument/2006/relationships" xmlns:p="http://schemas.openxmlformats.org/presentationml/2006/main">
-  <p:cSld>
-    <p:spTree>
-      <p:nvGrpSpPr>
-        <p:cNvPr id="1" name=""/>
-        <p:cNvGrpSpPr/>
-        <p:nvPr/>
-      </p:nvGrpSpPr>
-      <p:grpSpPr>
-        <a:xfrm>
-          <a:off x="0" y="0"/>
-          <a:ext cx="0" cy="0"/>
-          <a:chOff x="0" y="0"/>
-          <a:chExt cx="0" cy="0"/>
-        </a:xfrm>
-      </p:grpSpPr>
-      <p:sp>
-        <p:nvSpPr>
-          <p:cNvPr id="3" name="Symbol zastępczy zawartości 2"/>
-          <p:cNvSpPr>
-            <a:spLocks noGrp="1"/>
-          </p:cNvSpPr>
-          <p:nvPr>
-            <p:ph idx="1"/>
-          </p:nvPr>
-        </p:nvSpPr>
-        <p:spPr/>
-        <p:txBody>
-          <a:bodyPr>
-            <a:normAutofit/>
-          </a:bodyPr>
-          <a:lstStyle/>
-          <a:p>
-            <a:pPr marL="0" indent="0">
-              <a:buNone/>
-            </a:pPr>
-            <a:r>
-              <a:rPr lang="pl-PL" sz="1800" b="1" dirty="0" smtClean="0"/>
-              <a:t>Software Development Life </a:t>
-            </a:r>
-            <a:r>
-              <a:rPr lang="pl-PL" sz="1800" b="1" dirty="0" err="1" smtClean="0"/>
-              <a:t>Cycle</a:t>
-            </a:r>
-            <a:endParaRPr lang="pl-PL" sz="1800" b="1" dirty="0" smtClean="0"/>
-          </a:p>
-        </p:txBody>
-      </p:sp>
-      <p:pic>
-        <p:nvPicPr>
-          <p:cNvPr id="4" name="Picture 4" descr="DevOps and Agile Methodologies in your Software Development Life Cycle –  Denken Solutions — Blog"/>
-          <p:cNvPicPr>
-            <a:picLocks noChangeAspect="1" noChangeArrowheads="1"/>
-          </p:cNvPicPr>
-          <p:nvPr/>
-        </p:nvPicPr>
-        <p:blipFill>
-          <a:blip r:embed="rId2" cstate="print">
-            <a:extLst>
-              <a:ext uri="{28A0092B-C50C-407E-A947-70E740481C1C}">
-                <a14:useLocalDpi xmlns:a14="http://schemas.microsoft.com/office/drawing/2010/main" val="0"/>
-              </a:ext>
-            </a:extLst>
-          </a:blip>
-          <a:srcRect/>
-          <a:stretch>
-            <a:fillRect/>
-          </a:stretch>
-        </p:blipFill>
-        <p:spPr bwMode="auto">
-          <a:xfrm>
-            <a:off x="2421685" y="1851670"/>
-            <a:ext cx="4300630" cy="2808312"/>
-          </a:xfrm>
-          <a:prstGeom prst="rect">
-            <a:avLst/>
-          </a:prstGeom>
-          <a:noFill/>
-          <a:extLst>
-            <a:ext uri="{909E8E84-426E-40DD-AFC4-6F175D3DCCD1}">
-              <a14:hiddenFill xmlns:a14="http://schemas.microsoft.com/office/drawing/2010/main">
-                <a:solidFill>
-                  <a:srgbClr val="FFFFFF"/>
-                </a:solidFill>
-              </a14:hiddenFill>
-            </a:ext>
-          </a:extLst>
-        </p:spPr>
-      </p:pic>
-    </p:spTree>
-    <p:extLst>
-      <p:ext uri="{BB962C8B-B14F-4D97-AF65-F5344CB8AC3E}">
-        <p14:creationId xmlns:p14="http://schemas.microsoft.com/office/powerpoint/2010/main" val="1797439306"/>
-      </p:ext>
-    </p:extLst>
-  </p:cSld>
-  <p:clrMapOvr>
-    <a:masterClrMapping/>
-  </p:clrMapOvr>
-</p:sld>
-</file>
-
-<file path=ppt/slides/slide30.xml><?xml version="1.0" encoding="utf-8"?>
+<file path=ppt/slides/slide31.xml><?xml version="1.0" encoding="utf-8"?>
 <p:sld xmlns:a="http://schemas.openxmlformats.org/drawingml/2006/main" xmlns:r="http://schemas.openxmlformats.org/officeDocument/2006/relationships" xmlns:p="http://schemas.openxmlformats.org/presentationml/2006/main">
   <p:cSld>
     <p:spTree>
@@ -8224,7 +8434,7 @@
 </p:sld>
 </file>
 
-<file path=ppt/slides/slide31.xml><?xml version="1.0" encoding="utf-8"?>
+<file path=ppt/slides/slide32.xml><?xml version="1.0" encoding="utf-8"?>
 <p:sld xmlns:a="http://schemas.openxmlformats.org/drawingml/2006/main" xmlns:r="http://schemas.openxmlformats.org/officeDocument/2006/relationships" xmlns:p="http://schemas.openxmlformats.org/presentationml/2006/main">
   <p:cSld>
     <p:spTree>
@@ -8351,7 +8561,7 @@
 </p:sld>
 </file>
 
-<file path=ppt/slides/slide32.xml><?xml version="1.0" encoding="utf-8"?>
+<file path=ppt/slides/slide33.xml><?xml version="1.0" encoding="utf-8"?>
 <p:sld xmlns:a="http://schemas.openxmlformats.org/drawingml/2006/main" xmlns:r="http://schemas.openxmlformats.org/officeDocument/2006/relationships" xmlns:p="http://schemas.openxmlformats.org/presentationml/2006/main">
   <p:cSld>
     <p:spTree>
@@ -8691,7 +8901,7 @@
 </p:sld>
 </file>
 
-<file path=ppt/slides/slide33.xml><?xml version="1.0" encoding="utf-8"?>
+<file path=ppt/slides/slide34.xml><?xml version="1.0" encoding="utf-8"?>
 <p:sld xmlns:a="http://schemas.openxmlformats.org/drawingml/2006/main" xmlns:r="http://schemas.openxmlformats.org/officeDocument/2006/relationships" xmlns:p="http://schemas.openxmlformats.org/presentationml/2006/main">
   <p:cSld>
     <p:bg>
@@ -8956,6 +9166,117 @@
 </file>
 
 <file path=ppt/slides/slide4.xml><?xml version="1.0" encoding="utf-8"?>
+<p:sld xmlns:a="http://schemas.openxmlformats.org/drawingml/2006/main" xmlns:r="http://schemas.openxmlformats.org/officeDocument/2006/relationships" xmlns:p="http://schemas.openxmlformats.org/presentationml/2006/main">
+  <p:cSld>
+    <p:spTree>
+      <p:nvGrpSpPr>
+        <p:cNvPr id="1" name=""/>
+        <p:cNvGrpSpPr/>
+        <p:nvPr/>
+      </p:nvGrpSpPr>
+      <p:grpSpPr>
+        <a:xfrm>
+          <a:off x="0" y="0"/>
+          <a:ext cx="0" cy="0"/>
+          <a:chOff x="0" y="0"/>
+          <a:chExt cx="0" cy="0"/>
+        </a:xfrm>
+      </p:grpSpPr>
+      <p:sp>
+        <p:nvSpPr>
+          <p:cNvPr id="3" name="Symbol zastępczy zawartości 2"/>
+          <p:cNvSpPr>
+            <a:spLocks noGrp="1"/>
+          </p:cNvSpPr>
+          <p:nvPr>
+            <p:ph idx="1"/>
+          </p:nvPr>
+        </p:nvSpPr>
+        <p:spPr/>
+        <p:txBody>
+          <a:bodyPr>
+            <a:normAutofit/>
+          </a:bodyPr>
+          <a:lstStyle/>
+          <a:p>
+            <a:pPr marL="0" indent="0">
+              <a:buNone/>
+            </a:pPr>
+            <a:r>
+              <a:rPr lang="pl-PL" sz="1800" b="1" dirty="0"/>
+              <a:t>Software </a:t>
+            </a:r>
+            <a:r>
+              <a:rPr lang="pl-PL" sz="1800" b="1" dirty="0" err="1"/>
+              <a:t>Configuration</a:t>
+            </a:r>
+            <a:r>
+              <a:rPr lang="pl-PL" sz="1800" b="1" dirty="0"/>
+              <a:t> Management (SCM</a:t>
+            </a:r>
+            <a:r>
+              <a:rPr lang="pl-PL" sz="1800" b="1" dirty="0" smtClean="0"/>
+              <a:t>)</a:t>
+            </a:r>
+            <a:endParaRPr lang="pl-PL" sz="1800" b="1" dirty="0"/>
+          </a:p>
+        </p:txBody>
+      </p:sp>
+      <p:pic>
+        <p:nvPicPr>
+          <p:cNvPr id="2" name="Picture 2" descr="Automatyzacja w procesie wytwarzania oprogramowania - testerzy.pl - Lepsza  jakość testowania"/>
+          <p:cNvPicPr>
+            <a:picLocks noChangeAspect="1" noChangeArrowheads="1"/>
+          </p:cNvPicPr>
+          <p:nvPr/>
+        </p:nvPicPr>
+        <p:blipFill>
+          <a:blip r:embed="rId2" cstate="print">
+            <a:extLst>
+              <a:ext uri="{28A0092B-C50C-407E-A947-70E740481C1C}">
+                <a14:useLocalDpi xmlns:a14="http://schemas.microsoft.com/office/drawing/2010/main" val="0"/>
+              </a:ext>
+            </a:extLst>
+          </a:blip>
+          <a:srcRect/>
+          <a:stretch>
+            <a:fillRect/>
+          </a:stretch>
+        </p:blipFill>
+        <p:spPr bwMode="auto">
+          <a:xfrm>
+            <a:off x="2163624" y="1851670"/>
+            <a:ext cx="4781714" cy="2537509"/>
+          </a:xfrm>
+          <a:prstGeom prst="rect">
+            <a:avLst/>
+          </a:prstGeom>
+          <a:noFill/>
+          <a:extLst>
+            <a:ext uri="{909E8E84-426E-40DD-AFC4-6F175D3DCCD1}">
+              <a14:hiddenFill xmlns:a14="http://schemas.microsoft.com/office/drawing/2010/main">
+                <a:solidFill>
+                  <a:srgbClr val="FFFFFF"/>
+                </a:solidFill>
+              </a14:hiddenFill>
+            </a:ext>
+          </a:extLst>
+        </p:spPr>
+      </p:pic>
+    </p:spTree>
+    <p:extLst>
+      <p:ext uri="{BB962C8B-B14F-4D97-AF65-F5344CB8AC3E}">
+        <p14:creationId xmlns:p14="http://schemas.microsoft.com/office/powerpoint/2010/main" val="371561574"/>
+      </p:ext>
+    </p:extLst>
+  </p:cSld>
+  <p:clrMapOvr>
+    <a:masterClrMapping/>
+  </p:clrMapOvr>
+</p:sld>
+</file>
+
+<file path=ppt/slides/slide5.xml><?xml version="1.0" encoding="utf-8"?>
 <p:sld xmlns:a="http://schemas.openxmlformats.org/drawingml/2006/main" xmlns:r="http://schemas.openxmlformats.org/officeDocument/2006/relationships" xmlns:p="http://schemas.openxmlformats.org/presentationml/2006/main">
   <p:cSld>
     <p:spTree>
@@ -9216,7 +9537,7 @@
 </p:sld>
 </file>
 
-<file path=ppt/slides/slide5.xml><?xml version="1.0" encoding="utf-8"?>
+<file path=ppt/slides/slide6.xml><?xml version="1.0" encoding="utf-8"?>
 <p:sld xmlns:a="http://schemas.openxmlformats.org/drawingml/2006/main" xmlns:r="http://schemas.openxmlformats.org/officeDocument/2006/relationships" xmlns:p="http://schemas.openxmlformats.org/presentationml/2006/main">
   <p:cSld>
     <p:spTree>
@@ -9361,7 +9682,7 @@
 </p:sld>
 </file>
 
-<file path=ppt/slides/slide6.xml><?xml version="1.0" encoding="utf-8"?>
+<file path=ppt/slides/slide7.xml><?xml version="1.0" encoding="utf-8"?>
 <p:sld xmlns:a="http://schemas.openxmlformats.org/drawingml/2006/main" xmlns:r="http://schemas.openxmlformats.org/officeDocument/2006/relationships" xmlns:p="http://schemas.openxmlformats.org/presentationml/2006/main">
   <p:cSld>
     <p:spTree>
@@ -9467,7 +9788,7 @@
 </p:sld>
 </file>
 
-<file path=ppt/slides/slide7.xml><?xml version="1.0" encoding="utf-8"?>
+<file path=ppt/slides/slide8.xml><?xml version="1.0" encoding="utf-8"?>
 <p:sld xmlns:a="http://schemas.openxmlformats.org/drawingml/2006/main" xmlns:r="http://schemas.openxmlformats.org/officeDocument/2006/relationships" xmlns:p="http://schemas.openxmlformats.org/presentationml/2006/main">
   <p:cSld>
     <p:spTree>
@@ -10138,889 +10459,6 @@
     <p:extLst>
       <p:ext uri="{BB962C8B-B14F-4D97-AF65-F5344CB8AC3E}">
         <p14:creationId xmlns:p14="http://schemas.microsoft.com/office/powerpoint/2010/main" val="1123386805"/>
-      </p:ext>
-    </p:extLst>
-  </p:cSld>
-  <p:clrMapOvr>
-    <a:masterClrMapping/>
-  </p:clrMapOvr>
-  <p:timing>
-    <p:tnLst>
-      <p:par>
-        <p:cTn id="1" dur="indefinite" restart="never" nodeType="tmRoot"/>
-      </p:par>
-    </p:tnLst>
-  </p:timing>
-</p:sld>
-</file>
-
-<file path=ppt/slides/slide8.xml><?xml version="1.0" encoding="utf-8"?>
-<p:sld xmlns:a="http://schemas.openxmlformats.org/drawingml/2006/main" xmlns:r="http://schemas.openxmlformats.org/officeDocument/2006/relationships" xmlns:p="http://schemas.openxmlformats.org/presentationml/2006/main">
-  <p:cSld>
-    <p:spTree>
-      <p:nvGrpSpPr>
-        <p:cNvPr id="1" name=""/>
-        <p:cNvGrpSpPr/>
-        <p:nvPr/>
-      </p:nvGrpSpPr>
-      <p:grpSpPr>
-        <a:xfrm>
-          <a:off x="0" y="0"/>
-          <a:ext cx="0" cy="0"/>
-          <a:chOff x="0" y="0"/>
-          <a:chExt cx="0" cy="0"/>
-        </a:xfrm>
-      </p:grpSpPr>
-      <p:sp>
-        <p:nvSpPr>
-          <p:cNvPr id="3" name="Symbol zastępczy zawartości 2"/>
-          <p:cNvSpPr>
-            <a:spLocks noGrp="1"/>
-          </p:cNvSpPr>
-          <p:nvPr>
-            <p:ph idx="1"/>
-          </p:nvPr>
-        </p:nvSpPr>
-        <p:spPr/>
-        <p:txBody>
-          <a:bodyPr>
-            <a:normAutofit/>
-          </a:bodyPr>
-          <a:lstStyle/>
-          <a:p>
-            <a:pPr marL="0" indent="0">
-              <a:buNone/>
-            </a:pPr>
-            <a:r>
-              <a:rPr lang="pl-PL" sz="1800" b="1" dirty="0" smtClean="0"/>
-              <a:t>Relacje i działania w repozytorium</a:t>
-            </a:r>
-            <a:endParaRPr lang="en-US" sz="1800" b="1" dirty="0"/>
-          </a:p>
-        </p:txBody>
-      </p:sp>
-      <p:sp>
-        <p:nvSpPr>
-          <p:cNvPr id="6" name="Strzałka w prawo 5"/>
-          <p:cNvSpPr/>
-          <p:nvPr/>
-        </p:nvSpPr>
-        <p:spPr>
-          <a:xfrm rot="5400000">
-            <a:off x="1139741" y="3205279"/>
-            <a:ext cx="2520000" cy="144000"/>
-          </a:xfrm>
-          <a:prstGeom prst="rightArrow">
-            <a:avLst/>
-          </a:prstGeom>
-        </p:spPr>
-        <p:style>
-          <a:lnRef idx="1">
-            <a:schemeClr val="accent6"/>
-          </a:lnRef>
-          <a:fillRef idx="2">
-            <a:schemeClr val="accent6"/>
-          </a:fillRef>
-          <a:effectRef idx="1">
-            <a:schemeClr val="accent6"/>
-          </a:effectRef>
-          <a:fontRef idx="minor">
-            <a:schemeClr val="dk1"/>
-          </a:fontRef>
-        </p:style>
-        <p:txBody>
-          <a:bodyPr rtlCol="0" anchor="ctr"/>
-          <a:lstStyle/>
-          <a:p>
-            <a:pPr algn="ctr"/>
-            <a:endParaRPr lang="pl-PL"/>
-          </a:p>
-        </p:txBody>
-      </p:sp>
-      <p:sp>
-        <p:nvSpPr>
-          <p:cNvPr id="7" name="Strzałka w prawo 6"/>
-          <p:cNvSpPr/>
-          <p:nvPr/>
-        </p:nvSpPr>
-        <p:spPr>
-          <a:xfrm rot="5400000">
-            <a:off x="-186361" y="3205279"/>
-            <a:ext cx="2520000" cy="144000"/>
-          </a:xfrm>
-          <a:prstGeom prst="rightArrow">
-            <a:avLst/>
-          </a:prstGeom>
-        </p:spPr>
-        <p:style>
-          <a:lnRef idx="1">
-            <a:schemeClr val="accent1"/>
-          </a:lnRef>
-          <a:fillRef idx="2">
-            <a:schemeClr val="accent1"/>
-          </a:fillRef>
-          <a:effectRef idx="1">
-            <a:schemeClr val="accent1"/>
-          </a:effectRef>
-          <a:fontRef idx="minor">
-            <a:schemeClr val="dk1"/>
-          </a:fontRef>
-        </p:style>
-        <p:txBody>
-          <a:bodyPr rtlCol="0" anchor="ctr"/>
-          <a:lstStyle/>
-          <a:p>
-            <a:pPr algn="ctr"/>
-            <a:endParaRPr lang="pl-PL"/>
-          </a:p>
-        </p:txBody>
-      </p:sp>
-      <p:sp>
-        <p:nvSpPr>
-          <p:cNvPr id="8" name="Strzałka w prawo 7"/>
-          <p:cNvSpPr/>
-          <p:nvPr/>
-        </p:nvSpPr>
-        <p:spPr>
-          <a:xfrm rot="5400000">
-            <a:off x="2459922" y="3147662"/>
-            <a:ext cx="2520000" cy="144000"/>
-          </a:xfrm>
-          <a:prstGeom prst="rightArrow">
-            <a:avLst/>
-          </a:prstGeom>
-        </p:spPr>
-        <p:style>
-          <a:lnRef idx="1">
-            <a:schemeClr val="accent3"/>
-          </a:lnRef>
-          <a:fillRef idx="2">
-            <a:schemeClr val="accent3"/>
-          </a:fillRef>
-          <a:effectRef idx="1">
-            <a:schemeClr val="accent3"/>
-          </a:effectRef>
-          <a:fontRef idx="minor">
-            <a:schemeClr val="dk1"/>
-          </a:fontRef>
-        </p:style>
-        <p:txBody>
-          <a:bodyPr rtlCol="0" anchor="ctr"/>
-          <a:lstStyle/>
-          <a:p>
-            <a:pPr algn="ctr"/>
-            <a:endParaRPr lang="pl-PL"/>
-          </a:p>
-        </p:txBody>
-      </p:sp>
-      <p:sp>
-        <p:nvSpPr>
-          <p:cNvPr id="9" name="Strzałka w prawo 8"/>
-          <p:cNvSpPr/>
-          <p:nvPr/>
-        </p:nvSpPr>
-        <p:spPr>
-          <a:xfrm rot="5400000">
-            <a:off x="3780104" y="3147662"/>
-            <a:ext cx="2520000" cy="144000"/>
-          </a:xfrm>
-          <a:prstGeom prst="rightArrow">
-            <a:avLst/>
-          </a:prstGeom>
-        </p:spPr>
-        <p:style>
-          <a:lnRef idx="1">
-            <a:schemeClr val="accent2"/>
-          </a:lnRef>
-          <a:fillRef idx="2">
-            <a:schemeClr val="accent2"/>
-          </a:fillRef>
-          <a:effectRef idx="1">
-            <a:schemeClr val="accent2"/>
-          </a:effectRef>
-          <a:fontRef idx="minor">
-            <a:schemeClr val="dk1"/>
-          </a:fontRef>
-        </p:style>
-        <p:txBody>
-          <a:bodyPr rtlCol="0" anchor="ctr"/>
-          <a:lstStyle/>
-          <a:p>
-            <a:pPr algn="ctr"/>
-            <a:endParaRPr lang="pl-PL"/>
-          </a:p>
-        </p:txBody>
-      </p:sp>
-      <p:sp>
-        <p:nvSpPr>
-          <p:cNvPr id="10" name="Prostokąt zaokrąglony 9"/>
-          <p:cNvSpPr/>
-          <p:nvPr/>
-        </p:nvSpPr>
-        <p:spPr>
-          <a:xfrm>
-            <a:off x="611560" y="1779662"/>
-            <a:ext cx="936000" cy="360000"/>
-          </a:xfrm>
-          <a:prstGeom prst="roundRect">
-            <a:avLst/>
-          </a:prstGeom>
-        </p:spPr>
-        <p:style>
-          <a:lnRef idx="1">
-            <a:schemeClr val="accent1"/>
-          </a:lnRef>
-          <a:fillRef idx="2">
-            <a:schemeClr val="accent1"/>
-          </a:fillRef>
-          <a:effectRef idx="1">
-            <a:schemeClr val="accent1"/>
-          </a:effectRef>
-          <a:fontRef idx="minor">
-            <a:schemeClr val="dk1"/>
-          </a:fontRef>
-        </p:style>
-        <p:txBody>
-          <a:bodyPr rtlCol="0" anchor="ctr"/>
-          <a:lstStyle/>
-          <a:p>
-            <a:pPr algn="ctr"/>
-            <a:r>
-              <a:rPr lang="pl-PL" sz="1050" dirty="0" err="1" smtClean="0"/>
-              <a:t>working</a:t>
-            </a:r>
-            <a:r>
-              <a:rPr lang="pl-PL" sz="1050" dirty="0" smtClean="0"/>
-              <a:t> </a:t>
-            </a:r>
-            <a:r>
-              <a:rPr lang="pl-PL" sz="1050" dirty="0" err="1" smtClean="0"/>
-              <a:t>directory</a:t>
-            </a:r>
-            <a:endParaRPr lang="pl-PL" sz="1050" dirty="0"/>
-          </a:p>
-        </p:txBody>
-      </p:sp>
-      <p:sp>
-        <p:nvSpPr>
-          <p:cNvPr id="11" name="Prostokąt zaokrąglony 10"/>
-          <p:cNvSpPr/>
-          <p:nvPr/>
-        </p:nvSpPr>
-        <p:spPr>
-          <a:xfrm>
-            <a:off x="1931741" y="1779662"/>
-            <a:ext cx="936000" cy="360000"/>
-          </a:xfrm>
-          <a:prstGeom prst="roundRect">
-            <a:avLst/>
-          </a:prstGeom>
-        </p:spPr>
-        <p:style>
-          <a:lnRef idx="1">
-            <a:schemeClr val="accent6"/>
-          </a:lnRef>
-          <a:fillRef idx="2">
-            <a:schemeClr val="accent6"/>
-          </a:fillRef>
-          <a:effectRef idx="1">
-            <a:schemeClr val="accent6"/>
-          </a:effectRef>
-          <a:fontRef idx="minor">
-            <a:schemeClr val="dk1"/>
-          </a:fontRef>
-        </p:style>
-        <p:txBody>
-          <a:bodyPr rtlCol="0" anchor="ctr"/>
-          <a:lstStyle/>
-          <a:p>
-            <a:pPr algn="ctr"/>
-            <a:r>
-              <a:rPr lang="pl-PL" sz="1050" dirty="0" err="1" smtClean="0"/>
-              <a:t>staging</a:t>
-            </a:r>
-            <a:r>
-              <a:rPr lang="pl-PL" sz="1050" dirty="0" smtClean="0"/>
-              <a:t> </a:t>
-            </a:r>
-            <a:r>
-              <a:rPr lang="pl-PL" sz="1050" dirty="0" err="1" smtClean="0"/>
-              <a:t>area</a:t>
-            </a:r>
-            <a:endParaRPr lang="pl-PL" sz="1050" dirty="0"/>
-          </a:p>
-        </p:txBody>
-      </p:sp>
-      <p:sp>
-        <p:nvSpPr>
-          <p:cNvPr id="12" name="Prostokąt zaokrąglony 11"/>
-          <p:cNvSpPr/>
-          <p:nvPr/>
-        </p:nvSpPr>
-        <p:spPr>
-          <a:xfrm>
-            <a:off x="3251922" y="1779662"/>
-            <a:ext cx="936000" cy="360000"/>
-          </a:xfrm>
-          <a:prstGeom prst="roundRect">
-            <a:avLst/>
-          </a:prstGeom>
-        </p:spPr>
-        <p:style>
-          <a:lnRef idx="1">
-            <a:schemeClr val="accent3"/>
-          </a:lnRef>
-          <a:fillRef idx="2">
-            <a:schemeClr val="accent3"/>
-          </a:fillRef>
-          <a:effectRef idx="1">
-            <a:schemeClr val="accent3"/>
-          </a:effectRef>
-          <a:fontRef idx="minor">
-            <a:schemeClr val="dk1"/>
-          </a:fontRef>
-        </p:style>
-        <p:txBody>
-          <a:bodyPr rtlCol="0" anchor="ctr"/>
-          <a:lstStyle/>
-          <a:p>
-            <a:pPr algn="ctr"/>
-            <a:r>
-              <a:rPr lang="pl-PL" sz="1050" dirty="0" err="1" smtClean="0"/>
-              <a:t>local</a:t>
-            </a:r>
-            <a:r>
-              <a:rPr lang="pl-PL" sz="1050" dirty="0" smtClean="0"/>
-              <a:t> </a:t>
-            </a:r>
-            <a:r>
-              <a:rPr lang="pl-PL" sz="1050" dirty="0" err="1" smtClean="0"/>
-              <a:t>repository</a:t>
-            </a:r>
-            <a:endParaRPr lang="pl-PL" sz="1050" dirty="0"/>
-          </a:p>
-        </p:txBody>
-      </p:sp>
-      <p:sp>
-        <p:nvSpPr>
-          <p:cNvPr id="13" name="Prostokąt zaokrąglony 12"/>
-          <p:cNvSpPr/>
-          <p:nvPr/>
-        </p:nvSpPr>
-        <p:spPr>
-          <a:xfrm>
-            <a:off x="4572104" y="1779662"/>
-            <a:ext cx="936000" cy="360000"/>
-          </a:xfrm>
-          <a:prstGeom prst="roundRect">
-            <a:avLst/>
-          </a:prstGeom>
-        </p:spPr>
-        <p:style>
-          <a:lnRef idx="1">
-            <a:schemeClr val="accent2"/>
-          </a:lnRef>
-          <a:fillRef idx="2">
-            <a:schemeClr val="accent2"/>
-          </a:fillRef>
-          <a:effectRef idx="1">
-            <a:schemeClr val="accent2"/>
-          </a:effectRef>
-          <a:fontRef idx="minor">
-            <a:schemeClr val="dk1"/>
-          </a:fontRef>
-        </p:style>
-        <p:txBody>
-          <a:bodyPr rtlCol="0" anchor="ctr"/>
-          <a:lstStyle/>
-          <a:p>
-            <a:pPr algn="ctr"/>
-            <a:r>
-              <a:rPr lang="pl-PL" sz="1050" dirty="0" err="1"/>
-              <a:t>r</a:t>
-            </a:r>
-            <a:r>
-              <a:rPr lang="pl-PL" sz="1050" dirty="0" err="1" smtClean="0"/>
-              <a:t>emote</a:t>
-            </a:r>
-            <a:r>
-              <a:rPr lang="pl-PL" sz="1050" dirty="0" smtClean="0"/>
-              <a:t> </a:t>
-            </a:r>
-            <a:r>
-              <a:rPr lang="pl-PL" sz="1050" dirty="0" err="1" smtClean="0"/>
-              <a:t>repository</a:t>
-            </a:r>
-            <a:endParaRPr lang="pl-PL" sz="1050" dirty="0"/>
-          </a:p>
-        </p:txBody>
-      </p:sp>
-      <p:sp>
-        <p:nvSpPr>
-          <p:cNvPr id="14" name="Prążkowana strzałka w prawo 13"/>
-          <p:cNvSpPr/>
-          <p:nvPr/>
-        </p:nvSpPr>
-        <p:spPr>
-          <a:xfrm>
-            <a:off x="1145637" y="2511743"/>
-            <a:ext cx="1182104" cy="363463"/>
-          </a:xfrm>
-          <a:prstGeom prst="stripedRightArrow">
-            <a:avLst>
-              <a:gd name="adj1" fmla="val 50000"/>
-              <a:gd name="adj2" fmla="val 42130"/>
-            </a:avLst>
-          </a:prstGeom>
-          <a:solidFill>
-            <a:schemeClr val="bg1">
-              <a:lumMod val="95000"/>
-            </a:schemeClr>
-          </a:solidFill>
-          <a:ln w="3175"/>
-        </p:spPr>
-        <p:style>
-          <a:lnRef idx="1">
-            <a:schemeClr val="dk1"/>
-          </a:lnRef>
-          <a:fillRef idx="2">
-            <a:schemeClr val="dk1"/>
-          </a:fillRef>
-          <a:effectRef idx="1">
-            <a:schemeClr val="dk1"/>
-          </a:effectRef>
-          <a:fontRef idx="minor">
-            <a:schemeClr val="dk1"/>
-          </a:fontRef>
-        </p:style>
-        <p:txBody>
-          <a:bodyPr rtlCol="0" anchor="ctr"/>
-          <a:lstStyle/>
-          <a:p>
-            <a:pPr algn="ctr"/>
-            <a:r>
-              <a:rPr lang="pl-PL" sz="1050" dirty="0" smtClean="0">
-                <a:latin typeface="Courier New" panose="02070309020205020404" pitchFamily="49" charset="0"/>
-                <a:cs typeface="Courier New" panose="02070309020205020404" pitchFamily="49" charset="0"/>
-              </a:rPr>
-              <a:t>git </a:t>
-            </a:r>
-            <a:r>
-              <a:rPr lang="pl-PL" sz="1050" dirty="0" err="1" smtClean="0">
-                <a:latin typeface="Courier New" panose="02070309020205020404" pitchFamily="49" charset="0"/>
-                <a:cs typeface="Courier New" panose="02070309020205020404" pitchFamily="49" charset="0"/>
-              </a:rPr>
-              <a:t>add</a:t>
-            </a:r>
-            <a:endParaRPr lang="pl-PL" sz="1050" dirty="0">
-              <a:latin typeface="Courier New" panose="02070309020205020404" pitchFamily="49" charset="0"/>
-              <a:cs typeface="Courier New" panose="02070309020205020404" pitchFamily="49" charset="0"/>
-            </a:endParaRPr>
-          </a:p>
-        </p:txBody>
-      </p:sp>
-      <p:sp>
-        <p:nvSpPr>
-          <p:cNvPr id="15" name="Prążkowana strzałka w prawo 14"/>
-          <p:cNvSpPr/>
-          <p:nvPr/>
-        </p:nvSpPr>
-        <p:spPr>
-          <a:xfrm flipH="1">
-            <a:off x="3791921" y="2211710"/>
-            <a:ext cx="1176181" cy="363463"/>
-          </a:xfrm>
-          <a:prstGeom prst="stripedRightArrow">
-            <a:avLst>
-              <a:gd name="adj1" fmla="val 50000"/>
-              <a:gd name="adj2" fmla="val 42130"/>
-            </a:avLst>
-          </a:prstGeom>
-          <a:solidFill>
-            <a:schemeClr val="bg1">
-              <a:lumMod val="95000"/>
-            </a:schemeClr>
-          </a:solidFill>
-          <a:ln w="3175"/>
-        </p:spPr>
-        <p:style>
-          <a:lnRef idx="1">
-            <a:schemeClr val="dk1"/>
-          </a:lnRef>
-          <a:fillRef idx="2">
-            <a:schemeClr val="dk1"/>
-          </a:fillRef>
-          <a:effectRef idx="1">
-            <a:schemeClr val="dk1"/>
-          </a:effectRef>
-          <a:fontRef idx="minor">
-            <a:schemeClr val="dk1"/>
-          </a:fontRef>
-        </p:style>
-        <p:txBody>
-          <a:bodyPr rtlCol="0" anchor="ctr"/>
-          <a:lstStyle/>
-          <a:p>
-            <a:pPr algn="ctr"/>
-            <a:r>
-              <a:rPr lang="pl-PL" sz="1050" dirty="0" smtClean="0">
-                <a:latin typeface="Courier New" panose="02070309020205020404" pitchFamily="49" charset="0"/>
-                <a:cs typeface="Courier New" panose="02070309020205020404" pitchFamily="49" charset="0"/>
-              </a:rPr>
-              <a:t>git </a:t>
-            </a:r>
-            <a:r>
-              <a:rPr lang="pl-PL" sz="1050" dirty="0" err="1" smtClean="0">
-                <a:latin typeface="Courier New" panose="02070309020205020404" pitchFamily="49" charset="0"/>
-                <a:cs typeface="Courier New" panose="02070309020205020404" pitchFamily="49" charset="0"/>
-              </a:rPr>
-              <a:t>pull</a:t>
-            </a:r>
-            <a:endParaRPr lang="pl-PL" sz="1050" dirty="0">
-              <a:latin typeface="Courier New" panose="02070309020205020404" pitchFamily="49" charset="0"/>
-              <a:cs typeface="Courier New" panose="02070309020205020404" pitchFamily="49" charset="0"/>
-            </a:endParaRPr>
-          </a:p>
-        </p:txBody>
-      </p:sp>
-      <p:sp>
-        <p:nvSpPr>
-          <p:cNvPr id="16" name="Prążkowana strzałka w prawo 15"/>
-          <p:cNvSpPr/>
-          <p:nvPr/>
-        </p:nvSpPr>
-        <p:spPr>
-          <a:xfrm flipH="1">
-            <a:off x="1154499" y="3411842"/>
-            <a:ext cx="2493423" cy="363463"/>
-          </a:xfrm>
-          <a:prstGeom prst="stripedRightArrow">
-            <a:avLst>
-              <a:gd name="adj1" fmla="val 50000"/>
-              <a:gd name="adj2" fmla="val 42130"/>
-            </a:avLst>
-          </a:prstGeom>
-          <a:solidFill>
-            <a:schemeClr val="bg1">
-              <a:lumMod val="95000"/>
-            </a:schemeClr>
-          </a:solidFill>
-          <a:ln w="3175"/>
-        </p:spPr>
-        <p:style>
-          <a:lnRef idx="1">
-            <a:schemeClr val="dk1"/>
-          </a:lnRef>
-          <a:fillRef idx="2">
-            <a:schemeClr val="dk1"/>
-          </a:fillRef>
-          <a:effectRef idx="1">
-            <a:schemeClr val="dk1"/>
-          </a:effectRef>
-          <a:fontRef idx="minor">
-            <a:schemeClr val="dk1"/>
-          </a:fontRef>
-        </p:style>
-        <p:txBody>
-          <a:bodyPr rtlCol="0" anchor="ctr"/>
-          <a:lstStyle/>
-          <a:p>
-            <a:pPr algn="ctr"/>
-            <a:r>
-              <a:rPr lang="pl-PL" sz="1050" dirty="0" smtClean="0">
-                <a:latin typeface="Courier New" panose="02070309020205020404" pitchFamily="49" charset="0"/>
-                <a:cs typeface="Courier New" panose="02070309020205020404" pitchFamily="49" charset="0"/>
-              </a:rPr>
-              <a:t>git </a:t>
-            </a:r>
-            <a:r>
-              <a:rPr lang="pl-PL" sz="1050" dirty="0" err="1" smtClean="0">
-                <a:latin typeface="Courier New" panose="02070309020205020404" pitchFamily="49" charset="0"/>
-                <a:cs typeface="Courier New" panose="02070309020205020404" pitchFamily="49" charset="0"/>
-              </a:rPr>
-              <a:t>marge</a:t>
-            </a:r>
-            <a:endParaRPr lang="pl-PL" sz="1050" dirty="0">
-              <a:latin typeface="Courier New" panose="02070309020205020404" pitchFamily="49" charset="0"/>
-              <a:cs typeface="Courier New" panose="02070309020205020404" pitchFamily="49" charset="0"/>
-            </a:endParaRPr>
-          </a:p>
-        </p:txBody>
-      </p:sp>
-      <p:sp>
-        <p:nvSpPr>
-          <p:cNvPr id="17" name="Prążkowana strzałka w prawo 16"/>
-          <p:cNvSpPr/>
-          <p:nvPr/>
-        </p:nvSpPr>
-        <p:spPr>
-          <a:xfrm>
-            <a:off x="3835464" y="3720455"/>
-            <a:ext cx="1176180" cy="363463"/>
-          </a:xfrm>
-          <a:prstGeom prst="stripedRightArrow">
-            <a:avLst>
-              <a:gd name="adj1" fmla="val 50000"/>
-              <a:gd name="adj2" fmla="val 42130"/>
-            </a:avLst>
-          </a:prstGeom>
-          <a:solidFill>
-            <a:schemeClr val="bg1">
-              <a:lumMod val="95000"/>
-            </a:schemeClr>
-          </a:solidFill>
-          <a:ln w="3175"/>
-        </p:spPr>
-        <p:style>
-          <a:lnRef idx="1">
-            <a:schemeClr val="dk1"/>
-          </a:lnRef>
-          <a:fillRef idx="2">
-            <a:schemeClr val="dk1"/>
-          </a:fillRef>
-          <a:effectRef idx="1">
-            <a:schemeClr val="dk1"/>
-          </a:effectRef>
-          <a:fontRef idx="minor">
-            <a:schemeClr val="dk1"/>
-          </a:fontRef>
-        </p:style>
-        <p:txBody>
-          <a:bodyPr rtlCol="0" anchor="ctr"/>
-          <a:lstStyle/>
-          <a:p>
-            <a:pPr algn="ctr"/>
-            <a:r>
-              <a:rPr lang="pl-PL" sz="1050" dirty="0" smtClean="0">
-                <a:latin typeface="Courier New" panose="02070309020205020404" pitchFamily="49" charset="0"/>
-                <a:cs typeface="Courier New" panose="02070309020205020404" pitchFamily="49" charset="0"/>
-              </a:rPr>
-              <a:t>git </a:t>
-            </a:r>
-            <a:r>
-              <a:rPr lang="pl-PL" sz="1050" dirty="0" err="1" smtClean="0">
-                <a:latin typeface="Courier New" panose="02070309020205020404" pitchFamily="49" charset="0"/>
-                <a:cs typeface="Courier New" panose="02070309020205020404" pitchFamily="49" charset="0"/>
-              </a:rPr>
-              <a:t>push</a:t>
-            </a:r>
-            <a:endParaRPr lang="pl-PL" sz="1050" dirty="0">
-              <a:latin typeface="Courier New" panose="02070309020205020404" pitchFamily="49" charset="0"/>
-              <a:cs typeface="Courier New" panose="02070309020205020404" pitchFamily="49" charset="0"/>
-            </a:endParaRPr>
-          </a:p>
-        </p:txBody>
-      </p:sp>
-      <p:sp>
-        <p:nvSpPr>
-          <p:cNvPr id="18" name="Prążkowana strzałka w prawo 17"/>
-          <p:cNvSpPr/>
-          <p:nvPr/>
-        </p:nvSpPr>
-        <p:spPr>
-          <a:xfrm>
-            <a:off x="2471741" y="2811776"/>
-            <a:ext cx="1176181" cy="363463"/>
-          </a:xfrm>
-          <a:prstGeom prst="stripedRightArrow">
-            <a:avLst>
-              <a:gd name="adj1" fmla="val 50000"/>
-              <a:gd name="adj2" fmla="val 42130"/>
-            </a:avLst>
-          </a:prstGeom>
-          <a:solidFill>
-            <a:schemeClr val="bg1">
-              <a:lumMod val="95000"/>
-            </a:schemeClr>
-          </a:solidFill>
-          <a:ln w="3175"/>
-        </p:spPr>
-        <p:style>
-          <a:lnRef idx="1">
-            <a:schemeClr val="dk1"/>
-          </a:lnRef>
-          <a:fillRef idx="2">
-            <a:schemeClr val="dk1"/>
-          </a:fillRef>
-          <a:effectRef idx="1">
-            <a:schemeClr val="dk1"/>
-          </a:effectRef>
-          <a:fontRef idx="minor">
-            <a:schemeClr val="dk1"/>
-          </a:fontRef>
-        </p:style>
-        <p:txBody>
-          <a:bodyPr rtlCol="0" anchor="ctr"/>
-          <a:lstStyle/>
-          <a:p>
-            <a:pPr algn="ctr"/>
-            <a:r>
-              <a:rPr lang="pl-PL" sz="1050" dirty="0" smtClean="0">
-                <a:latin typeface="Courier New" panose="02070309020205020404" pitchFamily="49" charset="0"/>
-                <a:cs typeface="Courier New" panose="02070309020205020404" pitchFamily="49" charset="0"/>
-              </a:rPr>
-              <a:t>git </a:t>
-            </a:r>
-            <a:r>
-              <a:rPr lang="pl-PL" sz="1050" dirty="0" err="1" smtClean="0">
-                <a:latin typeface="Courier New" panose="02070309020205020404" pitchFamily="49" charset="0"/>
-                <a:cs typeface="Courier New" panose="02070309020205020404" pitchFamily="49" charset="0"/>
-              </a:rPr>
-              <a:t>commit</a:t>
-            </a:r>
-            <a:endParaRPr lang="pl-PL" sz="1050" dirty="0">
-              <a:latin typeface="Courier New" panose="02070309020205020404" pitchFamily="49" charset="0"/>
-              <a:cs typeface="Courier New" panose="02070309020205020404" pitchFamily="49" charset="0"/>
-            </a:endParaRPr>
-          </a:p>
-        </p:txBody>
-      </p:sp>
-      <p:sp>
-        <p:nvSpPr>
-          <p:cNvPr id="19" name="Prążkowana strzałka w prawo 18"/>
-          <p:cNvSpPr/>
-          <p:nvPr/>
-        </p:nvSpPr>
-        <p:spPr>
-          <a:xfrm flipH="1">
-            <a:off x="3791925" y="4083918"/>
-            <a:ext cx="1176179" cy="363463"/>
-          </a:xfrm>
-          <a:prstGeom prst="stripedRightArrow">
-            <a:avLst>
-              <a:gd name="adj1" fmla="val 50000"/>
-              <a:gd name="adj2" fmla="val 42130"/>
-            </a:avLst>
-          </a:prstGeom>
-          <a:solidFill>
-            <a:schemeClr val="bg1">
-              <a:lumMod val="95000"/>
-            </a:schemeClr>
-          </a:solidFill>
-          <a:ln w="3175"/>
-        </p:spPr>
-        <p:style>
-          <a:lnRef idx="1">
-            <a:schemeClr val="dk1"/>
-          </a:lnRef>
-          <a:fillRef idx="2">
-            <a:schemeClr val="dk1"/>
-          </a:fillRef>
-          <a:effectRef idx="1">
-            <a:schemeClr val="dk1"/>
-          </a:effectRef>
-          <a:fontRef idx="minor">
-            <a:schemeClr val="dk1"/>
-          </a:fontRef>
-        </p:style>
-        <p:txBody>
-          <a:bodyPr rtlCol="0" anchor="ctr"/>
-          <a:lstStyle/>
-          <a:p>
-            <a:pPr algn="ctr"/>
-            <a:r>
-              <a:rPr lang="pl-PL" sz="1050" dirty="0">
-                <a:latin typeface="Courier New" panose="02070309020205020404" pitchFamily="49" charset="0"/>
-                <a:cs typeface="Courier New" panose="02070309020205020404" pitchFamily="49" charset="0"/>
-              </a:rPr>
-              <a:t>g</a:t>
-            </a:r>
-            <a:r>
-              <a:rPr lang="pl-PL" sz="1050" dirty="0" smtClean="0">
-                <a:latin typeface="Courier New" panose="02070309020205020404" pitchFamily="49" charset="0"/>
-                <a:cs typeface="Courier New" panose="02070309020205020404" pitchFamily="49" charset="0"/>
-              </a:rPr>
-              <a:t>it </a:t>
-            </a:r>
-            <a:r>
-              <a:rPr lang="pl-PL" sz="1050" dirty="0" err="1" smtClean="0">
-                <a:latin typeface="Courier New" panose="02070309020205020404" pitchFamily="49" charset="0"/>
-                <a:cs typeface="Courier New" panose="02070309020205020404" pitchFamily="49" charset="0"/>
-              </a:rPr>
-              <a:t>fetch</a:t>
-            </a:r>
-            <a:endParaRPr lang="pl-PL" sz="1050" dirty="0">
-              <a:latin typeface="Courier New" panose="02070309020205020404" pitchFamily="49" charset="0"/>
-              <a:cs typeface="Courier New" panose="02070309020205020404" pitchFamily="49" charset="0"/>
-            </a:endParaRPr>
-          </a:p>
-        </p:txBody>
-      </p:sp>
-      <p:sp>
-        <p:nvSpPr>
-          <p:cNvPr id="21" name="Prążkowana strzałka w prawo 20"/>
-          <p:cNvSpPr/>
-          <p:nvPr/>
-        </p:nvSpPr>
-        <p:spPr>
-          <a:xfrm flipH="1">
-            <a:off x="1145637" y="3111809"/>
-            <a:ext cx="2493422" cy="363463"/>
-          </a:xfrm>
-          <a:prstGeom prst="stripedRightArrow">
-            <a:avLst>
-              <a:gd name="adj1" fmla="val 50000"/>
-              <a:gd name="adj2" fmla="val 42130"/>
-            </a:avLst>
-          </a:prstGeom>
-          <a:solidFill>
-            <a:schemeClr val="bg1">
-              <a:lumMod val="95000"/>
-            </a:schemeClr>
-          </a:solidFill>
-          <a:ln w="3175"/>
-        </p:spPr>
-        <p:style>
-          <a:lnRef idx="1">
-            <a:schemeClr val="dk1"/>
-          </a:lnRef>
-          <a:fillRef idx="2">
-            <a:schemeClr val="dk1"/>
-          </a:fillRef>
-          <a:effectRef idx="1">
-            <a:schemeClr val="dk1"/>
-          </a:effectRef>
-          <a:fontRef idx="minor">
-            <a:schemeClr val="dk1"/>
-          </a:fontRef>
-        </p:style>
-        <p:txBody>
-          <a:bodyPr rtlCol="0" anchor="ctr"/>
-          <a:lstStyle/>
-          <a:p>
-            <a:pPr algn="ctr"/>
-            <a:r>
-              <a:rPr lang="pl-PL" sz="1050" dirty="0">
-                <a:latin typeface="Courier New" panose="02070309020205020404" pitchFamily="49" charset="0"/>
-                <a:cs typeface="Courier New" panose="02070309020205020404" pitchFamily="49" charset="0"/>
-              </a:rPr>
-              <a:t>g</a:t>
-            </a:r>
-            <a:r>
-              <a:rPr lang="pl-PL" sz="1050" dirty="0" smtClean="0">
-                <a:latin typeface="Courier New" panose="02070309020205020404" pitchFamily="49" charset="0"/>
-                <a:cs typeface="Courier New" panose="02070309020205020404" pitchFamily="49" charset="0"/>
-              </a:rPr>
-              <a:t>it </a:t>
-            </a:r>
-            <a:r>
-              <a:rPr lang="pl-PL" sz="1050" dirty="0" err="1" smtClean="0">
-                <a:latin typeface="Courier New" panose="02070309020205020404" pitchFamily="49" charset="0"/>
-                <a:cs typeface="Courier New" panose="02070309020205020404" pitchFamily="49" charset="0"/>
-              </a:rPr>
-              <a:t>checkout</a:t>
-            </a:r>
-            <a:endParaRPr lang="pl-PL" sz="1050" dirty="0">
-              <a:latin typeface="Courier New" panose="02070309020205020404" pitchFamily="49" charset="0"/>
-              <a:cs typeface="Courier New" panose="02070309020205020404" pitchFamily="49" charset="0"/>
-            </a:endParaRPr>
-          </a:p>
-        </p:txBody>
-      </p:sp>
-    </p:spTree>
-    <p:extLst>
-      <p:ext uri="{BB962C8B-B14F-4D97-AF65-F5344CB8AC3E}">
-        <p14:creationId xmlns:p14="http://schemas.microsoft.com/office/powerpoint/2010/main" val="393661945"/>
       </p:ext>
     </p:extLst>
   </p:cSld>
@@ -11076,180 +10514,834 @@
             </a:pPr>
             <a:r>
               <a:rPr lang="pl-PL" sz="1800" b="1" dirty="0" smtClean="0"/>
-              <a:t>Interfejs Użytkownika</a:t>
+              <a:t>Relacje i działania w repozytorium</a:t>
             </a:r>
             <a:endParaRPr lang="en-US" sz="1800" b="1" dirty="0"/>
           </a:p>
         </p:txBody>
       </p:sp>
-      <p:pic>
-        <p:nvPicPr>
-          <p:cNvPr id="1028" name="Picture 4" descr="Inconsistent &quot;GitExt Browse&quot; icon · Issue #5117 ·  gitextensions/gitextensions · GitHub"/>
-          <p:cNvPicPr>
-            <a:picLocks noChangeAspect="1" noChangeArrowheads="1"/>
-          </p:cNvPicPr>
+      <p:sp>
+        <p:nvSpPr>
+          <p:cNvPr id="6" name="Strzałka w prawo 5"/>
+          <p:cNvSpPr/>
           <p:nvPr/>
-        </p:nvPicPr>
-        <p:blipFill>
-          <a:blip r:embed="rId2" cstate="print">
-            <a:extLst>
-              <a:ext uri="{28A0092B-C50C-407E-A947-70E740481C1C}">
-                <a14:useLocalDpi xmlns:a14="http://schemas.microsoft.com/office/drawing/2010/main" val="0"/>
-              </a:ext>
-            </a:extLst>
-          </a:blip>
-          <a:srcRect/>
-          <a:stretch>
-            <a:fillRect/>
-          </a:stretch>
-        </p:blipFill>
-        <p:spPr bwMode="auto">
-          <a:xfrm>
-            <a:off x="5580112" y="3189585"/>
-            <a:ext cx="2931186" cy="936104"/>
+        </p:nvSpPr>
+        <p:spPr>
+          <a:xfrm rot="5400000">
+            <a:off x="1139741" y="3205279"/>
+            <a:ext cx="2520000" cy="144000"/>
           </a:xfrm>
-          <a:prstGeom prst="rect">
+          <a:prstGeom prst="rightArrow">
             <a:avLst/>
           </a:prstGeom>
-          <a:noFill/>
-          <a:extLst>
-            <a:ext uri="{909E8E84-426E-40DD-AFC4-6F175D3DCCD1}">
-              <a14:hiddenFill xmlns:a14="http://schemas.microsoft.com/office/drawing/2010/main">
-                <a:solidFill>
-                  <a:srgbClr val="FFFFFF"/>
-                </a:solidFill>
-              </a14:hiddenFill>
-            </a:ext>
-          </a:extLst>
         </p:spPr>
-      </p:pic>
-      <p:pic>
-        <p:nvPicPr>
-          <p:cNvPr id="1030" name="Picture 6" descr="What is Git Bash and How to Install it on Windows? - Appuals.com"/>
-          <p:cNvPicPr>
-            <a:picLocks noChangeAspect="1" noChangeArrowheads="1"/>
-          </p:cNvPicPr>
+        <p:style>
+          <a:lnRef idx="1">
+            <a:schemeClr val="accent6"/>
+          </a:lnRef>
+          <a:fillRef idx="2">
+            <a:schemeClr val="accent6"/>
+          </a:fillRef>
+          <a:effectRef idx="1">
+            <a:schemeClr val="accent6"/>
+          </a:effectRef>
+          <a:fontRef idx="minor">
+            <a:schemeClr val="dk1"/>
+          </a:fontRef>
+        </p:style>
+        <p:txBody>
+          <a:bodyPr rtlCol="0" anchor="ctr"/>
+          <a:lstStyle/>
+          <a:p>
+            <a:pPr algn="ctr"/>
+            <a:endParaRPr lang="pl-PL"/>
+          </a:p>
+        </p:txBody>
+      </p:sp>
+      <p:sp>
+        <p:nvSpPr>
+          <p:cNvPr id="7" name="Strzałka w prawo 6"/>
+          <p:cNvSpPr/>
           <p:nvPr/>
-        </p:nvPicPr>
-        <p:blipFill>
-          <a:blip r:embed="rId3" cstate="print">
-            <a:extLst>
-              <a:ext uri="{28A0092B-C50C-407E-A947-70E740481C1C}">
-                <a14:useLocalDpi xmlns:a14="http://schemas.microsoft.com/office/drawing/2010/main" val="0"/>
-              </a:ext>
-            </a:extLst>
-          </a:blip>
-          <a:srcRect/>
-          <a:stretch>
-            <a:fillRect/>
-          </a:stretch>
-        </p:blipFill>
-        <p:spPr bwMode="auto">
-          <a:xfrm>
-            <a:off x="3131840" y="1635646"/>
-            <a:ext cx="2286451" cy="1217166"/>
+        </p:nvSpPr>
+        <p:spPr>
+          <a:xfrm rot="5400000">
+            <a:off x="-186361" y="3205279"/>
+            <a:ext cx="2520000" cy="144000"/>
           </a:xfrm>
-          <a:prstGeom prst="rect">
+          <a:prstGeom prst="rightArrow">
             <a:avLst/>
           </a:prstGeom>
-          <a:noFill/>
-          <a:extLst>
-            <a:ext uri="{909E8E84-426E-40DD-AFC4-6F175D3DCCD1}">
-              <a14:hiddenFill xmlns:a14="http://schemas.microsoft.com/office/drawing/2010/main">
-                <a:solidFill>
-                  <a:srgbClr val="FFFFFF"/>
-                </a:solidFill>
-              </a14:hiddenFill>
-            </a:ext>
-          </a:extLst>
         </p:spPr>
-      </p:pic>
-      <p:pic>
-        <p:nvPicPr>
-          <p:cNvPr id="1032" name="Picture 8" descr="Outils de Développement Logiciel: TortoiseGit et Tuto Git ce que manquait  pour bien démarrer"/>
-          <p:cNvPicPr>
-            <a:picLocks noChangeAspect="1" noChangeArrowheads="1"/>
-          </p:cNvPicPr>
+        <p:style>
+          <a:lnRef idx="1">
+            <a:schemeClr val="accent1"/>
+          </a:lnRef>
+          <a:fillRef idx="2">
+            <a:schemeClr val="accent1"/>
+          </a:fillRef>
+          <a:effectRef idx="1">
+            <a:schemeClr val="accent1"/>
+          </a:effectRef>
+          <a:fontRef idx="minor">
+            <a:schemeClr val="dk1"/>
+          </a:fontRef>
+        </p:style>
+        <p:txBody>
+          <a:bodyPr rtlCol="0" anchor="ctr"/>
+          <a:lstStyle/>
+          <a:p>
+            <a:pPr algn="ctr"/>
+            <a:endParaRPr lang="pl-PL"/>
+          </a:p>
+        </p:txBody>
+      </p:sp>
+      <p:sp>
+        <p:nvSpPr>
+          <p:cNvPr id="8" name="Strzałka w prawo 7"/>
+          <p:cNvSpPr/>
           <p:nvPr/>
-        </p:nvPicPr>
-        <p:blipFill>
-          <a:blip r:embed="rId4">
-            <a:extLst>
-              <a:ext uri="{28A0092B-C50C-407E-A947-70E740481C1C}">
-                <a14:useLocalDpi xmlns:a14="http://schemas.microsoft.com/office/drawing/2010/main" val="0"/>
-              </a:ext>
-            </a:extLst>
-          </a:blip>
-          <a:srcRect/>
-          <a:stretch>
-            <a:fillRect/>
-          </a:stretch>
-        </p:blipFill>
-        <p:spPr bwMode="auto">
-          <a:xfrm>
-            <a:off x="1043608" y="2715766"/>
-            <a:ext cx="1914525" cy="1533526"/>
+        </p:nvSpPr>
+        <p:spPr>
+          <a:xfrm rot="5400000">
+            <a:off x="2459922" y="3147662"/>
+            <a:ext cx="2520000" cy="144000"/>
           </a:xfrm>
-          <a:prstGeom prst="rect">
+          <a:prstGeom prst="rightArrow">
             <a:avLst/>
           </a:prstGeom>
-          <a:noFill/>
-          <a:extLst>
-            <a:ext uri="{909E8E84-426E-40DD-AFC4-6F175D3DCCD1}">
-              <a14:hiddenFill xmlns:a14="http://schemas.microsoft.com/office/drawing/2010/main">
-                <a:solidFill>
-                  <a:srgbClr val="FFFFFF"/>
-                </a:solidFill>
-              </a14:hiddenFill>
-            </a:ext>
-          </a:extLst>
         </p:spPr>
-      </p:pic>
-      <p:pic>
-        <p:nvPicPr>
-          <p:cNvPr id="1034" name="Picture 10" descr="GitHub - marek-saji/git-przewodnik: Przewodnik po Gicie. Na chwilę obecną  dość chaotyczny."/>
-          <p:cNvPicPr>
-            <a:picLocks noChangeAspect="1" noChangeArrowheads="1"/>
-          </p:cNvPicPr>
+        <p:style>
+          <a:lnRef idx="1">
+            <a:schemeClr val="accent3"/>
+          </a:lnRef>
+          <a:fillRef idx="2">
+            <a:schemeClr val="accent3"/>
+          </a:fillRef>
+          <a:effectRef idx="1">
+            <a:schemeClr val="accent3"/>
+          </a:effectRef>
+          <a:fontRef idx="minor">
+            <a:schemeClr val="dk1"/>
+          </a:fontRef>
+        </p:style>
+        <p:txBody>
+          <a:bodyPr rtlCol="0" anchor="ctr"/>
+          <a:lstStyle/>
+          <a:p>
+            <a:pPr algn="ctr"/>
+            <a:endParaRPr lang="pl-PL"/>
+          </a:p>
+        </p:txBody>
+      </p:sp>
+      <p:sp>
+        <p:nvSpPr>
+          <p:cNvPr id="9" name="Strzałka w prawo 8"/>
+          <p:cNvSpPr/>
           <p:nvPr/>
-        </p:nvPicPr>
-        <p:blipFill>
-          <a:blip r:embed="rId5" cstate="print">
-            <a:extLst>
-              <a:ext uri="{28A0092B-C50C-407E-A947-70E740481C1C}">
-                <a14:useLocalDpi xmlns:a14="http://schemas.microsoft.com/office/drawing/2010/main" val="0"/>
-              </a:ext>
-            </a:extLst>
-          </a:blip>
-          <a:srcRect/>
-          <a:stretch>
-            <a:fillRect/>
-          </a:stretch>
-        </p:blipFill>
-        <p:spPr bwMode="auto">
-          <a:xfrm>
-            <a:off x="3203848" y="435194"/>
-            <a:ext cx="1610966" cy="672711"/>
+        </p:nvSpPr>
+        <p:spPr>
+          <a:xfrm rot="5400000">
+            <a:off x="3780104" y="3147662"/>
+            <a:ext cx="2520000" cy="144000"/>
           </a:xfrm>
-          <a:prstGeom prst="rect">
+          <a:prstGeom prst="rightArrow">
             <a:avLst/>
           </a:prstGeom>
-          <a:noFill/>
-          <a:extLst>
-            <a:ext uri="{909E8E84-426E-40DD-AFC4-6F175D3DCCD1}">
-              <a14:hiddenFill xmlns:a14="http://schemas.microsoft.com/office/drawing/2010/main">
-                <a:solidFill>
-                  <a:srgbClr val="FFFFFF"/>
-                </a:solidFill>
-              </a14:hiddenFill>
-            </a:ext>
-          </a:extLst>
         </p:spPr>
-      </p:pic>
+        <p:style>
+          <a:lnRef idx="1">
+            <a:schemeClr val="accent2"/>
+          </a:lnRef>
+          <a:fillRef idx="2">
+            <a:schemeClr val="accent2"/>
+          </a:fillRef>
+          <a:effectRef idx="1">
+            <a:schemeClr val="accent2"/>
+          </a:effectRef>
+          <a:fontRef idx="minor">
+            <a:schemeClr val="dk1"/>
+          </a:fontRef>
+        </p:style>
+        <p:txBody>
+          <a:bodyPr rtlCol="0" anchor="ctr"/>
+          <a:lstStyle/>
+          <a:p>
+            <a:pPr algn="ctr"/>
+            <a:endParaRPr lang="pl-PL"/>
+          </a:p>
+        </p:txBody>
+      </p:sp>
+      <p:sp>
+        <p:nvSpPr>
+          <p:cNvPr id="10" name="Prostokąt zaokrąglony 9"/>
+          <p:cNvSpPr/>
+          <p:nvPr/>
+        </p:nvSpPr>
+        <p:spPr>
+          <a:xfrm>
+            <a:off x="611560" y="1779662"/>
+            <a:ext cx="936000" cy="360000"/>
+          </a:xfrm>
+          <a:prstGeom prst="roundRect">
+            <a:avLst/>
+          </a:prstGeom>
+        </p:spPr>
+        <p:style>
+          <a:lnRef idx="1">
+            <a:schemeClr val="accent1"/>
+          </a:lnRef>
+          <a:fillRef idx="2">
+            <a:schemeClr val="accent1"/>
+          </a:fillRef>
+          <a:effectRef idx="1">
+            <a:schemeClr val="accent1"/>
+          </a:effectRef>
+          <a:fontRef idx="minor">
+            <a:schemeClr val="dk1"/>
+          </a:fontRef>
+        </p:style>
+        <p:txBody>
+          <a:bodyPr rtlCol="0" anchor="ctr"/>
+          <a:lstStyle/>
+          <a:p>
+            <a:pPr algn="ctr"/>
+            <a:r>
+              <a:rPr lang="pl-PL" sz="1050" dirty="0" err="1" smtClean="0"/>
+              <a:t>working</a:t>
+            </a:r>
+            <a:r>
+              <a:rPr lang="pl-PL" sz="1050" dirty="0" smtClean="0"/>
+              <a:t> </a:t>
+            </a:r>
+            <a:r>
+              <a:rPr lang="pl-PL" sz="1050" dirty="0" err="1" smtClean="0"/>
+              <a:t>directory</a:t>
+            </a:r>
+            <a:endParaRPr lang="pl-PL" sz="1050" dirty="0"/>
+          </a:p>
+        </p:txBody>
+      </p:sp>
+      <p:sp>
+        <p:nvSpPr>
+          <p:cNvPr id="11" name="Prostokąt zaokrąglony 10"/>
+          <p:cNvSpPr/>
+          <p:nvPr/>
+        </p:nvSpPr>
+        <p:spPr>
+          <a:xfrm>
+            <a:off x="1931741" y="1779662"/>
+            <a:ext cx="936000" cy="360000"/>
+          </a:xfrm>
+          <a:prstGeom prst="roundRect">
+            <a:avLst/>
+          </a:prstGeom>
+        </p:spPr>
+        <p:style>
+          <a:lnRef idx="1">
+            <a:schemeClr val="accent6"/>
+          </a:lnRef>
+          <a:fillRef idx="2">
+            <a:schemeClr val="accent6"/>
+          </a:fillRef>
+          <a:effectRef idx="1">
+            <a:schemeClr val="accent6"/>
+          </a:effectRef>
+          <a:fontRef idx="minor">
+            <a:schemeClr val="dk1"/>
+          </a:fontRef>
+        </p:style>
+        <p:txBody>
+          <a:bodyPr rtlCol="0" anchor="ctr"/>
+          <a:lstStyle/>
+          <a:p>
+            <a:pPr algn="ctr"/>
+            <a:r>
+              <a:rPr lang="pl-PL" sz="1050" dirty="0" err="1" smtClean="0"/>
+              <a:t>staging</a:t>
+            </a:r>
+            <a:r>
+              <a:rPr lang="pl-PL" sz="1050" dirty="0" smtClean="0"/>
+              <a:t> </a:t>
+            </a:r>
+            <a:r>
+              <a:rPr lang="pl-PL" sz="1050" dirty="0" err="1" smtClean="0"/>
+              <a:t>area</a:t>
+            </a:r>
+            <a:endParaRPr lang="pl-PL" sz="1050" dirty="0"/>
+          </a:p>
+        </p:txBody>
+      </p:sp>
+      <p:sp>
+        <p:nvSpPr>
+          <p:cNvPr id="12" name="Prostokąt zaokrąglony 11"/>
+          <p:cNvSpPr/>
+          <p:nvPr/>
+        </p:nvSpPr>
+        <p:spPr>
+          <a:xfrm>
+            <a:off x="3251922" y="1779662"/>
+            <a:ext cx="936000" cy="360000"/>
+          </a:xfrm>
+          <a:prstGeom prst="roundRect">
+            <a:avLst/>
+          </a:prstGeom>
+        </p:spPr>
+        <p:style>
+          <a:lnRef idx="1">
+            <a:schemeClr val="accent3"/>
+          </a:lnRef>
+          <a:fillRef idx="2">
+            <a:schemeClr val="accent3"/>
+          </a:fillRef>
+          <a:effectRef idx="1">
+            <a:schemeClr val="accent3"/>
+          </a:effectRef>
+          <a:fontRef idx="minor">
+            <a:schemeClr val="dk1"/>
+          </a:fontRef>
+        </p:style>
+        <p:txBody>
+          <a:bodyPr rtlCol="0" anchor="ctr"/>
+          <a:lstStyle/>
+          <a:p>
+            <a:pPr algn="ctr"/>
+            <a:r>
+              <a:rPr lang="pl-PL" sz="1050" dirty="0" err="1" smtClean="0"/>
+              <a:t>local</a:t>
+            </a:r>
+            <a:r>
+              <a:rPr lang="pl-PL" sz="1050" dirty="0" smtClean="0"/>
+              <a:t> </a:t>
+            </a:r>
+            <a:r>
+              <a:rPr lang="pl-PL" sz="1050" dirty="0" err="1" smtClean="0"/>
+              <a:t>repository</a:t>
+            </a:r>
+            <a:endParaRPr lang="pl-PL" sz="1050" dirty="0"/>
+          </a:p>
+        </p:txBody>
+      </p:sp>
+      <p:sp>
+        <p:nvSpPr>
+          <p:cNvPr id="13" name="Prostokąt zaokrąglony 12"/>
+          <p:cNvSpPr/>
+          <p:nvPr/>
+        </p:nvSpPr>
+        <p:spPr>
+          <a:xfrm>
+            <a:off x="4572104" y="1779662"/>
+            <a:ext cx="936000" cy="360000"/>
+          </a:xfrm>
+          <a:prstGeom prst="roundRect">
+            <a:avLst/>
+          </a:prstGeom>
+        </p:spPr>
+        <p:style>
+          <a:lnRef idx="1">
+            <a:schemeClr val="accent2"/>
+          </a:lnRef>
+          <a:fillRef idx="2">
+            <a:schemeClr val="accent2"/>
+          </a:fillRef>
+          <a:effectRef idx="1">
+            <a:schemeClr val="accent2"/>
+          </a:effectRef>
+          <a:fontRef idx="minor">
+            <a:schemeClr val="dk1"/>
+          </a:fontRef>
+        </p:style>
+        <p:txBody>
+          <a:bodyPr rtlCol="0" anchor="ctr"/>
+          <a:lstStyle/>
+          <a:p>
+            <a:pPr algn="ctr"/>
+            <a:r>
+              <a:rPr lang="pl-PL" sz="1050" dirty="0" err="1"/>
+              <a:t>r</a:t>
+            </a:r>
+            <a:r>
+              <a:rPr lang="pl-PL" sz="1050" dirty="0" err="1" smtClean="0"/>
+              <a:t>emote</a:t>
+            </a:r>
+            <a:r>
+              <a:rPr lang="pl-PL" sz="1050" dirty="0" smtClean="0"/>
+              <a:t> </a:t>
+            </a:r>
+            <a:r>
+              <a:rPr lang="pl-PL" sz="1050" dirty="0" err="1" smtClean="0"/>
+              <a:t>repository</a:t>
+            </a:r>
+            <a:endParaRPr lang="pl-PL" sz="1050" dirty="0"/>
+          </a:p>
+        </p:txBody>
+      </p:sp>
+      <p:sp>
+        <p:nvSpPr>
+          <p:cNvPr id="14" name="Prążkowana strzałka w prawo 13"/>
+          <p:cNvSpPr/>
+          <p:nvPr/>
+        </p:nvSpPr>
+        <p:spPr>
+          <a:xfrm>
+            <a:off x="1145637" y="2511743"/>
+            <a:ext cx="1182104" cy="363463"/>
+          </a:xfrm>
+          <a:prstGeom prst="stripedRightArrow">
+            <a:avLst>
+              <a:gd name="adj1" fmla="val 50000"/>
+              <a:gd name="adj2" fmla="val 42130"/>
+            </a:avLst>
+          </a:prstGeom>
+          <a:solidFill>
+            <a:schemeClr val="bg1">
+              <a:lumMod val="95000"/>
+            </a:schemeClr>
+          </a:solidFill>
+          <a:ln w="3175"/>
+        </p:spPr>
+        <p:style>
+          <a:lnRef idx="1">
+            <a:schemeClr val="dk1"/>
+          </a:lnRef>
+          <a:fillRef idx="2">
+            <a:schemeClr val="dk1"/>
+          </a:fillRef>
+          <a:effectRef idx="1">
+            <a:schemeClr val="dk1"/>
+          </a:effectRef>
+          <a:fontRef idx="minor">
+            <a:schemeClr val="dk1"/>
+          </a:fontRef>
+        </p:style>
+        <p:txBody>
+          <a:bodyPr rtlCol="0" anchor="ctr"/>
+          <a:lstStyle/>
+          <a:p>
+            <a:pPr algn="ctr"/>
+            <a:r>
+              <a:rPr lang="pl-PL" sz="1050" dirty="0" smtClean="0">
+                <a:latin typeface="Courier New" panose="02070309020205020404" pitchFamily="49" charset="0"/>
+                <a:cs typeface="Courier New" panose="02070309020205020404" pitchFamily="49" charset="0"/>
+              </a:rPr>
+              <a:t>git </a:t>
+            </a:r>
+            <a:r>
+              <a:rPr lang="pl-PL" sz="1050" dirty="0" err="1" smtClean="0">
+                <a:latin typeface="Courier New" panose="02070309020205020404" pitchFamily="49" charset="0"/>
+                <a:cs typeface="Courier New" panose="02070309020205020404" pitchFamily="49" charset="0"/>
+              </a:rPr>
+              <a:t>add</a:t>
+            </a:r>
+            <a:endParaRPr lang="pl-PL" sz="1050" dirty="0">
+              <a:latin typeface="Courier New" panose="02070309020205020404" pitchFamily="49" charset="0"/>
+              <a:cs typeface="Courier New" panose="02070309020205020404" pitchFamily="49" charset="0"/>
+            </a:endParaRPr>
+          </a:p>
+        </p:txBody>
+      </p:sp>
+      <p:sp>
+        <p:nvSpPr>
+          <p:cNvPr id="15" name="Prążkowana strzałka w prawo 14"/>
+          <p:cNvSpPr/>
+          <p:nvPr/>
+        </p:nvSpPr>
+        <p:spPr>
+          <a:xfrm flipH="1">
+            <a:off x="3791921" y="2211710"/>
+            <a:ext cx="1176181" cy="363463"/>
+          </a:xfrm>
+          <a:prstGeom prst="stripedRightArrow">
+            <a:avLst>
+              <a:gd name="adj1" fmla="val 50000"/>
+              <a:gd name="adj2" fmla="val 42130"/>
+            </a:avLst>
+          </a:prstGeom>
+          <a:solidFill>
+            <a:schemeClr val="bg1">
+              <a:lumMod val="95000"/>
+            </a:schemeClr>
+          </a:solidFill>
+          <a:ln w="3175"/>
+        </p:spPr>
+        <p:style>
+          <a:lnRef idx="1">
+            <a:schemeClr val="dk1"/>
+          </a:lnRef>
+          <a:fillRef idx="2">
+            <a:schemeClr val="dk1"/>
+          </a:fillRef>
+          <a:effectRef idx="1">
+            <a:schemeClr val="dk1"/>
+          </a:effectRef>
+          <a:fontRef idx="minor">
+            <a:schemeClr val="dk1"/>
+          </a:fontRef>
+        </p:style>
+        <p:txBody>
+          <a:bodyPr rtlCol="0" anchor="ctr"/>
+          <a:lstStyle/>
+          <a:p>
+            <a:pPr algn="ctr"/>
+            <a:r>
+              <a:rPr lang="pl-PL" sz="1050" dirty="0" smtClean="0">
+                <a:latin typeface="Courier New" panose="02070309020205020404" pitchFamily="49" charset="0"/>
+                <a:cs typeface="Courier New" panose="02070309020205020404" pitchFamily="49" charset="0"/>
+              </a:rPr>
+              <a:t>git </a:t>
+            </a:r>
+            <a:r>
+              <a:rPr lang="pl-PL" sz="1050" dirty="0" err="1" smtClean="0">
+                <a:latin typeface="Courier New" panose="02070309020205020404" pitchFamily="49" charset="0"/>
+                <a:cs typeface="Courier New" panose="02070309020205020404" pitchFamily="49" charset="0"/>
+              </a:rPr>
+              <a:t>pull</a:t>
+            </a:r>
+            <a:endParaRPr lang="pl-PL" sz="1050" dirty="0">
+              <a:latin typeface="Courier New" panose="02070309020205020404" pitchFamily="49" charset="0"/>
+              <a:cs typeface="Courier New" panose="02070309020205020404" pitchFamily="49" charset="0"/>
+            </a:endParaRPr>
+          </a:p>
+        </p:txBody>
+      </p:sp>
+      <p:sp>
+        <p:nvSpPr>
+          <p:cNvPr id="16" name="Prążkowana strzałka w prawo 15"/>
+          <p:cNvSpPr/>
+          <p:nvPr/>
+        </p:nvSpPr>
+        <p:spPr>
+          <a:xfrm flipH="1">
+            <a:off x="1154499" y="3411842"/>
+            <a:ext cx="2493423" cy="363463"/>
+          </a:xfrm>
+          <a:prstGeom prst="stripedRightArrow">
+            <a:avLst>
+              <a:gd name="adj1" fmla="val 50000"/>
+              <a:gd name="adj2" fmla="val 42130"/>
+            </a:avLst>
+          </a:prstGeom>
+          <a:solidFill>
+            <a:schemeClr val="bg1">
+              <a:lumMod val="95000"/>
+            </a:schemeClr>
+          </a:solidFill>
+          <a:ln w="3175"/>
+        </p:spPr>
+        <p:style>
+          <a:lnRef idx="1">
+            <a:schemeClr val="dk1"/>
+          </a:lnRef>
+          <a:fillRef idx="2">
+            <a:schemeClr val="dk1"/>
+          </a:fillRef>
+          <a:effectRef idx="1">
+            <a:schemeClr val="dk1"/>
+          </a:effectRef>
+          <a:fontRef idx="minor">
+            <a:schemeClr val="dk1"/>
+          </a:fontRef>
+        </p:style>
+        <p:txBody>
+          <a:bodyPr rtlCol="0" anchor="ctr"/>
+          <a:lstStyle/>
+          <a:p>
+            <a:pPr algn="ctr"/>
+            <a:r>
+              <a:rPr lang="pl-PL" sz="1050" dirty="0" smtClean="0">
+                <a:latin typeface="Courier New" panose="02070309020205020404" pitchFamily="49" charset="0"/>
+                <a:cs typeface="Courier New" panose="02070309020205020404" pitchFamily="49" charset="0"/>
+              </a:rPr>
+              <a:t>git </a:t>
+            </a:r>
+            <a:r>
+              <a:rPr lang="pl-PL" sz="1050" dirty="0" err="1" smtClean="0">
+                <a:latin typeface="Courier New" panose="02070309020205020404" pitchFamily="49" charset="0"/>
+                <a:cs typeface="Courier New" panose="02070309020205020404" pitchFamily="49" charset="0"/>
+              </a:rPr>
+              <a:t>marge</a:t>
+            </a:r>
+            <a:endParaRPr lang="pl-PL" sz="1050" dirty="0">
+              <a:latin typeface="Courier New" panose="02070309020205020404" pitchFamily="49" charset="0"/>
+              <a:cs typeface="Courier New" panose="02070309020205020404" pitchFamily="49" charset="0"/>
+            </a:endParaRPr>
+          </a:p>
+        </p:txBody>
+      </p:sp>
+      <p:sp>
+        <p:nvSpPr>
+          <p:cNvPr id="17" name="Prążkowana strzałka w prawo 16"/>
+          <p:cNvSpPr/>
+          <p:nvPr/>
+        </p:nvSpPr>
+        <p:spPr>
+          <a:xfrm>
+            <a:off x="3835464" y="3720455"/>
+            <a:ext cx="1176180" cy="363463"/>
+          </a:xfrm>
+          <a:prstGeom prst="stripedRightArrow">
+            <a:avLst>
+              <a:gd name="adj1" fmla="val 50000"/>
+              <a:gd name="adj2" fmla="val 42130"/>
+            </a:avLst>
+          </a:prstGeom>
+          <a:solidFill>
+            <a:schemeClr val="bg1">
+              <a:lumMod val="95000"/>
+            </a:schemeClr>
+          </a:solidFill>
+          <a:ln w="3175"/>
+        </p:spPr>
+        <p:style>
+          <a:lnRef idx="1">
+            <a:schemeClr val="dk1"/>
+          </a:lnRef>
+          <a:fillRef idx="2">
+            <a:schemeClr val="dk1"/>
+          </a:fillRef>
+          <a:effectRef idx="1">
+            <a:schemeClr val="dk1"/>
+          </a:effectRef>
+          <a:fontRef idx="minor">
+            <a:schemeClr val="dk1"/>
+          </a:fontRef>
+        </p:style>
+        <p:txBody>
+          <a:bodyPr rtlCol="0" anchor="ctr"/>
+          <a:lstStyle/>
+          <a:p>
+            <a:pPr algn="ctr"/>
+            <a:r>
+              <a:rPr lang="pl-PL" sz="1050" dirty="0" smtClean="0">
+                <a:latin typeface="Courier New" panose="02070309020205020404" pitchFamily="49" charset="0"/>
+                <a:cs typeface="Courier New" panose="02070309020205020404" pitchFamily="49" charset="0"/>
+              </a:rPr>
+              <a:t>git </a:t>
+            </a:r>
+            <a:r>
+              <a:rPr lang="pl-PL" sz="1050" dirty="0" err="1" smtClean="0">
+                <a:latin typeface="Courier New" panose="02070309020205020404" pitchFamily="49" charset="0"/>
+                <a:cs typeface="Courier New" panose="02070309020205020404" pitchFamily="49" charset="0"/>
+              </a:rPr>
+              <a:t>push</a:t>
+            </a:r>
+            <a:endParaRPr lang="pl-PL" sz="1050" dirty="0">
+              <a:latin typeface="Courier New" panose="02070309020205020404" pitchFamily="49" charset="0"/>
+              <a:cs typeface="Courier New" panose="02070309020205020404" pitchFamily="49" charset="0"/>
+            </a:endParaRPr>
+          </a:p>
+        </p:txBody>
+      </p:sp>
+      <p:sp>
+        <p:nvSpPr>
+          <p:cNvPr id="18" name="Prążkowana strzałka w prawo 17"/>
+          <p:cNvSpPr/>
+          <p:nvPr/>
+        </p:nvSpPr>
+        <p:spPr>
+          <a:xfrm>
+            <a:off x="2471741" y="2811776"/>
+            <a:ext cx="1176181" cy="363463"/>
+          </a:xfrm>
+          <a:prstGeom prst="stripedRightArrow">
+            <a:avLst>
+              <a:gd name="adj1" fmla="val 50000"/>
+              <a:gd name="adj2" fmla="val 42130"/>
+            </a:avLst>
+          </a:prstGeom>
+          <a:solidFill>
+            <a:schemeClr val="bg1">
+              <a:lumMod val="95000"/>
+            </a:schemeClr>
+          </a:solidFill>
+          <a:ln w="3175"/>
+        </p:spPr>
+        <p:style>
+          <a:lnRef idx="1">
+            <a:schemeClr val="dk1"/>
+          </a:lnRef>
+          <a:fillRef idx="2">
+            <a:schemeClr val="dk1"/>
+          </a:fillRef>
+          <a:effectRef idx="1">
+            <a:schemeClr val="dk1"/>
+          </a:effectRef>
+          <a:fontRef idx="minor">
+            <a:schemeClr val="dk1"/>
+          </a:fontRef>
+        </p:style>
+        <p:txBody>
+          <a:bodyPr rtlCol="0" anchor="ctr"/>
+          <a:lstStyle/>
+          <a:p>
+            <a:pPr algn="ctr"/>
+            <a:r>
+              <a:rPr lang="pl-PL" sz="1050" dirty="0" smtClean="0">
+                <a:latin typeface="Courier New" panose="02070309020205020404" pitchFamily="49" charset="0"/>
+                <a:cs typeface="Courier New" panose="02070309020205020404" pitchFamily="49" charset="0"/>
+              </a:rPr>
+              <a:t>git </a:t>
+            </a:r>
+            <a:r>
+              <a:rPr lang="pl-PL" sz="1050" dirty="0" err="1" smtClean="0">
+                <a:latin typeface="Courier New" panose="02070309020205020404" pitchFamily="49" charset="0"/>
+                <a:cs typeface="Courier New" panose="02070309020205020404" pitchFamily="49" charset="0"/>
+              </a:rPr>
+              <a:t>commit</a:t>
+            </a:r>
+            <a:endParaRPr lang="pl-PL" sz="1050" dirty="0">
+              <a:latin typeface="Courier New" panose="02070309020205020404" pitchFamily="49" charset="0"/>
+              <a:cs typeface="Courier New" panose="02070309020205020404" pitchFamily="49" charset="0"/>
+            </a:endParaRPr>
+          </a:p>
+        </p:txBody>
+      </p:sp>
+      <p:sp>
+        <p:nvSpPr>
+          <p:cNvPr id="19" name="Prążkowana strzałka w prawo 18"/>
+          <p:cNvSpPr/>
+          <p:nvPr/>
+        </p:nvSpPr>
+        <p:spPr>
+          <a:xfrm flipH="1">
+            <a:off x="3791925" y="4083918"/>
+            <a:ext cx="1176179" cy="363463"/>
+          </a:xfrm>
+          <a:prstGeom prst="stripedRightArrow">
+            <a:avLst>
+              <a:gd name="adj1" fmla="val 50000"/>
+              <a:gd name="adj2" fmla="val 42130"/>
+            </a:avLst>
+          </a:prstGeom>
+          <a:solidFill>
+            <a:schemeClr val="bg1">
+              <a:lumMod val="95000"/>
+            </a:schemeClr>
+          </a:solidFill>
+          <a:ln w="3175"/>
+        </p:spPr>
+        <p:style>
+          <a:lnRef idx="1">
+            <a:schemeClr val="dk1"/>
+          </a:lnRef>
+          <a:fillRef idx="2">
+            <a:schemeClr val="dk1"/>
+          </a:fillRef>
+          <a:effectRef idx="1">
+            <a:schemeClr val="dk1"/>
+          </a:effectRef>
+          <a:fontRef idx="minor">
+            <a:schemeClr val="dk1"/>
+          </a:fontRef>
+        </p:style>
+        <p:txBody>
+          <a:bodyPr rtlCol="0" anchor="ctr"/>
+          <a:lstStyle/>
+          <a:p>
+            <a:pPr algn="ctr"/>
+            <a:r>
+              <a:rPr lang="pl-PL" sz="1050" dirty="0">
+                <a:latin typeface="Courier New" panose="02070309020205020404" pitchFamily="49" charset="0"/>
+                <a:cs typeface="Courier New" panose="02070309020205020404" pitchFamily="49" charset="0"/>
+              </a:rPr>
+              <a:t>g</a:t>
+            </a:r>
+            <a:r>
+              <a:rPr lang="pl-PL" sz="1050" dirty="0" smtClean="0">
+                <a:latin typeface="Courier New" panose="02070309020205020404" pitchFamily="49" charset="0"/>
+                <a:cs typeface="Courier New" panose="02070309020205020404" pitchFamily="49" charset="0"/>
+              </a:rPr>
+              <a:t>it </a:t>
+            </a:r>
+            <a:r>
+              <a:rPr lang="pl-PL" sz="1050" dirty="0" err="1" smtClean="0">
+                <a:latin typeface="Courier New" panose="02070309020205020404" pitchFamily="49" charset="0"/>
+                <a:cs typeface="Courier New" panose="02070309020205020404" pitchFamily="49" charset="0"/>
+              </a:rPr>
+              <a:t>fetch</a:t>
+            </a:r>
+            <a:endParaRPr lang="pl-PL" sz="1050" dirty="0">
+              <a:latin typeface="Courier New" panose="02070309020205020404" pitchFamily="49" charset="0"/>
+              <a:cs typeface="Courier New" panose="02070309020205020404" pitchFamily="49" charset="0"/>
+            </a:endParaRPr>
+          </a:p>
+        </p:txBody>
+      </p:sp>
+      <p:sp>
+        <p:nvSpPr>
+          <p:cNvPr id="21" name="Prążkowana strzałka w prawo 20"/>
+          <p:cNvSpPr/>
+          <p:nvPr/>
+        </p:nvSpPr>
+        <p:spPr>
+          <a:xfrm flipH="1">
+            <a:off x="1145637" y="3111809"/>
+            <a:ext cx="2493422" cy="363463"/>
+          </a:xfrm>
+          <a:prstGeom prst="stripedRightArrow">
+            <a:avLst>
+              <a:gd name="adj1" fmla="val 50000"/>
+              <a:gd name="adj2" fmla="val 42130"/>
+            </a:avLst>
+          </a:prstGeom>
+          <a:solidFill>
+            <a:schemeClr val="bg1">
+              <a:lumMod val="95000"/>
+            </a:schemeClr>
+          </a:solidFill>
+          <a:ln w="3175"/>
+        </p:spPr>
+        <p:style>
+          <a:lnRef idx="1">
+            <a:schemeClr val="dk1"/>
+          </a:lnRef>
+          <a:fillRef idx="2">
+            <a:schemeClr val="dk1"/>
+          </a:fillRef>
+          <a:effectRef idx="1">
+            <a:schemeClr val="dk1"/>
+          </a:effectRef>
+          <a:fontRef idx="minor">
+            <a:schemeClr val="dk1"/>
+          </a:fontRef>
+        </p:style>
+        <p:txBody>
+          <a:bodyPr rtlCol="0" anchor="ctr"/>
+          <a:lstStyle/>
+          <a:p>
+            <a:pPr algn="ctr"/>
+            <a:r>
+              <a:rPr lang="pl-PL" sz="1050" dirty="0">
+                <a:latin typeface="Courier New" panose="02070309020205020404" pitchFamily="49" charset="0"/>
+                <a:cs typeface="Courier New" panose="02070309020205020404" pitchFamily="49" charset="0"/>
+              </a:rPr>
+              <a:t>g</a:t>
+            </a:r>
+            <a:r>
+              <a:rPr lang="pl-PL" sz="1050" dirty="0" smtClean="0">
+                <a:latin typeface="Courier New" panose="02070309020205020404" pitchFamily="49" charset="0"/>
+                <a:cs typeface="Courier New" panose="02070309020205020404" pitchFamily="49" charset="0"/>
+              </a:rPr>
+              <a:t>it </a:t>
+            </a:r>
+            <a:r>
+              <a:rPr lang="pl-PL" sz="1050" dirty="0" err="1" smtClean="0">
+                <a:latin typeface="Courier New" panose="02070309020205020404" pitchFamily="49" charset="0"/>
+                <a:cs typeface="Courier New" panose="02070309020205020404" pitchFamily="49" charset="0"/>
+              </a:rPr>
+              <a:t>checkout</a:t>
+            </a:r>
+            <a:endParaRPr lang="pl-PL" sz="1050" dirty="0">
+              <a:latin typeface="Courier New" panose="02070309020205020404" pitchFamily="49" charset="0"/>
+              <a:cs typeface="Courier New" panose="02070309020205020404" pitchFamily="49" charset="0"/>
+            </a:endParaRPr>
+          </a:p>
+        </p:txBody>
+      </p:sp>
     </p:spTree>
     <p:extLst>
       <p:ext uri="{BB962C8B-B14F-4D97-AF65-F5344CB8AC3E}">
-        <p14:creationId xmlns:p14="http://schemas.microsoft.com/office/powerpoint/2010/main" val="2866295409"/>
+        <p14:creationId xmlns:p14="http://schemas.microsoft.com/office/powerpoint/2010/main" val="393661945"/>
       </p:ext>
     </p:extLst>
   </p:cSld>
